--- a/Presentation.pptx
+++ b/Presentation.pptx
@@ -6,6 +6,11 @@
   </p:sldMasterIdLst>
   <p:sldIdLst>
     <p:sldId id="256" r:id="rId2"/>
+    <p:sldId id="257" r:id="rId3"/>
+    <p:sldId id="258" r:id="rId4"/>
+    <p:sldId id="259" r:id="rId5"/>
+    <p:sldId id="260" r:id="rId6"/>
+    <p:sldId id="261" r:id="rId7"/>
   </p:sldIdLst>
   <p:sldSz cx="12192000" cy="6858000"/>
   <p:notesSz cx="6858000" cy="9144000"/>
@@ -104,6 +109,11 @@
       </a:defRPr>
     </a:lvl9pPr>
   </p:defaultTextStyle>
+  <p:extLst>
+    <p:ext uri="{EFAFB233-063F-42B5-8137-9DF3F51BA10A}">
+      <p15:sldGuideLst xmlns:p15="http://schemas.microsoft.com/office/powerpoint/2012/main"/>
+    </p:ext>
+  </p:extLst>
 </p:presentation>
 </file>
 
@@ -111,13 +121,13 @@
 <pc:chgInfo xmlns:a="http://schemas.openxmlformats.org/drawingml/2006/main" xmlns:r="http://schemas.openxmlformats.org/officeDocument/2006/relationships" xmlns:ac="http://schemas.microsoft.com/office/drawing/2013/main/command" xmlns:pc="http://schemas.microsoft.com/office/powerpoint/2013/main/command">
   <pc:docChgLst>
     <pc:chgData name="Maher Alqarra" userId="81703c0c110a5f03" providerId="LiveId" clId="{62F15528-6ABD-4B3B-8FA9-687E9162CFF3}"/>
-    <pc:docChg chg="custSel addSld modSld">
-      <pc:chgData name="Maher Alqarra" userId="81703c0c110a5f03" providerId="LiveId" clId="{62F15528-6ABD-4B3B-8FA9-687E9162CFF3}" dt="2024-03-04T15:48:31.717" v="2" actId="478"/>
+    <pc:docChg chg="custSel addSld delSld modSld">
+      <pc:chgData name="Maher Alqarra" userId="81703c0c110a5f03" providerId="LiveId" clId="{62F15528-6ABD-4B3B-8FA9-687E9162CFF3}" dt="2024-03-04T19:21:26.164" v="22"/>
       <pc:docMkLst>
         <pc:docMk/>
       </pc:docMkLst>
-      <pc:sldChg chg="delSp new mod">
-        <pc:chgData name="Maher Alqarra" userId="81703c0c110a5f03" providerId="LiveId" clId="{62F15528-6ABD-4B3B-8FA9-687E9162CFF3}" dt="2024-03-04T15:48:31.717" v="2" actId="478"/>
+      <pc:sldChg chg="addSp delSp modSp new mod">
+        <pc:chgData name="Maher Alqarra" userId="81703c0c110a5f03" providerId="LiveId" clId="{62F15528-6ABD-4B3B-8FA9-687E9162CFF3}" dt="2024-03-04T19:21:14.439" v="15" actId="14100"/>
         <pc:sldMkLst>
           <pc:docMk/>
           <pc:sldMk cId="742347494" sldId="256"/>
@@ -138,6 +148,70 @@
             <ac:spMk id="3" creationId="{859447BC-FDC5-006E-4022-5013FDD55EA7}"/>
           </ac:spMkLst>
         </pc:spChg>
+        <pc:picChg chg="add mod">
+          <ac:chgData name="Maher Alqarra" userId="81703c0c110a5f03" providerId="LiveId" clId="{62F15528-6ABD-4B3B-8FA9-687E9162CFF3}" dt="2024-03-04T19:21:14.439" v="15" actId="14100"/>
+          <ac:picMkLst>
+            <pc:docMk/>
+            <pc:sldMk cId="742347494" sldId="256"/>
+            <ac:picMk id="3" creationId="{79A6B09A-BE7D-AEAF-388C-29FBE4B68C18}"/>
+          </ac:picMkLst>
+        </pc:picChg>
+      </pc:sldChg>
+      <pc:sldChg chg="add del">
+        <pc:chgData name="Maher Alqarra" userId="81703c0c110a5f03" providerId="LiveId" clId="{62F15528-6ABD-4B3B-8FA9-687E9162CFF3}" dt="2024-03-04T19:21:16.945" v="16" actId="47"/>
+        <pc:sldMkLst>
+          <pc:docMk/>
+          <pc:sldMk cId="306361559" sldId="257"/>
+        </pc:sldMkLst>
+      </pc:sldChg>
+      <pc:sldChg chg="new del">
+        <pc:chgData name="Maher Alqarra" userId="81703c0c110a5f03" providerId="LiveId" clId="{62F15528-6ABD-4B3B-8FA9-687E9162CFF3}" dt="2024-03-04T19:21:00.359" v="12" actId="2696"/>
+        <pc:sldMkLst>
+          <pc:docMk/>
+          <pc:sldMk cId="2070514234" sldId="257"/>
+        </pc:sldMkLst>
+      </pc:sldChg>
+      <pc:sldChg chg="add">
+        <pc:chgData name="Maher Alqarra" userId="81703c0c110a5f03" providerId="LiveId" clId="{62F15528-6ABD-4B3B-8FA9-687E9162CFF3}" dt="2024-03-04T19:21:25.141" v="18"/>
+        <pc:sldMkLst>
+          <pc:docMk/>
+          <pc:sldMk cId="3098824939" sldId="257"/>
+        </pc:sldMkLst>
+      </pc:sldChg>
+      <pc:sldChg chg="add del">
+        <pc:chgData name="Maher Alqarra" userId="81703c0c110a5f03" providerId="LiveId" clId="{62F15528-6ABD-4B3B-8FA9-687E9162CFF3}" dt="2024-03-04T19:21:18.002" v="17" actId="47"/>
+        <pc:sldMkLst>
+          <pc:docMk/>
+          <pc:sldMk cId="1257477695" sldId="258"/>
+        </pc:sldMkLst>
+      </pc:sldChg>
+      <pc:sldChg chg="add">
+        <pc:chgData name="Maher Alqarra" userId="81703c0c110a5f03" providerId="LiveId" clId="{62F15528-6ABD-4B3B-8FA9-687E9162CFF3}" dt="2024-03-04T19:21:25.569" v="19"/>
+        <pc:sldMkLst>
+          <pc:docMk/>
+          <pc:sldMk cId="2502954960" sldId="258"/>
+        </pc:sldMkLst>
+      </pc:sldChg>
+      <pc:sldChg chg="add">
+        <pc:chgData name="Maher Alqarra" userId="81703c0c110a5f03" providerId="LiveId" clId="{62F15528-6ABD-4B3B-8FA9-687E9162CFF3}" dt="2024-03-04T19:21:25.793" v="20"/>
+        <pc:sldMkLst>
+          <pc:docMk/>
+          <pc:sldMk cId="4064793766" sldId="259"/>
+        </pc:sldMkLst>
+      </pc:sldChg>
+      <pc:sldChg chg="add">
+        <pc:chgData name="Maher Alqarra" userId="81703c0c110a5f03" providerId="LiveId" clId="{62F15528-6ABD-4B3B-8FA9-687E9162CFF3}" dt="2024-03-04T19:21:25.996" v="21"/>
+        <pc:sldMkLst>
+          <pc:docMk/>
+          <pc:sldMk cId="4091885840" sldId="260"/>
+        </pc:sldMkLst>
+      </pc:sldChg>
+      <pc:sldChg chg="add">
+        <pc:chgData name="Maher Alqarra" userId="81703c0c110a5f03" providerId="LiveId" clId="{62F15528-6ABD-4B3B-8FA9-687E9162CFF3}" dt="2024-03-04T19:21:26.164" v="22"/>
+        <pc:sldMkLst>
+          <pc:docMk/>
+          <pc:sldMk cId="2140889961" sldId="261"/>
+        </pc:sldMkLst>
       </pc:sldChg>
     </pc:docChg>
   </pc:docChgLst>
@@ -3358,10 +3432,406 @@
           <a:chExt cx="0" cy="0"/>
         </a:xfrm>
       </p:grpSpPr>
+      <p:pic>
+        <p:nvPicPr>
+          <p:cNvPr id="3" name="Picture 2">
+            <a:extLst>
+              <a:ext uri="{FF2B5EF4-FFF2-40B4-BE49-F238E27FC236}">
+                <a16:creationId xmlns:a16="http://schemas.microsoft.com/office/drawing/2014/main" id="{79A6B09A-BE7D-AEAF-388C-29FBE4B68C18}"/>
+              </a:ext>
+            </a:extLst>
+          </p:cNvPr>
+          <p:cNvPicPr>
+            <a:picLocks noChangeAspect="1"/>
+          </p:cNvPicPr>
+          <p:nvPr/>
+        </p:nvPicPr>
+        <p:blipFill>
+          <a:blip r:embed="rId2">
+            <a:extLst>
+              <a:ext uri="{28A0092B-C50C-407E-A947-70E740481C1C}">
+                <a14:useLocalDpi xmlns:a14="http://schemas.microsoft.com/office/drawing/2010/main" val="0"/>
+              </a:ext>
+            </a:extLst>
+          </a:blip>
+          <a:stretch>
+            <a:fillRect/>
+          </a:stretch>
+        </p:blipFill>
+        <p:spPr>
+          <a:xfrm>
+            <a:off x="0" y="-82296"/>
+            <a:ext cx="12192000" cy="6940296"/>
+          </a:xfrm>
+          <a:prstGeom prst="rect">
+            <a:avLst/>
+          </a:prstGeom>
+        </p:spPr>
+      </p:pic>
     </p:spTree>
     <p:extLst>
       <p:ext uri="{BB962C8B-B14F-4D97-AF65-F5344CB8AC3E}">
         <p14:creationId xmlns:p14="http://schemas.microsoft.com/office/powerpoint/2010/main" val="742347494"/>
+      </p:ext>
+    </p:extLst>
+  </p:cSld>
+  <p:clrMapOvr>
+    <a:masterClrMapping/>
+  </p:clrMapOvr>
+</p:sld>
+</file>
+
+<file path=ppt/slides/slide2.xml><?xml version="1.0" encoding="utf-8"?>
+<p:sld xmlns:a="http://schemas.openxmlformats.org/drawingml/2006/main" xmlns:r="http://schemas.openxmlformats.org/officeDocument/2006/relationships" xmlns:p="http://schemas.openxmlformats.org/presentationml/2006/main">
+  <p:cSld>
+    <p:spTree>
+      <p:nvGrpSpPr>
+        <p:cNvPr id="1" name="">
+          <a:extLst>
+            <a:ext uri="{FF2B5EF4-FFF2-40B4-BE49-F238E27FC236}">
+              <a16:creationId xmlns:a16="http://schemas.microsoft.com/office/drawing/2014/main" id="{7F55A50A-0C9B-6C39-F0C0-0DAE8E396F5F}"/>
+            </a:ext>
+          </a:extLst>
+        </p:cNvPr>
+        <p:cNvGrpSpPr/>
+        <p:nvPr/>
+      </p:nvGrpSpPr>
+      <p:grpSpPr>
+        <a:xfrm>
+          <a:off x="0" y="0"/>
+          <a:ext cx="0" cy="0"/>
+          <a:chOff x="0" y="0"/>
+          <a:chExt cx="0" cy="0"/>
+        </a:xfrm>
+      </p:grpSpPr>
+      <p:pic>
+        <p:nvPicPr>
+          <p:cNvPr id="3" name="Picture 2">
+            <a:extLst>
+              <a:ext uri="{FF2B5EF4-FFF2-40B4-BE49-F238E27FC236}">
+                <a16:creationId xmlns:a16="http://schemas.microsoft.com/office/drawing/2014/main" id="{E50039A7-9663-83DE-DA6F-F7E727CFA465}"/>
+              </a:ext>
+            </a:extLst>
+          </p:cNvPr>
+          <p:cNvPicPr>
+            <a:picLocks noChangeAspect="1"/>
+          </p:cNvPicPr>
+          <p:nvPr/>
+        </p:nvPicPr>
+        <p:blipFill>
+          <a:blip r:embed="rId2">
+            <a:extLst>
+              <a:ext uri="{28A0092B-C50C-407E-A947-70E740481C1C}">
+                <a14:useLocalDpi xmlns:a14="http://schemas.microsoft.com/office/drawing/2010/main" val="0"/>
+              </a:ext>
+            </a:extLst>
+          </a:blip>
+          <a:stretch>
+            <a:fillRect/>
+          </a:stretch>
+        </p:blipFill>
+        <p:spPr>
+          <a:xfrm>
+            <a:off x="0" y="-82296"/>
+            <a:ext cx="12192000" cy="6940296"/>
+          </a:xfrm>
+          <a:prstGeom prst="rect">
+            <a:avLst/>
+          </a:prstGeom>
+        </p:spPr>
+      </p:pic>
+    </p:spTree>
+    <p:extLst>
+      <p:ext uri="{BB962C8B-B14F-4D97-AF65-F5344CB8AC3E}">
+        <p14:creationId xmlns:p14="http://schemas.microsoft.com/office/powerpoint/2010/main" val="3098824939"/>
+      </p:ext>
+    </p:extLst>
+  </p:cSld>
+  <p:clrMapOvr>
+    <a:masterClrMapping/>
+  </p:clrMapOvr>
+</p:sld>
+</file>
+
+<file path=ppt/slides/slide3.xml><?xml version="1.0" encoding="utf-8"?>
+<p:sld xmlns:a="http://schemas.openxmlformats.org/drawingml/2006/main" xmlns:r="http://schemas.openxmlformats.org/officeDocument/2006/relationships" xmlns:p="http://schemas.openxmlformats.org/presentationml/2006/main">
+  <p:cSld>
+    <p:spTree>
+      <p:nvGrpSpPr>
+        <p:cNvPr id="1" name="">
+          <a:extLst>
+            <a:ext uri="{FF2B5EF4-FFF2-40B4-BE49-F238E27FC236}">
+              <a16:creationId xmlns:a16="http://schemas.microsoft.com/office/drawing/2014/main" id="{A63A445E-389E-61FE-AEE5-3151ADC386CA}"/>
+            </a:ext>
+          </a:extLst>
+        </p:cNvPr>
+        <p:cNvGrpSpPr/>
+        <p:nvPr/>
+      </p:nvGrpSpPr>
+      <p:grpSpPr>
+        <a:xfrm>
+          <a:off x="0" y="0"/>
+          <a:ext cx="0" cy="0"/>
+          <a:chOff x="0" y="0"/>
+          <a:chExt cx="0" cy="0"/>
+        </a:xfrm>
+      </p:grpSpPr>
+      <p:pic>
+        <p:nvPicPr>
+          <p:cNvPr id="3" name="Picture 2">
+            <a:extLst>
+              <a:ext uri="{FF2B5EF4-FFF2-40B4-BE49-F238E27FC236}">
+                <a16:creationId xmlns:a16="http://schemas.microsoft.com/office/drawing/2014/main" id="{C5AFC1D6-B4DA-3798-8D1D-7442CD7F315A}"/>
+              </a:ext>
+            </a:extLst>
+          </p:cNvPr>
+          <p:cNvPicPr>
+            <a:picLocks noChangeAspect="1"/>
+          </p:cNvPicPr>
+          <p:nvPr/>
+        </p:nvPicPr>
+        <p:blipFill>
+          <a:blip r:embed="rId2">
+            <a:extLst>
+              <a:ext uri="{28A0092B-C50C-407E-A947-70E740481C1C}">
+                <a14:useLocalDpi xmlns:a14="http://schemas.microsoft.com/office/drawing/2010/main" val="0"/>
+              </a:ext>
+            </a:extLst>
+          </a:blip>
+          <a:stretch>
+            <a:fillRect/>
+          </a:stretch>
+        </p:blipFill>
+        <p:spPr>
+          <a:xfrm>
+            <a:off x="0" y="-82296"/>
+            <a:ext cx="12192000" cy="6940296"/>
+          </a:xfrm>
+          <a:prstGeom prst="rect">
+            <a:avLst/>
+          </a:prstGeom>
+        </p:spPr>
+      </p:pic>
+    </p:spTree>
+    <p:extLst>
+      <p:ext uri="{BB962C8B-B14F-4D97-AF65-F5344CB8AC3E}">
+        <p14:creationId xmlns:p14="http://schemas.microsoft.com/office/powerpoint/2010/main" val="2502954960"/>
+      </p:ext>
+    </p:extLst>
+  </p:cSld>
+  <p:clrMapOvr>
+    <a:masterClrMapping/>
+  </p:clrMapOvr>
+</p:sld>
+</file>
+
+<file path=ppt/slides/slide4.xml><?xml version="1.0" encoding="utf-8"?>
+<p:sld xmlns:a="http://schemas.openxmlformats.org/drawingml/2006/main" xmlns:r="http://schemas.openxmlformats.org/officeDocument/2006/relationships" xmlns:p="http://schemas.openxmlformats.org/presentationml/2006/main">
+  <p:cSld>
+    <p:spTree>
+      <p:nvGrpSpPr>
+        <p:cNvPr id="1" name="">
+          <a:extLst>
+            <a:ext uri="{FF2B5EF4-FFF2-40B4-BE49-F238E27FC236}">
+              <a16:creationId xmlns:a16="http://schemas.microsoft.com/office/drawing/2014/main" id="{E3836FDA-1680-1475-1637-403CD985FC95}"/>
+            </a:ext>
+          </a:extLst>
+        </p:cNvPr>
+        <p:cNvGrpSpPr/>
+        <p:nvPr/>
+      </p:nvGrpSpPr>
+      <p:grpSpPr>
+        <a:xfrm>
+          <a:off x="0" y="0"/>
+          <a:ext cx="0" cy="0"/>
+          <a:chOff x="0" y="0"/>
+          <a:chExt cx="0" cy="0"/>
+        </a:xfrm>
+      </p:grpSpPr>
+      <p:pic>
+        <p:nvPicPr>
+          <p:cNvPr id="3" name="Picture 2">
+            <a:extLst>
+              <a:ext uri="{FF2B5EF4-FFF2-40B4-BE49-F238E27FC236}">
+                <a16:creationId xmlns:a16="http://schemas.microsoft.com/office/drawing/2014/main" id="{445CA8F4-C9A5-D108-C30D-8861F1C13D2F}"/>
+              </a:ext>
+            </a:extLst>
+          </p:cNvPr>
+          <p:cNvPicPr>
+            <a:picLocks noChangeAspect="1"/>
+          </p:cNvPicPr>
+          <p:nvPr/>
+        </p:nvPicPr>
+        <p:blipFill>
+          <a:blip r:embed="rId2">
+            <a:extLst>
+              <a:ext uri="{28A0092B-C50C-407E-A947-70E740481C1C}">
+                <a14:useLocalDpi xmlns:a14="http://schemas.microsoft.com/office/drawing/2010/main" val="0"/>
+              </a:ext>
+            </a:extLst>
+          </a:blip>
+          <a:stretch>
+            <a:fillRect/>
+          </a:stretch>
+        </p:blipFill>
+        <p:spPr>
+          <a:xfrm>
+            <a:off x="0" y="-82296"/>
+            <a:ext cx="12192000" cy="6940296"/>
+          </a:xfrm>
+          <a:prstGeom prst="rect">
+            <a:avLst/>
+          </a:prstGeom>
+        </p:spPr>
+      </p:pic>
+    </p:spTree>
+    <p:extLst>
+      <p:ext uri="{BB962C8B-B14F-4D97-AF65-F5344CB8AC3E}">
+        <p14:creationId xmlns:p14="http://schemas.microsoft.com/office/powerpoint/2010/main" val="4064793766"/>
+      </p:ext>
+    </p:extLst>
+  </p:cSld>
+  <p:clrMapOvr>
+    <a:masterClrMapping/>
+  </p:clrMapOvr>
+</p:sld>
+</file>
+
+<file path=ppt/slides/slide5.xml><?xml version="1.0" encoding="utf-8"?>
+<p:sld xmlns:a="http://schemas.openxmlformats.org/drawingml/2006/main" xmlns:r="http://schemas.openxmlformats.org/officeDocument/2006/relationships" xmlns:p="http://schemas.openxmlformats.org/presentationml/2006/main">
+  <p:cSld>
+    <p:spTree>
+      <p:nvGrpSpPr>
+        <p:cNvPr id="1" name="">
+          <a:extLst>
+            <a:ext uri="{FF2B5EF4-FFF2-40B4-BE49-F238E27FC236}">
+              <a16:creationId xmlns:a16="http://schemas.microsoft.com/office/drawing/2014/main" id="{AC21C63E-D685-91A7-F1C8-5EEBAE9E33DE}"/>
+            </a:ext>
+          </a:extLst>
+        </p:cNvPr>
+        <p:cNvGrpSpPr/>
+        <p:nvPr/>
+      </p:nvGrpSpPr>
+      <p:grpSpPr>
+        <a:xfrm>
+          <a:off x="0" y="0"/>
+          <a:ext cx="0" cy="0"/>
+          <a:chOff x="0" y="0"/>
+          <a:chExt cx="0" cy="0"/>
+        </a:xfrm>
+      </p:grpSpPr>
+      <p:pic>
+        <p:nvPicPr>
+          <p:cNvPr id="3" name="Picture 2">
+            <a:extLst>
+              <a:ext uri="{FF2B5EF4-FFF2-40B4-BE49-F238E27FC236}">
+                <a16:creationId xmlns:a16="http://schemas.microsoft.com/office/drawing/2014/main" id="{D52CB0D3-8E7F-AF67-AAAA-DBA3C21DFE30}"/>
+              </a:ext>
+            </a:extLst>
+          </p:cNvPr>
+          <p:cNvPicPr>
+            <a:picLocks noChangeAspect="1"/>
+          </p:cNvPicPr>
+          <p:nvPr/>
+        </p:nvPicPr>
+        <p:blipFill>
+          <a:blip r:embed="rId2">
+            <a:extLst>
+              <a:ext uri="{28A0092B-C50C-407E-A947-70E740481C1C}">
+                <a14:useLocalDpi xmlns:a14="http://schemas.microsoft.com/office/drawing/2010/main" val="0"/>
+              </a:ext>
+            </a:extLst>
+          </a:blip>
+          <a:stretch>
+            <a:fillRect/>
+          </a:stretch>
+        </p:blipFill>
+        <p:spPr>
+          <a:xfrm>
+            <a:off x="0" y="-82296"/>
+            <a:ext cx="12192000" cy="6940296"/>
+          </a:xfrm>
+          <a:prstGeom prst="rect">
+            <a:avLst/>
+          </a:prstGeom>
+        </p:spPr>
+      </p:pic>
+    </p:spTree>
+    <p:extLst>
+      <p:ext uri="{BB962C8B-B14F-4D97-AF65-F5344CB8AC3E}">
+        <p14:creationId xmlns:p14="http://schemas.microsoft.com/office/powerpoint/2010/main" val="4091885840"/>
+      </p:ext>
+    </p:extLst>
+  </p:cSld>
+  <p:clrMapOvr>
+    <a:masterClrMapping/>
+  </p:clrMapOvr>
+</p:sld>
+</file>
+
+<file path=ppt/slides/slide6.xml><?xml version="1.0" encoding="utf-8"?>
+<p:sld xmlns:a="http://schemas.openxmlformats.org/drawingml/2006/main" xmlns:r="http://schemas.openxmlformats.org/officeDocument/2006/relationships" xmlns:p="http://schemas.openxmlformats.org/presentationml/2006/main">
+  <p:cSld>
+    <p:spTree>
+      <p:nvGrpSpPr>
+        <p:cNvPr id="1" name="">
+          <a:extLst>
+            <a:ext uri="{FF2B5EF4-FFF2-40B4-BE49-F238E27FC236}">
+              <a16:creationId xmlns:a16="http://schemas.microsoft.com/office/drawing/2014/main" id="{B2B825EE-BB4B-78BC-B16F-5E315B508E3F}"/>
+            </a:ext>
+          </a:extLst>
+        </p:cNvPr>
+        <p:cNvGrpSpPr/>
+        <p:nvPr/>
+      </p:nvGrpSpPr>
+      <p:grpSpPr>
+        <a:xfrm>
+          <a:off x="0" y="0"/>
+          <a:ext cx="0" cy="0"/>
+          <a:chOff x="0" y="0"/>
+          <a:chExt cx="0" cy="0"/>
+        </a:xfrm>
+      </p:grpSpPr>
+      <p:pic>
+        <p:nvPicPr>
+          <p:cNvPr id="3" name="Picture 2">
+            <a:extLst>
+              <a:ext uri="{FF2B5EF4-FFF2-40B4-BE49-F238E27FC236}">
+                <a16:creationId xmlns:a16="http://schemas.microsoft.com/office/drawing/2014/main" id="{62974E55-81D5-C30B-B10E-2BF9029D6EF9}"/>
+              </a:ext>
+            </a:extLst>
+          </p:cNvPr>
+          <p:cNvPicPr>
+            <a:picLocks noChangeAspect="1"/>
+          </p:cNvPicPr>
+          <p:nvPr/>
+        </p:nvPicPr>
+        <p:blipFill>
+          <a:blip r:embed="rId2">
+            <a:extLst>
+              <a:ext uri="{28A0092B-C50C-407E-A947-70E740481C1C}">
+                <a14:useLocalDpi xmlns:a14="http://schemas.microsoft.com/office/drawing/2010/main" val="0"/>
+              </a:ext>
+            </a:extLst>
+          </a:blip>
+          <a:stretch>
+            <a:fillRect/>
+          </a:stretch>
+        </p:blipFill>
+        <p:spPr>
+          <a:xfrm>
+            <a:off x="0" y="-82296"/>
+            <a:ext cx="12192000" cy="6940296"/>
+          </a:xfrm>
+          <a:prstGeom prst="rect">
+            <a:avLst/>
+          </a:prstGeom>
+        </p:spPr>
+      </p:pic>
+    </p:spTree>
+    <p:extLst>
+      <p:ext uri="{BB962C8B-B14F-4D97-AF65-F5344CB8AC3E}">
+        <p14:creationId xmlns:p14="http://schemas.microsoft.com/office/powerpoint/2010/main" val="2140889961"/>
       </p:ext>
     </p:extLst>
   </p:cSld>

--- a/Presentation.pptx
+++ b/Presentation.pptx
@@ -6,8 +6,8 @@
   </p:sldMasterIdLst>
   <p:sldIdLst>
     <p:sldId id="256" r:id="rId2"/>
-    <p:sldId id="257" r:id="rId3"/>
-    <p:sldId id="258" r:id="rId4"/>
+    <p:sldId id="258" r:id="rId3"/>
+    <p:sldId id="257" r:id="rId4"/>
     <p:sldId id="259" r:id="rId5"/>
     <p:sldId id="260" r:id="rId6"/>
     <p:sldId id="261" r:id="rId7"/>
@@ -121,13 +121,13 @@
 <pc:chgInfo xmlns:a="http://schemas.openxmlformats.org/drawingml/2006/main" xmlns:r="http://schemas.openxmlformats.org/officeDocument/2006/relationships" xmlns:ac="http://schemas.microsoft.com/office/drawing/2013/main/command" xmlns:pc="http://schemas.microsoft.com/office/powerpoint/2013/main/command">
   <pc:docChgLst>
     <pc:chgData name="Maher Alqarra" userId="81703c0c110a5f03" providerId="LiveId" clId="{62F15528-6ABD-4B3B-8FA9-687E9162CFF3}"/>
-    <pc:docChg chg="custSel addSld delSld modSld">
-      <pc:chgData name="Maher Alqarra" userId="81703c0c110a5f03" providerId="LiveId" clId="{62F15528-6ABD-4B3B-8FA9-687E9162CFF3}" dt="2024-03-04T19:21:26.164" v="22"/>
+    <pc:docChg chg="undo custSel addSld delSld modSld sldOrd">
+      <pc:chgData name="Maher Alqarra" userId="81703c0c110a5f03" providerId="LiveId" clId="{62F15528-6ABD-4B3B-8FA9-687E9162CFF3}" dt="2024-03-05T21:52:49.729" v="180"/>
       <pc:docMkLst>
         <pc:docMk/>
       </pc:docMkLst>
       <pc:sldChg chg="addSp delSp modSp new mod">
-        <pc:chgData name="Maher Alqarra" userId="81703c0c110a5f03" providerId="LiveId" clId="{62F15528-6ABD-4B3B-8FA9-687E9162CFF3}" dt="2024-03-04T19:21:14.439" v="15" actId="14100"/>
+        <pc:chgData name="Maher Alqarra" userId="81703c0c110a5f03" providerId="LiveId" clId="{62F15528-6ABD-4B3B-8FA9-687E9162CFF3}" dt="2024-03-05T21:37:57.537" v="110" actId="1076"/>
         <pc:sldMkLst>
           <pc:docMk/>
           <pc:sldMk cId="742347494" sldId="256"/>
@@ -138,6 +138,14 @@
             <pc:docMk/>
             <pc:sldMk cId="742347494" sldId="256"/>
             <ac:spMk id="2" creationId="{2205460A-B9F1-0E83-A46A-0CF6658192D2}"/>
+          </ac:spMkLst>
+        </pc:spChg>
+        <pc:spChg chg="add mod">
+          <ac:chgData name="Maher Alqarra" userId="81703c0c110a5f03" providerId="LiveId" clId="{62F15528-6ABD-4B3B-8FA9-687E9162CFF3}" dt="2024-03-05T21:37:57.537" v="110" actId="1076"/>
+          <ac:spMkLst>
+            <pc:docMk/>
+            <pc:sldMk cId="742347494" sldId="256"/>
+            <ac:spMk id="2" creationId="{BE9EC313-838A-BAFA-AFAD-BF8E05A1C879}"/>
           </ac:spMkLst>
         </pc:spChg>
         <pc:spChg chg="del">
@@ -171,12 +179,28 @@
           <pc:sldMk cId="2070514234" sldId="257"/>
         </pc:sldMkLst>
       </pc:sldChg>
-      <pc:sldChg chg="add">
-        <pc:chgData name="Maher Alqarra" userId="81703c0c110a5f03" providerId="LiveId" clId="{62F15528-6ABD-4B3B-8FA9-687E9162CFF3}" dt="2024-03-04T19:21:25.141" v="18"/>
+      <pc:sldChg chg="addSp modSp add mod ord">
+        <pc:chgData name="Maher Alqarra" userId="81703c0c110a5f03" providerId="LiveId" clId="{62F15528-6ABD-4B3B-8FA9-687E9162CFF3}" dt="2024-03-05T21:50:26.787" v="169" actId="14100"/>
         <pc:sldMkLst>
           <pc:docMk/>
           <pc:sldMk cId="3098824939" sldId="257"/>
         </pc:sldMkLst>
+        <pc:spChg chg="add mod">
+          <ac:chgData name="Maher Alqarra" userId="81703c0c110a5f03" providerId="LiveId" clId="{62F15528-6ABD-4B3B-8FA9-687E9162CFF3}" dt="2024-03-05T21:48:42.870" v="162" actId="113"/>
+          <ac:spMkLst>
+            <pc:docMk/>
+            <pc:sldMk cId="3098824939" sldId="257"/>
+            <ac:spMk id="4" creationId="{832A307A-1BC8-D6DE-1059-37869E398E3C}"/>
+          </ac:spMkLst>
+        </pc:spChg>
+        <pc:picChg chg="add mod">
+          <ac:chgData name="Maher Alqarra" userId="81703c0c110a5f03" providerId="LiveId" clId="{62F15528-6ABD-4B3B-8FA9-687E9162CFF3}" dt="2024-03-05T21:50:26.787" v="169" actId="14100"/>
+          <ac:picMkLst>
+            <pc:docMk/>
+            <pc:sldMk cId="3098824939" sldId="257"/>
+            <ac:picMk id="6" creationId="{3C7F8FAA-9FC5-F8DE-4804-68EE5C4FCB6F}"/>
+          </ac:picMkLst>
+        </pc:picChg>
       </pc:sldChg>
       <pc:sldChg chg="add del">
         <pc:chgData name="Maher Alqarra" userId="81703c0c110a5f03" providerId="LiveId" clId="{62F15528-6ABD-4B3B-8FA9-687E9162CFF3}" dt="2024-03-04T19:21:18.002" v="17" actId="47"/>
@@ -185,26 +209,66 @@
           <pc:sldMk cId="1257477695" sldId="258"/>
         </pc:sldMkLst>
       </pc:sldChg>
-      <pc:sldChg chg="add">
-        <pc:chgData name="Maher Alqarra" userId="81703c0c110a5f03" providerId="LiveId" clId="{62F15528-6ABD-4B3B-8FA9-687E9162CFF3}" dt="2024-03-04T19:21:25.569" v="19"/>
+      <pc:sldChg chg="addSp modSp add mod">
+        <pc:chgData name="Maher Alqarra" userId="81703c0c110a5f03" providerId="LiveId" clId="{62F15528-6ABD-4B3B-8FA9-687E9162CFF3}" dt="2024-03-05T21:47:56.309" v="155" actId="1076"/>
         <pc:sldMkLst>
           <pc:docMk/>
           <pc:sldMk cId="2502954960" sldId="258"/>
         </pc:sldMkLst>
+        <pc:spChg chg="add mod">
+          <ac:chgData name="Maher Alqarra" userId="81703c0c110a5f03" providerId="LiveId" clId="{62F15528-6ABD-4B3B-8FA9-687E9162CFF3}" dt="2024-03-05T21:47:07.178" v="152" actId="207"/>
+          <ac:spMkLst>
+            <pc:docMk/>
+            <pc:sldMk cId="2502954960" sldId="258"/>
+            <ac:spMk id="2" creationId="{4B6F00F2-9A96-3E18-A886-B773D2F6DE7C}"/>
+          </ac:spMkLst>
+        </pc:spChg>
+        <pc:picChg chg="add mod">
+          <ac:chgData name="Maher Alqarra" userId="81703c0c110a5f03" providerId="LiveId" clId="{62F15528-6ABD-4B3B-8FA9-687E9162CFF3}" dt="2024-03-05T21:47:56.309" v="155" actId="1076"/>
+          <ac:picMkLst>
+            <pc:docMk/>
+            <pc:sldMk cId="2502954960" sldId="258"/>
+            <ac:picMk id="5" creationId="{F0BE0A9C-C29C-7903-F634-B9C625F24F23}"/>
+          </ac:picMkLst>
+        </pc:picChg>
       </pc:sldChg>
-      <pc:sldChg chg="add">
-        <pc:chgData name="Maher Alqarra" userId="81703c0c110a5f03" providerId="LiveId" clId="{62F15528-6ABD-4B3B-8FA9-687E9162CFF3}" dt="2024-03-04T19:21:25.793" v="20"/>
+      <pc:sldChg chg="addSp modSp add mod">
+        <pc:chgData name="Maher Alqarra" userId="81703c0c110a5f03" providerId="LiveId" clId="{62F15528-6ABD-4B3B-8FA9-687E9162CFF3}" dt="2024-03-05T21:51:55.439" v="179" actId="1076"/>
         <pc:sldMkLst>
           <pc:docMk/>
           <pc:sldMk cId="4064793766" sldId="259"/>
         </pc:sldMkLst>
+        <pc:spChg chg="add mod">
+          <ac:chgData name="Maher Alqarra" userId="81703c0c110a5f03" providerId="LiveId" clId="{62F15528-6ABD-4B3B-8FA9-687E9162CFF3}" dt="2024-03-05T21:51:12.901" v="173"/>
+          <ac:spMkLst>
+            <pc:docMk/>
+            <pc:sldMk cId="4064793766" sldId="259"/>
+            <ac:spMk id="2" creationId="{CE082283-1CAA-CA64-1B05-E8ABE2E2CCAE}"/>
+          </ac:spMkLst>
+        </pc:spChg>
+        <pc:picChg chg="add mod">
+          <ac:chgData name="Maher Alqarra" userId="81703c0c110a5f03" providerId="LiveId" clId="{62F15528-6ABD-4B3B-8FA9-687E9162CFF3}" dt="2024-03-05T21:51:55.439" v="179" actId="1076"/>
+          <ac:picMkLst>
+            <pc:docMk/>
+            <pc:sldMk cId="4064793766" sldId="259"/>
+            <ac:picMk id="5" creationId="{5582A276-4BC5-9C95-11C8-2A39BE330ABB}"/>
+          </ac:picMkLst>
+        </pc:picChg>
       </pc:sldChg>
-      <pc:sldChg chg="add">
-        <pc:chgData name="Maher Alqarra" userId="81703c0c110a5f03" providerId="LiveId" clId="{62F15528-6ABD-4B3B-8FA9-687E9162CFF3}" dt="2024-03-04T19:21:25.996" v="21"/>
+      <pc:sldChg chg="addSp modSp add">
+        <pc:chgData name="Maher Alqarra" userId="81703c0c110a5f03" providerId="LiveId" clId="{62F15528-6ABD-4B3B-8FA9-687E9162CFF3}" dt="2024-03-05T21:52:49.729" v="180"/>
         <pc:sldMkLst>
           <pc:docMk/>
           <pc:sldMk cId="4091885840" sldId="260"/>
         </pc:sldMkLst>
+        <pc:spChg chg="add mod">
+          <ac:chgData name="Maher Alqarra" userId="81703c0c110a5f03" providerId="LiveId" clId="{62F15528-6ABD-4B3B-8FA9-687E9162CFF3}" dt="2024-03-05T21:52:49.729" v="180"/>
+          <ac:spMkLst>
+            <pc:docMk/>
+            <pc:sldMk cId="4091885840" sldId="260"/>
+            <ac:spMk id="2" creationId="{9352414A-F6BE-790E-856E-38F1690CF0A0}"/>
+          </ac:spMkLst>
+        </pc:spChg>
       </pc:sldChg>
       <pc:sldChg chg="add">
         <pc:chgData name="Maher Alqarra" userId="81703c0c110a5f03" providerId="LiveId" clId="{62F15528-6ABD-4B3B-8FA9-687E9162CFF3}" dt="2024-03-04T19:21:26.164" v="22"/>
@@ -365,7 +429,7 @@
           <a:p>
             <a:fld id="{73CF6219-E6C4-487B-954F-836E2430B630}" type="datetimeFigureOut">
               <a:rPr lang="en-US" smtClean="0"/>
-              <a:t>3/4/2024</a:t>
+              <a:t>3/5/2024</a:t>
             </a:fld>
             <a:endParaRPr lang="en-US"/>
           </a:p>
@@ -563,7 +627,7 @@
           <a:p>
             <a:fld id="{73CF6219-E6C4-487B-954F-836E2430B630}" type="datetimeFigureOut">
               <a:rPr lang="en-US" smtClean="0"/>
-              <a:t>3/4/2024</a:t>
+              <a:t>3/5/2024</a:t>
             </a:fld>
             <a:endParaRPr lang="en-US"/>
           </a:p>
@@ -771,7 +835,7 @@
           <a:p>
             <a:fld id="{73CF6219-E6C4-487B-954F-836E2430B630}" type="datetimeFigureOut">
               <a:rPr lang="en-US" smtClean="0"/>
-              <a:t>3/4/2024</a:t>
+              <a:t>3/5/2024</a:t>
             </a:fld>
             <a:endParaRPr lang="en-US"/>
           </a:p>
@@ -969,7 +1033,7 @@
           <a:p>
             <a:fld id="{73CF6219-E6C4-487B-954F-836E2430B630}" type="datetimeFigureOut">
               <a:rPr lang="en-US" smtClean="0"/>
-              <a:t>3/4/2024</a:t>
+              <a:t>3/5/2024</a:t>
             </a:fld>
             <a:endParaRPr lang="en-US"/>
           </a:p>
@@ -1244,7 +1308,7 @@
           <a:p>
             <a:fld id="{73CF6219-E6C4-487B-954F-836E2430B630}" type="datetimeFigureOut">
               <a:rPr lang="en-US" smtClean="0"/>
-              <a:t>3/4/2024</a:t>
+              <a:t>3/5/2024</a:t>
             </a:fld>
             <a:endParaRPr lang="en-US"/>
           </a:p>
@@ -1509,7 +1573,7 @@
           <a:p>
             <a:fld id="{73CF6219-E6C4-487B-954F-836E2430B630}" type="datetimeFigureOut">
               <a:rPr lang="en-US" smtClean="0"/>
-              <a:t>3/4/2024</a:t>
+              <a:t>3/5/2024</a:t>
             </a:fld>
             <a:endParaRPr lang="en-US"/>
           </a:p>
@@ -1921,7 +1985,7 @@
           <a:p>
             <a:fld id="{73CF6219-E6C4-487B-954F-836E2430B630}" type="datetimeFigureOut">
               <a:rPr lang="en-US" smtClean="0"/>
-              <a:t>3/4/2024</a:t>
+              <a:t>3/5/2024</a:t>
             </a:fld>
             <a:endParaRPr lang="en-US"/>
           </a:p>
@@ -2062,7 +2126,7 @@
           <a:p>
             <a:fld id="{73CF6219-E6C4-487B-954F-836E2430B630}" type="datetimeFigureOut">
               <a:rPr lang="en-US" smtClean="0"/>
-              <a:t>3/4/2024</a:t>
+              <a:t>3/5/2024</a:t>
             </a:fld>
             <a:endParaRPr lang="en-US"/>
           </a:p>
@@ -2175,7 +2239,7 @@
           <a:p>
             <a:fld id="{73CF6219-E6C4-487B-954F-836E2430B630}" type="datetimeFigureOut">
               <a:rPr lang="en-US" smtClean="0"/>
-              <a:t>3/4/2024</a:t>
+              <a:t>3/5/2024</a:t>
             </a:fld>
             <a:endParaRPr lang="en-US"/>
           </a:p>
@@ -2486,7 +2550,7 @@
           <a:p>
             <a:fld id="{73CF6219-E6C4-487B-954F-836E2430B630}" type="datetimeFigureOut">
               <a:rPr lang="en-US" smtClean="0"/>
-              <a:t>3/4/2024</a:t>
+              <a:t>3/5/2024</a:t>
             </a:fld>
             <a:endParaRPr lang="en-US"/>
           </a:p>
@@ -2774,7 +2838,7 @@
           <a:p>
             <a:fld id="{73CF6219-E6C4-487B-954F-836E2430B630}" type="datetimeFigureOut">
               <a:rPr lang="en-US" smtClean="0"/>
-              <a:t>3/4/2024</a:t>
+              <a:t>3/5/2024</a:t>
             </a:fld>
             <a:endParaRPr lang="en-US"/>
           </a:p>
@@ -3015,7 +3079,7 @@
           <a:p>
             <a:fld id="{73CF6219-E6C4-487B-954F-836E2430B630}" type="datetimeFigureOut">
               <a:rPr lang="en-US" smtClean="0"/>
-              <a:t>3/4/2024</a:t>
+              <a:t>3/5/2024</a:t>
             </a:fld>
             <a:endParaRPr lang="en-US"/>
           </a:p>
@@ -3468,6 +3532,150 @@
           </a:prstGeom>
         </p:spPr>
       </p:pic>
+      <p:sp>
+        <p:nvSpPr>
+          <p:cNvPr id="2" name="TextBox 1">
+            <a:extLst>
+              <a:ext uri="{FF2B5EF4-FFF2-40B4-BE49-F238E27FC236}">
+                <a16:creationId xmlns:a16="http://schemas.microsoft.com/office/drawing/2014/main" id="{BE9EC313-838A-BAFA-AFAD-BF8E05A1C879}"/>
+              </a:ext>
+            </a:extLst>
+          </p:cNvPr>
+          <p:cNvSpPr txBox="1"/>
+          <p:nvPr/>
+        </p:nvSpPr>
+        <p:spPr>
+          <a:xfrm>
+            <a:off x="1664208" y="548640"/>
+            <a:ext cx="8513064" cy="4862870"/>
+          </a:xfrm>
+          <a:prstGeom prst="rect">
+            <a:avLst/>
+          </a:prstGeom>
+          <a:noFill/>
+        </p:spPr>
+        <p:txBody>
+          <a:bodyPr wrap="square" rtlCol="0">
+            <a:spAutoFit/>
+          </a:bodyPr>
+          <a:lstStyle/>
+          <a:p>
+            <a:pPr algn="ctr"/>
+            <a:r>
+              <a:rPr lang="en-US" sz="2800" b="1" dirty="0">
+                <a:solidFill>
+                  <a:schemeClr val="accent2">
+                    <a:lumMod val="60000"/>
+                    <a:lumOff val="40000"/>
+                  </a:schemeClr>
+                </a:solidFill>
+              </a:rPr>
+              <a:t>Technology Titans Project</a:t>
+            </a:r>
+          </a:p>
+          <a:p>
+            <a:endParaRPr lang="en-US" dirty="0">
+              <a:solidFill>
+                <a:schemeClr val="bg1"/>
+              </a:solidFill>
+            </a:endParaRPr>
+          </a:p>
+          <a:p>
+            <a:r>
+              <a:rPr lang="en-US" sz="2400" b="1" dirty="0">
+                <a:solidFill>
+                  <a:schemeClr val="accent2">
+                    <a:lumMod val="60000"/>
+                    <a:lumOff val="40000"/>
+                  </a:schemeClr>
+                </a:solidFill>
+              </a:rPr>
+              <a:t>Project Overview</a:t>
+            </a:r>
+          </a:p>
+          <a:p>
+            <a:endParaRPr lang="en-US" sz="2400" dirty="0">
+              <a:solidFill>
+                <a:schemeClr val="bg1"/>
+              </a:solidFill>
+            </a:endParaRPr>
+          </a:p>
+          <a:p>
+            <a:r>
+              <a:rPr lang="en-US" sz="2400" dirty="0">
+                <a:solidFill>
+                  <a:schemeClr val="accent4"/>
+                </a:solidFill>
+              </a:rPr>
+              <a:t>Objective:</a:t>
+            </a:r>
+          </a:p>
+          <a:p>
+            <a:r>
+              <a:rPr lang="en-US" sz="2400" dirty="0">
+                <a:solidFill>
+                  <a:schemeClr val="bg1"/>
+                </a:solidFill>
+              </a:rPr>
+              <a:t> Help investors make informed decisions about technology sector investments worldwide.</a:t>
+            </a:r>
+          </a:p>
+          <a:p>
+            <a:endParaRPr lang="en-US" sz="2400" dirty="0">
+              <a:solidFill>
+                <a:schemeClr val="bg1"/>
+              </a:solidFill>
+            </a:endParaRPr>
+          </a:p>
+          <a:p>
+            <a:r>
+              <a:rPr lang="en-US" sz="2400" dirty="0">
+                <a:solidFill>
+                  <a:schemeClr val="accent4"/>
+                </a:solidFill>
+              </a:rPr>
+              <a:t>Methodology:</a:t>
+            </a:r>
+          </a:p>
+          <a:p>
+            <a:r>
+              <a:rPr lang="en-US" sz="2400" dirty="0">
+                <a:solidFill>
+                  <a:schemeClr val="bg1"/>
+                </a:solidFill>
+              </a:rPr>
+              <a:t>Analyze macroeconomic and microeconomic indicators.</a:t>
+            </a:r>
+          </a:p>
+          <a:p>
+            <a:endParaRPr lang="en-US" sz="2400" dirty="0">
+              <a:solidFill>
+                <a:schemeClr val="bg1"/>
+              </a:solidFill>
+            </a:endParaRPr>
+          </a:p>
+          <a:p>
+            <a:r>
+              <a:rPr lang="en-US" sz="2400" dirty="0">
+                <a:solidFill>
+                  <a:schemeClr val="accent4"/>
+                </a:solidFill>
+              </a:rPr>
+              <a:t>Tools Used: </a:t>
+            </a:r>
+          </a:p>
+          <a:p>
+            <a:r>
+              <a:rPr lang="en-US" sz="2400" dirty="0">
+                <a:solidFill>
+                  <a:schemeClr val="bg1"/>
+                </a:solidFill>
+              </a:rPr>
+              <a:t>Flask, JavaScript, SQL databases.</a:t>
+            </a:r>
+          </a:p>
+        </p:txBody>
+      </p:sp>
     </p:spTree>
     <p:extLst>
       <p:ext uri="{BB962C8B-B14F-4D97-AF65-F5344CB8AC3E}">
@@ -3482,6 +3690,176 @@
 </file>
 
 <file path=ppt/slides/slide2.xml><?xml version="1.0" encoding="utf-8"?>
+<p:sld xmlns:a="http://schemas.openxmlformats.org/drawingml/2006/main" xmlns:r="http://schemas.openxmlformats.org/officeDocument/2006/relationships" xmlns:p="http://schemas.openxmlformats.org/presentationml/2006/main">
+  <p:cSld>
+    <p:spTree>
+      <p:nvGrpSpPr>
+        <p:cNvPr id="1" name="">
+          <a:extLst>
+            <a:ext uri="{FF2B5EF4-FFF2-40B4-BE49-F238E27FC236}">
+              <a16:creationId xmlns:a16="http://schemas.microsoft.com/office/drawing/2014/main" id="{A63A445E-389E-61FE-AEE5-3151ADC386CA}"/>
+            </a:ext>
+          </a:extLst>
+        </p:cNvPr>
+        <p:cNvGrpSpPr/>
+        <p:nvPr/>
+      </p:nvGrpSpPr>
+      <p:grpSpPr>
+        <a:xfrm>
+          <a:off x="0" y="0"/>
+          <a:ext cx="0" cy="0"/>
+          <a:chOff x="0" y="0"/>
+          <a:chExt cx="0" cy="0"/>
+        </a:xfrm>
+      </p:grpSpPr>
+      <p:pic>
+        <p:nvPicPr>
+          <p:cNvPr id="3" name="Picture 2">
+            <a:extLst>
+              <a:ext uri="{FF2B5EF4-FFF2-40B4-BE49-F238E27FC236}">
+                <a16:creationId xmlns:a16="http://schemas.microsoft.com/office/drawing/2014/main" id="{C5AFC1D6-B4DA-3798-8D1D-7442CD7F315A}"/>
+              </a:ext>
+            </a:extLst>
+          </p:cNvPr>
+          <p:cNvPicPr>
+            <a:picLocks noChangeAspect="1"/>
+          </p:cNvPicPr>
+          <p:nvPr/>
+        </p:nvPicPr>
+        <p:blipFill>
+          <a:blip r:embed="rId2">
+            <a:extLst>
+              <a:ext uri="{28A0092B-C50C-407E-A947-70E740481C1C}">
+                <a14:useLocalDpi xmlns:a14="http://schemas.microsoft.com/office/drawing/2010/main" val="0"/>
+              </a:ext>
+            </a:extLst>
+          </a:blip>
+          <a:stretch>
+            <a:fillRect/>
+          </a:stretch>
+        </p:blipFill>
+        <p:spPr>
+          <a:xfrm>
+            <a:off x="0" y="-82296"/>
+            <a:ext cx="12192000" cy="6940296"/>
+          </a:xfrm>
+          <a:prstGeom prst="rect">
+            <a:avLst/>
+          </a:prstGeom>
+        </p:spPr>
+      </p:pic>
+      <p:sp>
+        <p:nvSpPr>
+          <p:cNvPr id="2" name="TextBox 1">
+            <a:extLst>
+              <a:ext uri="{FF2B5EF4-FFF2-40B4-BE49-F238E27FC236}">
+                <a16:creationId xmlns:a16="http://schemas.microsoft.com/office/drawing/2014/main" id="{4B6F00F2-9A96-3E18-A886-B773D2F6DE7C}"/>
+              </a:ext>
+            </a:extLst>
+          </p:cNvPr>
+          <p:cNvSpPr txBox="1"/>
+          <p:nvPr/>
+        </p:nvSpPr>
+        <p:spPr>
+          <a:xfrm>
+            <a:off x="4636008" y="282658"/>
+            <a:ext cx="3557016" cy="523220"/>
+          </a:xfrm>
+          <a:prstGeom prst="rect">
+            <a:avLst/>
+          </a:prstGeom>
+          <a:noFill/>
+        </p:spPr>
+        <p:txBody>
+          <a:bodyPr wrap="square" rtlCol="0">
+            <a:spAutoFit/>
+          </a:bodyPr>
+          <a:lstStyle/>
+          <a:p>
+            <a:r>
+              <a:rPr lang="en-US" sz="2800" b="1" dirty="0">
+                <a:solidFill>
+                  <a:schemeClr val="accent5">
+                    <a:lumMod val="20000"/>
+                    <a:lumOff val="80000"/>
+                  </a:schemeClr>
+                </a:solidFill>
+              </a:rPr>
+              <a:t>The Main Page</a:t>
+            </a:r>
+          </a:p>
+        </p:txBody>
+      </p:sp>
+      <p:pic>
+        <p:nvPicPr>
+          <p:cNvPr id="5" name="Picture 4">
+            <a:extLst>
+              <a:ext uri="{FF2B5EF4-FFF2-40B4-BE49-F238E27FC236}">
+                <a16:creationId xmlns:a16="http://schemas.microsoft.com/office/drawing/2014/main" id="{F0BE0A9C-C29C-7903-F634-B9C625F24F23}"/>
+              </a:ext>
+            </a:extLst>
+          </p:cNvPr>
+          <p:cNvPicPr>
+            <a:picLocks noChangeAspect="1"/>
+          </p:cNvPicPr>
+          <p:nvPr/>
+        </p:nvPicPr>
+        <p:blipFill>
+          <a:blip r:embed="rId3"/>
+          <a:stretch>
+            <a:fillRect/>
+          </a:stretch>
+        </p:blipFill>
+        <p:spPr>
+          <a:xfrm>
+            <a:off x="731520" y="1151567"/>
+            <a:ext cx="10588752" cy="5360744"/>
+          </a:xfrm>
+          <a:prstGeom prst="roundRect">
+            <a:avLst>
+              <a:gd name="adj" fmla="val 4167"/>
+            </a:avLst>
+          </a:prstGeom>
+          <a:solidFill>
+            <a:srgbClr val="FFFFFF"/>
+          </a:solidFill>
+          <a:ln w="76200" cap="sq">
+            <a:solidFill>
+              <a:srgbClr val="EAEAEA"/>
+            </a:solidFill>
+            <a:miter lim="800000"/>
+          </a:ln>
+          <a:effectLst>
+            <a:reflection blurRad="12700" stA="33000" endPos="28000" dist="5000" dir="5400000" sy="-100000" algn="bl" rotWithShape="0"/>
+          </a:effectLst>
+          <a:scene3d>
+            <a:camera prst="orthographicFront"/>
+            <a:lightRig rig="threePt" dir="t">
+              <a:rot lat="0" lon="0" rev="2700000"/>
+            </a:lightRig>
+          </a:scene3d>
+          <a:sp3d contourW="6350">
+            <a:bevelT h="38100"/>
+            <a:contourClr>
+              <a:srgbClr val="C0C0C0"/>
+            </a:contourClr>
+          </a:sp3d>
+        </p:spPr>
+      </p:pic>
+    </p:spTree>
+    <p:extLst>
+      <p:ext uri="{BB962C8B-B14F-4D97-AF65-F5344CB8AC3E}">
+        <p14:creationId xmlns:p14="http://schemas.microsoft.com/office/powerpoint/2010/main" val="2502954960"/>
+      </p:ext>
+    </p:extLst>
+  </p:cSld>
+  <p:clrMapOvr>
+    <a:masterClrMapping/>
+  </p:clrMapOvr>
+</p:sld>
+</file>
+
+<file path=ppt/slides/slide3.xml><?xml version="1.0" encoding="utf-8"?>
 <p:sld xmlns:a="http://schemas.openxmlformats.org/drawingml/2006/main" xmlns:r="http://schemas.openxmlformats.org/officeDocument/2006/relationships" xmlns:p="http://schemas.openxmlformats.org/presentationml/2006/main">
   <p:cSld>
     <p:spTree>
@@ -3540,48 +3918,88 @@
           </a:prstGeom>
         </p:spPr>
       </p:pic>
-    </p:spTree>
-    <p:extLst>
-      <p:ext uri="{BB962C8B-B14F-4D97-AF65-F5344CB8AC3E}">
-        <p14:creationId xmlns:p14="http://schemas.microsoft.com/office/powerpoint/2010/main" val="3098824939"/>
-      </p:ext>
-    </p:extLst>
-  </p:cSld>
-  <p:clrMapOvr>
-    <a:masterClrMapping/>
-  </p:clrMapOvr>
-</p:sld>
-</file>
-
-<file path=ppt/slides/slide3.xml><?xml version="1.0" encoding="utf-8"?>
-<p:sld xmlns:a="http://schemas.openxmlformats.org/drawingml/2006/main" xmlns:r="http://schemas.openxmlformats.org/officeDocument/2006/relationships" xmlns:p="http://schemas.openxmlformats.org/presentationml/2006/main">
-  <p:cSld>
-    <p:spTree>
-      <p:nvGrpSpPr>
-        <p:cNvPr id="1" name="">
-          <a:extLst>
-            <a:ext uri="{FF2B5EF4-FFF2-40B4-BE49-F238E27FC236}">
-              <a16:creationId xmlns:a16="http://schemas.microsoft.com/office/drawing/2014/main" id="{A63A445E-389E-61FE-AEE5-3151ADC386CA}"/>
-            </a:ext>
-          </a:extLst>
-        </p:cNvPr>
-        <p:cNvGrpSpPr/>
-        <p:nvPr/>
-      </p:nvGrpSpPr>
-      <p:grpSpPr>
-        <a:xfrm>
-          <a:off x="0" y="0"/>
-          <a:ext cx="0" cy="0"/>
-          <a:chOff x="0" y="0"/>
-          <a:chExt cx="0" cy="0"/>
-        </a:xfrm>
-      </p:grpSpPr>
+      <p:sp>
+        <p:nvSpPr>
+          <p:cNvPr id="4" name="TextBox 3">
+            <a:extLst>
+              <a:ext uri="{FF2B5EF4-FFF2-40B4-BE49-F238E27FC236}">
+                <a16:creationId xmlns:a16="http://schemas.microsoft.com/office/drawing/2014/main" id="{832A307A-1BC8-D6DE-1059-37869E398E3C}"/>
+              </a:ext>
+            </a:extLst>
+          </p:cNvPr>
+          <p:cNvSpPr txBox="1"/>
+          <p:nvPr/>
+        </p:nvSpPr>
+        <p:spPr>
+          <a:xfrm>
+            <a:off x="548640" y="410248"/>
+            <a:ext cx="11055096" cy="1354217"/>
+          </a:xfrm>
+          <a:prstGeom prst="rect">
+            <a:avLst/>
+          </a:prstGeom>
+          <a:noFill/>
+        </p:spPr>
+        <p:txBody>
+          <a:bodyPr wrap="square">
+            <a:spAutoFit/>
+          </a:bodyPr>
+          <a:lstStyle/>
+          <a:p>
+            <a:pPr algn="ctr"/>
+            <a:r>
+              <a:rPr lang="en-US" sz="2800" b="1" dirty="0">
+                <a:solidFill>
+                  <a:schemeClr val="accent5">
+                    <a:lumMod val="20000"/>
+                    <a:lumOff val="80000"/>
+                  </a:schemeClr>
+                </a:solidFill>
+              </a:rPr>
+              <a:t>Macroeconomic Analysis</a:t>
+            </a:r>
+          </a:p>
+          <a:p>
+            <a:endParaRPr lang="en-US" dirty="0">
+              <a:solidFill>
+                <a:schemeClr val="accent5">
+                  <a:lumMod val="20000"/>
+                  <a:lumOff val="80000"/>
+                </a:schemeClr>
+              </a:solidFill>
+            </a:endParaRPr>
+          </a:p>
+          <a:p>
+            <a:r>
+              <a:rPr lang="en-US" b="1" dirty="0">
+                <a:solidFill>
+                  <a:schemeClr val="accent2">
+                    <a:lumMod val="40000"/>
+                    <a:lumOff val="60000"/>
+                  </a:schemeClr>
+                </a:solidFill>
+              </a:rPr>
+              <a:t>GDP Analysis:</a:t>
+            </a:r>
+          </a:p>
+          <a:p>
+            <a:r>
+              <a:rPr lang="en-US" dirty="0">
+                <a:solidFill>
+                  <a:schemeClr val="bg1"/>
+                </a:solidFill>
+              </a:rPr>
+              <a:t>Display of GDP for all countries and G20 nations.</a:t>
+            </a:r>
+          </a:p>
+        </p:txBody>
+      </p:sp>
       <p:pic>
         <p:nvPicPr>
-          <p:cNvPr id="3" name="Picture 2">
-            <a:extLst>
-              <a:ext uri="{FF2B5EF4-FFF2-40B4-BE49-F238E27FC236}">
-                <a16:creationId xmlns:a16="http://schemas.microsoft.com/office/drawing/2014/main" id="{C5AFC1D6-B4DA-3798-8D1D-7442CD7F315A}"/>
+          <p:cNvPr id="6" name="Picture 5">
+            <a:extLst>
+              <a:ext uri="{FF2B5EF4-FFF2-40B4-BE49-F238E27FC236}">
+                <a16:creationId xmlns:a16="http://schemas.microsoft.com/office/drawing/2014/main" id="{3C7F8FAA-9FC5-F8DE-4804-68EE5C4FCB6F}"/>
               </a:ext>
             </a:extLst>
           </p:cNvPr>
@@ -3591,31 +4009,51 @@
           <p:nvPr/>
         </p:nvPicPr>
         <p:blipFill>
-          <a:blip r:embed="rId2">
-            <a:extLst>
-              <a:ext uri="{28A0092B-C50C-407E-A947-70E740481C1C}">
-                <a14:useLocalDpi xmlns:a14="http://schemas.microsoft.com/office/drawing/2010/main" val="0"/>
-              </a:ext>
-            </a:extLst>
-          </a:blip>
+          <a:blip r:embed="rId3"/>
           <a:stretch>
             <a:fillRect/>
           </a:stretch>
         </p:blipFill>
         <p:spPr>
           <a:xfrm>
-            <a:off x="0" y="-82296"/>
-            <a:ext cx="12192000" cy="6940296"/>
+            <a:off x="483108" y="2002537"/>
+            <a:ext cx="11186160" cy="4206894"/>
           </a:xfrm>
-          <a:prstGeom prst="rect">
-            <a:avLst/>
+          <a:prstGeom prst="roundRect">
+            <a:avLst>
+              <a:gd name="adj" fmla="val 4167"/>
+            </a:avLst>
           </a:prstGeom>
+          <a:solidFill>
+            <a:srgbClr val="FFFFFF"/>
+          </a:solidFill>
+          <a:ln w="76200" cap="sq">
+            <a:solidFill>
+              <a:srgbClr val="EAEAEA"/>
+            </a:solidFill>
+            <a:miter lim="800000"/>
+          </a:ln>
+          <a:effectLst>
+            <a:reflection blurRad="12700" stA="33000" endPos="28000" dist="5000" dir="5400000" sy="-100000" algn="bl" rotWithShape="0"/>
+          </a:effectLst>
+          <a:scene3d>
+            <a:camera prst="orthographicFront"/>
+            <a:lightRig rig="threePt" dir="t">
+              <a:rot lat="0" lon="0" rev="2700000"/>
+            </a:lightRig>
+          </a:scene3d>
+          <a:sp3d contourW="6350">
+            <a:bevelT h="38100"/>
+            <a:contourClr>
+              <a:srgbClr val="C0C0C0"/>
+            </a:contourClr>
+          </a:sp3d>
         </p:spPr>
       </p:pic>
     </p:spTree>
     <p:extLst>
       <p:ext uri="{BB962C8B-B14F-4D97-AF65-F5344CB8AC3E}">
-        <p14:creationId xmlns:p14="http://schemas.microsoft.com/office/powerpoint/2010/main" val="2502954960"/>
+        <p14:creationId xmlns:p14="http://schemas.microsoft.com/office/powerpoint/2010/main" val="3098824939"/>
       </p:ext>
     </p:extLst>
   </p:cSld>
@@ -3682,6 +4120,138 @@
           <a:prstGeom prst="rect">
             <a:avLst/>
           </a:prstGeom>
+        </p:spPr>
+      </p:pic>
+      <p:sp>
+        <p:nvSpPr>
+          <p:cNvPr id="2" name="TextBox 1">
+            <a:extLst>
+              <a:ext uri="{FF2B5EF4-FFF2-40B4-BE49-F238E27FC236}">
+                <a16:creationId xmlns:a16="http://schemas.microsoft.com/office/drawing/2014/main" id="{CE082283-1CAA-CA64-1B05-E8ABE2E2CCAE}"/>
+              </a:ext>
+            </a:extLst>
+          </p:cNvPr>
+          <p:cNvSpPr txBox="1"/>
+          <p:nvPr/>
+        </p:nvSpPr>
+        <p:spPr>
+          <a:xfrm>
+            <a:off x="548640" y="410248"/>
+            <a:ext cx="11055096" cy="1354217"/>
+          </a:xfrm>
+          <a:prstGeom prst="rect">
+            <a:avLst/>
+          </a:prstGeom>
+          <a:noFill/>
+        </p:spPr>
+        <p:txBody>
+          <a:bodyPr wrap="square">
+            <a:spAutoFit/>
+          </a:bodyPr>
+          <a:lstStyle/>
+          <a:p>
+            <a:pPr algn="ctr"/>
+            <a:r>
+              <a:rPr lang="en-US" sz="2800" b="1" dirty="0">
+                <a:solidFill>
+                  <a:schemeClr val="accent5">
+                    <a:lumMod val="20000"/>
+                    <a:lumOff val="80000"/>
+                  </a:schemeClr>
+                </a:solidFill>
+              </a:rPr>
+              <a:t>Macroeconomic Analysis</a:t>
+            </a:r>
+          </a:p>
+          <a:p>
+            <a:endParaRPr lang="en-US" dirty="0">
+              <a:solidFill>
+                <a:schemeClr val="accent5">
+                  <a:lumMod val="20000"/>
+                  <a:lumOff val="80000"/>
+                </a:schemeClr>
+              </a:solidFill>
+            </a:endParaRPr>
+          </a:p>
+          <a:p>
+            <a:r>
+              <a:rPr lang="en-US" b="1" dirty="0">
+                <a:solidFill>
+                  <a:schemeClr val="accent2">
+                    <a:lumMod val="40000"/>
+                    <a:lumOff val="60000"/>
+                  </a:schemeClr>
+                </a:solidFill>
+              </a:rPr>
+              <a:t>Inflation Rate:</a:t>
+            </a:r>
+          </a:p>
+          <a:p>
+            <a:r>
+              <a:rPr lang="en-US" dirty="0">
+                <a:solidFill>
+                  <a:schemeClr val="bg1"/>
+                </a:solidFill>
+              </a:rPr>
+              <a:t>Visualization of inflation rates globally and among G20 countries.</a:t>
+            </a:r>
+          </a:p>
+        </p:txBody>
+      </p:sp>
+      <p:pic>
+        <p:nvPicPr>
+          <p:cNvPr id="5" name="Picture 4">
+            <a:extLst>
+              <a:ext uri="{FF2B5EF4-FFF2-40B4-BE49-F238E27FC236}">
+                <a16:creationId xmlns:a16="http://schemas.microsoft.com/office/drawing/2014/main" id="{5582A276-4BC5-9C95-11C8-2A39BE330ABB}"/>
+              </a:ext>
+            </a:extLst>
+          </p:cNvPr>
+          <p:cNvPicPr>
+            <a:picLocks noChangeAspect="1"/>
+          </p:cNvPicPr>
+          <p:nvPr/>
+        </p:nvPicPr>
+        <p:blipFill>
+          <a:blip r:embed="rId3"/>
+          <a:stretch>
+            <a:fillRect/>
+          </a:stretch>
+        </p:blipFill>
+        <p:spPr>
+          <a:xfrm>
+            <a:off x="1191956" y="2038785"/>
+            <a:ext cx="10177083" cy="4150886"/>
+          </a:xfrm>
+          <a:prstGeom prst="roundRect">
+            <a:avLst>
+              <a:gd name="adj" fmla="val 4167"/>
+            </a:avLst>
+          </a:prstGeom>
+          <a:solidFill>
+            <a:srgbClr val="FFFFFF"/>
+          </a:solidFill>
+          <a:ln w="76200" cap="sq">
+            <a:solidFill>
+              <a:srgbClr val="EAEAEA"/>
+            </a:solidFill>
+            <a:miter lim="800000"/>
+          </a:ln>
+          <a:effectLst>
+            <a:reflection blurRad="12700" stA="33000" endPos="28000" dist="5000" dir="5400000" sy="-100000" algn="bl" rotWithShape="0"/>
+          </a:effectLst>
+          <a:scene3d>
+            <a:camera prst="orthographicFront"/>
+            <a:lightRig rig="threePt" dir="t">
+              <a:rot lat="0" lon="0" rev="2700000"/>
+            </a:lightRig>
+          </a:scene3d>
+          <a:sp3d contourW="6350">
+            <a:bevelT h="38100"/>
+            <a:contourClr>
+              <a:srgbClr val="C0C0C0"/>
+            </a:contourClr>
+          </a:sp3d>
         </p:spPr>
       </p:pic>
     </p:spTree>
@@ -3756,6 +4326,82 @@
           </a:prstGeom>
         </p:spPr>
       </p:pic>
+      <p:sp>
+        <p:nvSpPr>
+          <p:cNvPr id="2" name="TextBox 1">
+            <a:extLst>
+              <a:ext uri="{FF2B5EF4-FFF2-40B4-BE49-F238E27FC236}">
+                <a16:creationId xmlns:a16="http://schemas.microsoft.com/office/drawing/2014/main" id="{9352414A-F6BE-790E-856E-38F1690CF0A0}"/>
+              </a:ext>
+            </a:extLst>
+          </p:cNvPr>
+          <p:cNvSpPr txBox="1"/>
+          <p:nvPr/>
+        </p:nvSpPr>
+        <p:spPr>
+          <a:xfrm>
+            <a:off x="548640" y="410248"/>
+            <a:ext cx="11055096" cy="1354217"/>
+          </a:xfrm>
+          <a:prstGeom prst="rect">
+            <a:avLst/>
+          </a:prstGeom>
+          <a:noFill/>
+        </p:spPr>
+        <p:txBody>
+          <a:bodyPr wrap="square">
+            <a:spAutoFit/>
+          </a:bodyPr>
+          <a:lstStyle/>
+          <a:p>
+            <a:pPr algn="ctr"/>
+            <a:r>
+              <a:rPr lang="en-US" sz="2800" b="1" dirty="0">
+                <a:solidFill>
+                  <a:schemeClr val="accent5">
+                    <a:lumMod val="20000"/>
+                    <a:lumOff val="80000"/>
+                  </a:schemeClr>
+                </a:solidFill>
+              </a:rPr>
+              <a:t>Macroeconomic Analysis</a:t>
+            </a:r>
+          </a:p>
+          <a:p>
+            <a:endParaRPr lang="en-US" dirty="0">
+              <a:solidFill>
+                <a:schemeClr val="accent5">
+                  <a:lumMod val="20000"/>
+                  <a:lumOff val="80000"/>
+                </a:schemeClr>
+              </a:solidFill>
+            </a:endParaRPr>
+          </a:p>
+          <a:p>
+            <a:r>
+              <a:rPr lang="en-US" b="1" dirty="0">
+                <a:solidFill>
+                  <a:schemeClr val="accent2">
+                    <a:lumMod val="40000"/>
+                    <a:lumOff val="60000"/>
+                  </a:schemeClr>
+                </a:solidFill>
+              </a:rPr>
+              <a:t>Inflation Rate:</a:t>
+            </a:r>
+          </a:p>
+          <a:p>
+            <a:r>
+              <a:rPr lang="en-US" dirty="0">
+                <a:solidFill>
+                  <a:schemeClr val="bg1"/>
+                </a:solidFill>
+              </a:rPr>
+              <a:t>Visualization of inflation rates globally and among G20 countries.</a:t>
+            </a:r>
+          </a:p>
+        </p:txBody>
+      </p:sp>
     </p:spTree>
     <p:extLst>
       <p:ext uri="{BB962C8B-B14F-4D97-AF65-F5344CB8AC3E}">

--- a/Presentation.pptx
+++ b/Presentation.pptx
@@ -5,12 +5,18 @@
     <p:sldMasterId id="2147483648" r:id="rId1"/>
   </p:sldMasterIdLst>
   <p:sldIdLst>
-    <p:sldId id="256" r:id="rId2"/>
-    <p:sldId id="258" r:id="rId3"/>
-    <p:sldId id="257" r:id="rId4"/>
-    <p:sldId id="259" r:id="rId5"/>
+    <p:sldId id="267" r:id="rId2"/>
+    <p:sldId id="256" r:id="rId3"/>
+    <p:sldId id="258" r:id="rId4"/>
+    <p:sldId id="257" r:id="rId5"/>
     <p:sldId id="260" r:id="rId6"/>
-    <p:sldId id="261" r:id="rId7"/>
+    <p:sldId id="259" r:id="rId7"/>
+    <p:sldId id="261" r:id="rId8"/>
+    <p:sldId id="262" r:id="rId9"/>
+    <p:sldId id="265" r:id="rId10"/>
+    <p:sldId id="264" r:id="rId11"/>
+    <p:sldId id="263" r:id="rId12"/>
+    <p:sldId id="266" r:id="rId13"/>
   </p:sldIdLst>
   <p:sldSz cx="12192000" cy="6858000"/>
   <p:notesSz cx="6858000" cy="9144000"/>
@@ -122,7 +128,7 @@
   <pc:docChgLst>
     <pc:chgData name="Maher Alqarra" userId="81703c0c110a5f03" providerId="LiveId" clId="{62F15528-6ABD-4B3B-8FA9-687E9162CFF3}"/>
     <pc:docChg chg="undo custSel addSld delSld modSld sldOrd">
-      <pc:chgData name="Maher Alqarra" userId="81703c0c110a5f03" providerId="LiveId" clId="{62F15528-6ABD-4B3B-8FA9-687E9162CFF3}" dt="2024-03-05T21:52:49.729" v="180"/>
+      <pc:chgData name="Maher Alqarra" userId="81703c0c110a5f03" providerId="LiveId" clId="{62F15528-6ABD-4B3B-8FA9-687E9162CFF3}" dt="2024-03-05T22:54:49.295" v="407" actId="1076"/>
       <pc:docMkLst>
         <pc:docMk/>
       </pc:docMkLst>
@@ -180,13 +186,13 @@
         </pc:sldMkLst>
       </pc:sldChg>
       <pc:sldChg chg="addSp modSp add mod ord">
-        <pc:chgData name="Maher Alqarra" userId="81703c0c110a5f03" providerId="LiveId" clId="{62F15528-6ABD-4B3B-8FA9-687E9162CFF3}" dt="2024-03-05T21:50:26.787" v="169" actId="14100"/>
+        <pc:chgData name="Maher Alqarra" userId="81703c0c110a5f03" providerId="LiveId" clId="{62F15528-6ABD-4B3B-8FA9-687E9162CFF3}" dt="2024-03-05T22:31:45.441" v="211" actId="207"/>
         <pc:sldMkLst>
           <pc:docMk/>
           <pc:sldMk cId="3098824939" sldId="257"/>
         </pc:sldMkLst>
         <pc:spChg chg="add mod">
-          <ac:chgData name="Maher Alqarra" userId="81703c0c110a5f03" providerId="LiveId" clId="{62F15528-6ABD-4B3B-8FA9-687E9162CFF3}" dt="2024-03-05T21:48:42.870" v="162" actId="113"/>
+          <ac:chgData name="Maher Alqarra" userId="81703c0c110a5f03" providerId="LiveId" clId="{62F15528-6ABD-4B3B-8FA9-687E9162CFF3}" dt="2024-03-05T22:31:45.441" v="211" actId="207"/>
           <ac:spMkLst>
             <pc:docMk/>
             <pc:sldMk cId="3098824939" sldId="257"/>
@@ -233,13 +239,13 @@
         </pc:picChg>
       </pc:sldChg>
       <pc:sldChg chg="addSp modSp add mod">
-        <pc:chgData name="Maher Alqarra" userId="81703c0c110a5f03" providerId="LiveId" clId="{62F15528-6ABD-4B3B-8FA9-687E9162CFF3}" dt="2024-03-05T21:51:55.439" v="179" actId="1076"/>
+        <pc:chgData name="Maher Alqarra" userId="81703c0c110a5f03" providerId="LiveId" clId="{62F15528-6ABD-4B3B-8FA9-687E9162CFF3}" dt="2024-03-05T22:31:33.872" v="208" actId="207"/>
         <pc:sldMkLst>
           <pc:docMk/>
           <pc:sldMk cId="4064793766" sldId="259"/>
         </pc:sldMkLst>
         <pc:spChg chg="add mod">
-          <ac:chgData name="Maher Alqarra" userId="81703c0c110a5f03" providerId="LiveId" clId="{62F15528-6ABD-4B3B-8FA9-687E9162CFF3}" dt="2024-03-05T21:51:12.901" v="173"/>
+          <ac:chgData name="Maher Alqarra" userId="81703c0c110a5f03" providerId="LiveId" clId="{62F15528-6ABD-4B3B-8FA9-687E9162CFF3}" dt="2024-03-05T22:31:33.872" v="208" actId="207"/>
           <ac:spMkLst>
             <pc:docMk/>
             <pc:sldMk cId="4064793766" sldId="259"/>
@@ -255,27 +261,188 @@
           </ac:picMkLst>
         </pc:picChg>
       </pc:sldChg>
-      <pc:sldChg chg="addSp modSp add">
-        <pc:chgData name="Maher Alqarra" userId="81703c0c110a5f03" providerId="LiveId" clId="{62F15528-6ABD-4B3B-8FA9-687E9162CFF3}" dt="2024-03-05T21:52:49.729" v="180"/>
+      <pc:sldChg chg="addSp modSp add mod ord">
+        <pc:chgData name="Maher Alqarra" userId="81703c0c110a5f03" providerId="LiveId" clId="{62F15528-6ABD-4B3B-8FA9-687E9162CFF3}" dt="2024-03-05T22:33:43.765" v="236" actId="403"/>
         <pc:sldMkLst>
           <pc:docMk/>
           <pc:sldMk cId="4091885840" sldId="260"/>
         </pc:sldMkLst>
         <pc:spChg chg="add mod">
-          <ac:chgData name="Maher Alqarra" userId="81703c0c110a5f03" providerId="LiveId" clId="{62F15528-6ABD-4B3B-8FA9-687E9162CFF3}" dt="2024-03-05T21:52:49.729" v="180"/>
+          <ac:chgData name="Maher Alqarra" userId="81703c0c110a5f03" providerId="LiveId" clId="{62F15528-6ABD-4B3B-8FA9-687E9162CFF3}" dt="2024-03-05T22:33:43.765" v="236" actId="403"/>
           <ac:spMkLst>
             <pc:docMk/>
             <pc:sldMk cId="4091885840" sldId="260"/>
             <ac:spMk id="2" creationId="{9352414A-F6BE-790E-856E-38F1690CF0A0}"/>
           </ac:spMkLst>
         </pc:spChg>
+        <pc:picChg chg="add mod">
+          <ac:chgData name="Maher Alqarra" userId="81703c0c110a5f03" providerId="LiveId" clId="{62F15528-6ABD-4B3B-8FA9-687E9162CFF3}" dt="2024-03-05T22:30:33.071" v="199" actId="1440"/>
+          <ac:picMkLst>
+            <pc:docMk/>
+            <pc:sldMk cId="4091885840" sldId="260"/>
+            <ac:picMk id="5" creationId="{C0B07E4A-150C-ACE5-2A00-E718C7AAB292}"/>
+          </ac:picMkLst>
+        </pc:picChg>
       </pc:sldChg>
-      <pc:sldChg chg="add">
-        <pc:chgData name="Maher Alqarra" userId="81703c0c110a5f03" providerId="LiveId" clId="{62F15528-6ABD-4B3B-8FA9-687E9162CFF3}" dt="2024-03-04T19:21:26.164" v="22"/>
+      <pc:sldChg chg="addSp modSp add mod">
+        <pc:chgData name="Maher Alqarra" userId="81703c0c110a5f03" providerId="LiveId" clId="{62F15528-6ABD-4B3B-8FA9-687E9162CFF3}" dt="2024-03-05T22:33:58.364" v="237" actId="1076"/>
         <pc:sldMkLst>
           <pc:docMk/>
           <pc:sldMk cId="2140889961" sldId="261"/>
         </pc:sldMkLst>
+        <pc:spChg chg="add mod">
+          <ac:chgData name="Maher Alqarra" userId="81703c0c110a5f03" providerId="LiveId" clId="{62F15528-6ABD-4B3B-8FA9-687E9162CFF3}" dt="2024-03-05T22:33:58.364" v="237" actId="1076"/>
+          <ac:spMkLst>
+            <pc:docMk/>
+            <pc:sldMk cId="2140889961" sldId="261"/>
+            <ac:spMk id="2" creationId="{29CAA302-4C69-AFA7-88F0-7AEC2D5408F5}"/>
+          </ac:spMkLst>
+        </pc:spChg>
+        <pc:picChg chg="add mod">
+          <ac:chgData name="Maher Alqarra" userId="81703c0c110a5f03" providerId="LiveId" clId="{62F15528-6ABD-4B3B-8FA9-687E9162CFF3}" dt="2024-03-05T22:32:48.588" v="219" actId="1076"/>
+          <ac:picMkLst>
+            <pc:docMk/>
+            <pc:sldMk cId="2140889961" sldId="261"/>
+            <ac:picMk id="5" creationId="{A80547EA-C843-7551-E2DF-F644E932C49A}"/>
+          </ac:picMkLst>
+        </pc:picChg>
+      </pc:sldChg>
+      <pc:sldChg chg="addSp modSp add mod">
+        <pc:chgData name="Maher Alqarra" userId="81703c0c110a5f03" providerId="LiveId" clId="{62F15528-6ABD-4B3B-8FA9-687E9162CFF3}" dt="2024-03-05T22:36:26.432" v="280" actId="1076"/>
+        <pc:sldMkLst>
+          <pc:docMk/>
+          <pc:sldMk cId="2270454260" sldId="262"/>
+        </pc:sldMkLst>
+        <pc:spChg chg="add mod">
+          <ac:chgData name="Maher Alqarra" userId="81703c0c110a5f03" providerId="LiveId" clId="{62F15528-6ABD-4B3B-8FA9-687E9162CFF3}" dt="2024-03-05T22:36:26.432" v="280" actId="1076"/>
+          <ac:spMkLst>
+            <pc:docMk/>
+            <pc:sldMk cId="2270454260" sldId="262"/>
+            <ac:spMk id="2" creationId="{BECBB24A-FD33-C235-5A8A-278B4ADF898C}"/>
+          </ac:spMkLst>
+        </pc:spChg>
+        <pc:picChg chg="mod">
+          <ac:chgData name="Maher Alqarra" userId="81703c0c110a5f03" providerId="LiveId" clId="{62F15528-6ABD-4B3B-8FA9-687E9162CFF3}" dt="2024-03-05T22:35:17.354" v="262" actId="1036"/>
+          <ac:picMkLst>
+            <pc:docMk/>
+            <pc:sldMk cId="2270454260" sldId="262"/>
+            <ac:picMk id="3" creationId="{EC5B32D5-EEE6-641C-699D-FABA5A41B14B}"/>
+          </ac:picMkLst>
+        </pc:picChg>
+      </pc:sldChg>
+      <pc:sldChg chg="addSp delSp modSp add mod">
+        <pc:chgData name="Maher Alqarra" userId="81703c0c110a5f03" providerId="LiveId" clId="{62F15528-6ABD-4B3B-8FA9-687E9162CFF3}" dt="2024-03-05T22:43:18.550" v="326" actId="1440"/>
+        <pc:sldMkLst>
+          <pc:docMk/>
+          <pc:sldMk cId="2346679768" sldId="263"/>
+        </pc:sldMkLst>
+        <pc:spChg chg="add mod">
+          <ac:chgData name="Maher Alqarra" userId="81703c0c110a5f03" providerId="LiveId" clId="{62F15528-6ABD-4B3B-8FA9-687E9162CFF3}" dt="2024-03-05T22:39:10.967" v="312" actId="1076"/>
+          <ac:spMkLst>
+            <pc:docMk/>
+            <pc:sldMk cId="2346679768" sldId="263"/>
+            <ac:spMk id="2" creationId="{3F811610-2500-74A9-A00D-709F3190267B}"/>
+          </ac:spMkLst>
+        </pc:spChg>
+        <pc:picChg chg="mod">
+          <ac:chgData name="Maher Alqarra" userId="81703c0c110a5f03" providerId="LiveId" clId="{62F15528-6ABD-4B3B-8FA9-687E9162CFF3}" dt="2024-03-05T22:41:26.334" v="318" actId="1076"/>
+          <ac:picMkLst>
+            <pc:docMk/>
+            <pc:sldMk cId="2346679768" sldId="263"/>
+            <ac:picMk id="3" creationId="{FA886A10-6518-ADFE-7DF5-D8C0D839A643}"/>
+          </ac:picMkLst>
+        </pc:picChg>
+        <pc:picChg chg="add mod">
+          <ac:chgData name="Maher Alqarra" userId="81703c0c110a5f03" providerId="LiveId" clId="{62F15528-6ABD-4B3B-8FA9-687E9162CFF3}" dt="2024-03-05T22:43:18.550" v="326" actId="1440"/>
+          <ac:picMkLst>
+            <pc:docMk/>
+            <pc:sldMk cId="2346679768" sldId="263"/>
+            <ac:picMk id="5" creationId="{075A00C0-1811-6324-C7A6-3E194F83D571}"/>
+          </ac:picMkLst>
+        </pc:picChg>
+        <pc:picChg chg="add del mod">
+          <ac:chgData name="Maher Alqarra" userId="81703c0c110a5f03" providerId="LiveId" clId="{62F15528-6ABD-4B3B-8FA9-687E9162CFF3}" dt="2024-03-05T22:42:34.398" v="323" actId="478"/>
+          <ac:picMkLst>
+            <pc:docMk/>
+            <pc:sldMk cId="2346679768" sldId="263"/>
+            <ac:picMk id="1026" creationId="{4A65DC8E-31F5-9CC2-1A90-42D49E7C28FB}"/>
+          </ac:picMkLst>
+        </pc:picChg>
+      </pc:sldChg>
+      <pc:sldChg chg="add ord">
+        <pc:chgData name="Maher Alqarra" userId="81703c0c110a5f03" providerId="LiveId" clId="{62F15528-6ABD-4B3B-8FA9-687E9162CFF3}" dt="2024-03-05T22:44:16.676" v="328"/>
+        <pc:sldMkLst>
+          <pc:docMk/>
+          <pc:sldMk cId="663125857" sldId="264"/>
+        </pc:sldMkLst>
+      </pc:sldChg>
+      <pc:sldChg chg="modSp add mod">
+        <pc:chgData name="Maher Alqarra" userId="81703c0c110a5f03" providerId="LiveId" clId="{62F15528-6ABD-4B3B-8FA9-687E9162CFF3}" dt="2024-03-05T22:37:38.736" v="291" actId="14100"/>
+        <pc:sldMkLst>
+          <pc:docMk/>
+          <pc:sldMk cId="1496602039" sldId="265"/>
+        </pc:sldMkLst>
+        <pc:spChg chg="mod">
+          <ac:chgData name="Maher Alqarra" userId="81703c0c110a5f03" providerId="LiveId" clId="{62F15528-6ABD-4B3B-8FA9-687E9162CFF3}" dt="2024-03-05T22:37:38.736" v="291" actId="14100"/>
+          <ac:spMkLst>
+            <pc:docMk/>
+            <pc:sldMk cId="1496602039" sldId="265"/>
+            <ac:spMk id="2" creationId="{8647FDB9-758A-42C7-C63F-498168877C40}"/>
+          </ac:spMkLst>
+        </pc:spChg>
+      </pc:sldChg>
+      <pc:sldChg chg="addSp modSp add mod">
+        <pc:chgData name="Maher Alqarra" userId="81703c0c110a5f03" providerId="LiveId" clId="{62F15528-6ABD-4B3B-8FA9-687E9162CFF3}" dt="2024-03-05T22:47:59.548" v="355" actId="14100"/>
+        <pc:sldMkLst>
+          <pc:docMk/>
+          <pc:sldMk cId="1087359638" sldId="266"/>
+        </pc:sldMkLst>
+        <pc:picChg chg="mod">
+          <ac:chgData name="Maher Alqarra" userId="81703c0c110a5f03" providerId="LiveId" clId="{62F15528-6ABD-4B3B-8FA9-687E9162CFF3}" dt="2024-03-05T22:47:56.174" v="354" actId="14100"/>
+          <ac:picMkLst>
+            <pc:docMk/>
+            <pc:sldMk cId="1087359638" sldId="266"/>
+            <ac:picMk id="3" creationId="{49FF369F-3D22-A975-DC04-C4A40FB9247A}"/>
+          </ac:picMkLst>
+        </pc:picChg>
+        <pc:picChg chg="add mod">
+          <ac:chgData name="Maher Alqarra" userId="81703c0c110a5f03" providerId="LiveId" clId="{62F15528-6ABD-4B3B-8FA9-687E9162CFF3}" dt="2024-03-05T22:47:59.548" v="355" actId="14100"/>
+          <ac:picMkLst>
+            <pc:docMk/>
+            <pc:sldMk cId="1087359638" sldId="266"/>
+            <ac:picMk id="2050" creationId="{370DA4E4-CE4A-53E1-9D6C-DD49FDB54B59}"/>
+          </ac:picMkLst>
+        </pc:picChg>
+      </pc:sldChg>
+      <pc:sldChg chg="new del">
+        <pc:chgData name="Maher Alqarra" userId="81703c0c110a5f03" providerId="LiveId" clId="{62F15528-6ABD-4B3B-8FA9-687E9162CFF3}" dt="2024-03-05T22:48:11.109" v="357" actId="47"/>
+        <pc:sldMkLst>
+          <pc:docMk/>
+          <pc:sldMk cId="2357298143" sldId="267"/>
+        </pc:sldMkLst>
+      </pc:sldChg>
+      <pc:sldChg chg="addSp modSp add mod ord">
+        <pc:chgData name="Maher Alqarra" userId="81703c0c110a5f03" providerId="LiveId" clId="{62F15528-6ABD-4B3B-8FA9-687E9162CFF3}" dt="2024-03-05T22:54:49.295" v="407" actId="1076"/>
+        <pc:sldMkLst>
+          <pc:docMk/>
+          <pc:sldMk cId="2978791653" sldId="267"/>
+        </pc:sldMkLst>
+        <pc:spChg chg="mod">
+          <ac:chgData name="Maher Alqarra" userId="81703c0c110a5f03" providerId="LiveId" clId="{62F15528-6ABD-4B3B-8FA9-687E9162CFF3}" dt="2024-03-05T22:54:41.856" v="405" actId="1076"/>
+          <ac:spMkLst>
+            <pc:docMk/>
+            <pc:sldMk cId="2978791653" sldId="267"/>
+            <ac:spMk id="2" creationId="{5C99909C-402E-2366-10EF-772B3BAACD87}"/>
+          </ac:spMkLst>
+        </pc:spChg>
+        <pc:graphicFrameChg chg="add mod modGraphic">
+          <ac:chgData name="Maher Alqarra" userId="81703c0c110a5f03" providerId="LiveId" clId="{62F15528-6ABD-4B3B-8FA9-687E9162CFF3}" dt="2024-03-05T22:54:49.295" v="407" actId="1076"/>
+          <ac:graphicFrameMkLst>
+            <pc:docMk/>
+            <pc:sldMk cId="2978791653" sldId="267"/>
+            <ac:graphicFrameMk id="4" creationId="{14BDF8D7-84DC-3856-E52E-AF03DE5425BD}"/>
+          </ac:graphicFrameMkLst>
+        </pc:graphicFrameChg>
       </pc:sldChg>
     </pc:docChg>
   </pc:docChgLst>
@@ -3484,6 +3651,1121 @@
   <p:cSld>
     <p:spTree>
       <p:nvGrpSpPr>
+        <p:cNvPr id="1" name="">
+          <a:extLst>
+            <a:ext uri="{FF2B5EF4-FFF2-40B4-BE49-F238E27FC236}">
+              <a16:creationId xmlns:a16="http://schemas.microsoft.com/office/drawing/2014/main" id="{2CAB6592-5610-36CC-E1E6-D4247F17F8D5}"/>
+            </a:ext>
+          </a:extLst>
+        </p:cNvPr>
+        <p:cNvGrpSpPr/>
+        <p:nvPr/>
+      </p:nvGrpSpPr>
+      <p:grpSpPr>
+        <a:xfrm>
+          <a:off x="0" y="0"/>
+          <a:ext cx="0" cy="0"/>
+          <a:chOff x="0" y="0"/>
+          <a:chExt cx="0" cy="0"/>
+        </a:xfrm>
+      </p:grpSpPr>
+      <p:pic>
+        <p:nvPicPr>
+          <p:cNvPr id="3" name="Picture 2">
+            <a:extLst>
+              <a:ext uri="{FF2B5EF4-FFF2-40B4-BE49-F238E27FC236}">
+                <a16:creationId xmlns:a16="http://schemas.microsoft.com/office/drawing/2014/main" id="{C031E5D8-D49C-9AB3-3DD2-71EA2B3EFC84}"/>
+              </a:ext>
+            </a:extLst>
+          </p:cNvPr>
+          <p:cNvPicPr>
+            <a:picLocks noChangeAspect="1"/>
+          </p:cNvPicPr>
+          <p:nvPr/>
+        </p:nvPicPr>
+        <p:blipFill>
+          <a:blip r:embed="rId2">
+            <a:extLst>
+              <a:ext uri="{28A0092B-C50C-407E-A947-70E740481C1C}">
+                <a14:useLocalDpi xmlns:a14="http://schemas.microsoft.com/office/drawing/2010/main" val="0"/>
+              </a:ext>
+            </a:extLst>
+          </a:blip>
+          <a:stretch>
+            <a:fillRect/>
+          </a:stretch>
+        </p:blipFill>
+        <p:spPr>
+          <a:xfrm>
+            <a:off x="0" y="-82296"/>
+            <a:ext cx="12192000" cy="6940296"/>
+          </a:xfrm>
+          <a:prstGeom prst="rect">
+            <a:avLst/>
+          </a:prstGeom>
+        </p:spPr>
+      </p:pic>
+      <p:sp>
+        <p:nvSpPr>
+          <p:cNvPr id="2" name="TextBox 1">
+            <a:extLst>
+              <a:ext uri="{FF2B5EF4-FFF2-40B4-BE49-F238E27FC236}">
+                <a16:creationId xmlns:a16="http://schemas.microsoft.com/office/drawing/2014/main" id="{5C99909C-402E-2366-10EF-772B3BAACD87}"/>
+              </a:ext>
+            </a:extLst>
+          </p:cNvPr>
+          <p:cNvSpPr txBox="1"/>
+          <p:nvPr/>
+        </p:nvSpPr>
+        <p:spPr>
+          <a:xfrm>
+            <a:off x="1152144" y="548639"/>
+            <a:ext cx="9646920" cy="5324535"/>
+          </a:xfrm>
+          <a:prstGeom prst="rect">
+            <a:avLst/>
+          </a:prstGeom>
+          <a:noFill/>
+        </p:spPr>
+        <p:txBody>
+          <a:bodyPr wrap="square" rtlCol="0">
+            <a:spAutoFit/>
+          </a:bodyPr>
+          <a:lstStyle/>
+          <a:p>
+            <a:pPr algn="ctr"/>
+            <a:r>
+              <a:rPr lang="en-US" sz="2800" b="1" dirty="0">
+                <a:solidFill>
+                  <a:schemeClr val="accent2">
+                    <a:lumMod val="60000"/>
+                    <a:lumOff val="40000"/>
+                  </a:schemeClr>
+                </a:solidFill>
+              </a:rPr>
+              <a:t>Technology Titans Project</a:t>
+            </a:r>
+          </a:p>
+          <a:p>
+            <a:endParaRPr lang="en-US" dirty="0">
+              <a:solidFill>
+                <a:schemeClr val="bg1"/>
+              </a:solidFill>
+            </a:endParaRPr>
+          </a:p>
+          <a:p>
+            <a:pPr marL="0" marR="0" algn="ctr">
+              <a:lnSpc>
+                <a:spcPct val="200000"/>
+              </a:lnSpc>
+              <a:spcBef>
+                <a:spcPts val="0"/>
+              </a:spcBef>
+              <a:spcAft>
+                <a:spcPts val="800"/>
+              </a:spcAft>
+            </a:pPr>
+            <a:endParaRPr lang="en-US" sz="2000" b="1" kern="100" dirty="0">
+              <a:solidFill>
+                <a:schemeClr val="bg1"/>
+              </a:solidFill>
+              <a:effectLst/>
+              <a:latin typeface="Times New Roman" panose="02020603050405020304" pitchFamily="18" charset="0"/>
+              <a:ea typeface="Calibri" panose="020F0502020204030204" pitchFamily="34" charset="0"/>
+              <a:cs typeface="Times New Roman" panose="02020603050405020304" pitchFamily="18" charset="0"/>
+            </a:endParaRPr>
+          </a:p>
+          <a:p>
+            <a:pPr marL="0" marR="0" algn="ctr">
+              <a:lnSpc>
+                <a:spcPct val="200000"/>
+              </a:lnSpc>
+              <a:spcBef>
+                <a:spcPts val="0"/>
+              </a:spcBef>
+              <a:spcAft>
+                <a:spcPts val="800"/>
+              </a:spcAft>
+            </a:pPr>
+            <a:r>
+              <a:rPr lang="en-US" sz="2000" b="1" kern="100" dirty="0">
+                <a:solidFill>
+                  <a:schemeClr val="accent5">
+                    <a:lumMod val="60000"/>
+                    <a:lumOff val="40000"/>
+                  </a:schemeClr>
+                </a:solidFill>
+                <a:effectLst/>
+                <a:latin typeface="Times New Roman" panose="02020603050405020304" pitchFamily="18" charset="0"/>
+                <a:ea typeface="Calibri" panose="020F0502020204030204" pitchFamily="34" charset="0"/>
+                <a:cs typeface="Times New Roman" panose="02020603050405020304" pitchFamily="18" charset="0"/>
+              </a:rPr>
+              <a:t>Prepared by</a:t>
+            </a:r>
+          </a:p>
+          <a:p>
+            <a:pPr marL="0" marR="0" algn="ctr">
+              <a:lnSpc>
+                <a:spcPct val="200000"/>
+              </a:lnSpc>
+              <a:spcBef>
+                <a:spcPts val="0"/>
+              </a:spcBef>
+              <a:spcAft>
+                <a:spcPts val="800"/>
+              </a:spcAft>
+            </a:pPr>
+            <a:endParaRPr lang="en-US" sz="2000" b="1" kern="100" dirty="0">
+              <a:solidFill>
+                <a:schemeClr val="bg1"/>
+              </a:solidFill>
+              <a:latin typeface="Times New Roman" panose="02020603050405020304" pitchFamily="18" charset="0"/>
+              <a:ea typeface="Calibri" panose="020F0502020204030204" pitchFamily="34" charset="0"/>
+              <a:cs typeface="Times New Roman" panose="02020603050405020304" pitchFamily="18" charset="0"/>
+            </a:endParaRPr>
+          </a:p>
+          <a:p>
+            <a:pPr marL="0" marR="0" algn="ctr">
+              <a:lnSpc>
+                <a:spcPct val="200000"/>
+              </a:lnSpc>
+              <a:spcBef>
+                <a:spcPts val="0"/>
+              </a:spcBef>
+              <a:spcAft>
+                <a:spcPts val="800"/>
+              </a:spcAft>
+            </a:pPr>
+            <a:endParaRPr lang="en-US" sz="1800" b="1" kern="100" dirty="0">
+              <a:solidFill>
+                <a:schemeClr val="bg1"/>
+              </a:solidFill>
+              <a:effectLst/>
+              <a:latin typeface="Times New Roman" panose="02020603050405020304" pitchFamily="18" charset="0"/>
+              <a:ea typeface="Calibri" panose="020F0502020204030204" pitchFamily="34" charset="0"/>
+              <a:cs typeface="Times New Roman" panose="02020603050405020304" pitchFamily="18" charset="0"/>
+            </a:endParaRPr>
+          </a:p>
+          <a:p>
+            <a:pPr marL="0" marR="0" algn="ctr">
+              <a:spcBef>
+                <a:spcPts val="0"/>
+              </a:spcBef>
+              <a:spcAft>
+                <a:spcPts val="800"/>
+              </a:spcAft>
+            </a:pPr>
+            <a:endParaRPr lang="en-US" sz="2400" b="1" dirty="0">
+              <a:solidFill>
+                <a:schemeClr val="bg1"/>
+              </a:solidFill>
+              <a:effectLst/>
+              <a:latin typeface="Times New Roman" panose="02020603050405020304" pitchFamily="18" charset="0"/>
+              <a:ea typeface="Calibri" panose="020F0502020204030204" pitchFamily="34" charset="0"/>
+              <a:cs typeface="Times New Roman" panose="02020603050405020304" pitchFamily="18" charset="0"/>
+            </a:endParaRPr>
+          </a:p>
+          <a:p>
+            <a:pPr marL="0" marR="0" algn="ctr">
+              <a:spcBef>
+                <a:spcPts val="0"/>
+              </a:spcBef>
+              <a:spcAft>
+                <a:spcPts val="800"/>
+              </a:spcAft>
+            </a:pPr>
+            <a:r>
+              <a:rPr lang="en-US" sz="2000" b="1" dirty="0">
+                <a:solidFill>
+                  <a:schemeClr val="accent5">
+                    <a:lumMod val="60000"/>
+                    <a:lumOff val="40000"/>
+                  </a:schemeClr>
+                </a:solidFill>
+                <a:effectLst/>
+                <a:latin typeface="Times New Roman" panose="02020603050405020304" pitchFamily="18" charset="0"/>
+                <a:ea typeface="Calibri" panose="020F0502020204030204" pitchFamily="34" charset="0"/>
+                <a:cs typeface="Times New Roman" panose="02020603050405020304" pitchFamily="18" charset="0"/>
+              </a:rPr>
+              <a:t>Professor</a:t>
+            </a:r>
+            <a:endParaRPr lang="en-US" sz="2000" b="1" kern="100" dirty="0">
+              <a:solidFill>
+                <a:schemeClr val="accent5">
+                  <a:lumMod val="60000"/>
+                  <a:lumOff val="40000"/>
+                </a:schemeClr>
+              </a:solidFill>
+              <a:effectLst/>
+              <a:latin typeface="Times New Roman" panose="02020603050405020304" pitchFamily="18" charset="0"/>
+              <a:ea typeface="Calibri" panose="020F0502020204030204" pitchFamily="34" charset="0"/>
+              <a:cs typeface="Times New Roman" panose="02020603050405020304" pitchFamily="18" charset="0"/>
+            </a:endParaRPr>
+          </a:p>
+          <a:p>
+            <a:pPr algn="ctr"/>
+            <a:r>
+              <a:rPr lang="en-US" sz="2000" b="0" i="0" dirty="0" err="1">
+                <a:solidFill>
+                  <a:schemeClr val="bg1"/>
+                </a:solidFill>
+                <a:effectLst/>
+                <a:latin typeface="Times New Roman" panose="02020603050405020304" pitchFamily="18" charset="0"/>
+                <a:cs typeface="Times New Roman" panose="02020603050405020304" pitchFamily="18" charset="0"/>
+              </a:rPr>
+              <a:t>Piro</a:t>
+            </a:r>
+            <a:r>
+              <a:rPr lang="en-US" sz="2000" b="0" i="0" dirty="0">
+                <a:solidFill>
+                  <a:schemeClr val="bg1"/>
+                </a:solidFill>
+                <a:effectLst/>
+                <a:latin typeface="Times New Roman" panose="02020603050405020304" pitchFamily="18" charset="0"/>
+                <a:cs typeface="Times New Roman" panose="02020603050405020304" pitchFamily="18" charset="0"/>
+              </a:rPr>
+              <a:t> </a:t>
+            </a:r>
+            <a:r>
+              <a:rPr lang="en-US" sz="2000" b="0" i="0" dirty="0" err="1">
+                <a:solidFill>
+                  <a:schemeClr val="bg1"/>
+                </a:solidFill>
+                <a:effectLst/>
+                <a:latin typeface="Times New Roman" panose="02020603050405020304" pitchFamily="18" charset="0"/>
+                <a:cs typeface="Times New Roman" panose="02020603050405020304" pitchFamily="18" charset="0"/>
+              </a:rPr>
+              <a:t>Dhimitry</a:t>
+            </a:r>
+            <a:endParaRPr lang="en-US" sz="2000" b="0" i="0" dirty="0">
+              <a:solidFill>
+                <a:schemeClr val="bg1"/>
+              </a:solidFill>
+              <a:effectLst/>
+              <a:latin typeface="Times New Roman" panose="02020603050405020304" pitchFamily="18" charset="0"/>
+              <a:cs typeface="Times New Roman" panose="02020603050405020304" pitchFamily="18" charset="0"/>
+            </a:endParaRPr>
+          </a:p>
+          <a:p>
+            <a:pPr algn="ctr"/>
+            <a:endParaRPr lang="en-US" sz="2000" dirty="0">
+              <a:solidFill>
+                <a:schemeClr val="bg1"/>
+              </a:solidFill>
+              <a:latin typeface="Times New Roman" panose="02020603050405020304" pitchFamily="18" charset="0"/>
+              <a:cs typeface="Times New Roman" panose="02020603050405020304" pitchFamily="18" charset="0"/>
+            </a:endParaRPr>
+          </a:p>
+          <a:p>
+            <a:pPr algn="ctr"/>
+            <a:r>
+              <a:rPr lang="en-US" sz="1400" dirty="0">
+                <a:solidFill>
+                  <a:schemeClr val="bg1"/>
+                </a:solidFill>
+                <a:latin typeface="Times New Roman" panose="02020603050405020304" pitchFamily="18" charset="0"/>
+                <a:cs typeface="Times New Roman" panose="02020603050405020304" pitchFamily="18" charset="0"/>
+              </a:rPr>
+              <a:t>03 Mar 2023</a:t>
+            </a:r>
+            <a:endParaRPr lang="en-US" sz="1400" b="0" i="0" dirty="0">
+              <a:solidFill>
+                <a:schemeClr val="bg1"/>
+              </a:solidFill>
+              <a:effectLst/>
+              <a:latin typeface="Times New Roman" panose="02020603050405020304" pitchFamily="18" charset="0"/>
+              <a:cs typeface="Times New Roman" panose="02020603050405020304" pitchFamily="18" charset="0"/>
+            </a:endParaRPr>
+          </a:p>
+        </p:txBody>
+      </p:sp>
+      <p:graphicFrame>
+        <p:nvGraphicFramePr>
+          <p:cNvPr id="4" name="Table 3">
+            <a:extLst>
+              <a:ext uri="{FF2B5EF4-FFF2-40B4-BE49-F238E27FC236}">
+                <a16:creationId xmlns:a16="http://schemas.microsoft.com/office/drawing/2014/main" id="{14BDF8D7-84DC-3856-E52E-AF03DE5425BD}"/>
+              </a:ext>
+            </a:extLst>
+          </p:cNvPr>
+          <p:cNvGraphicFramePr>
+            <a:graphicFrameLocks noGrp="1"/>
+          </p:cNvGraphicFramePr>
+          <p:nvPr>
+            <p:extLst>
+              <p:ext uri="{D42A27DB-BD31-4B8C-83A1-F6EECF244321}">
+                <p14:modId xmlns:p14="http://schemas.microsoft.com/office/powerpoint/2010/main" val="2014082647"/>
+              </p:ext>
+            </p:extLst>
+          </p:nvPr>
+        </p:nvGraphicFramePr>
+        <p:xfrm>
+          <a:off x="1911604" y="2831592"/>
+          <a:ext cx="8128000" cy="1112520"/>
+        </p:xfrm>
+        <a:graphic>
+          <a:graphicData uri="http://schemas.openxmlformats.org/drawingml/2006/table">
+            <a:tbl>
+              <a:tblPr firstRow="1" bandRow="1">
+                <a:tableStyleId>{5940675A-B579-460E-94D1-54222C63F5DA}</a:tableStyleId>
+              </a:tblPr>
+              <a:tblGrid>
+                <a:gridCol w="4064000">
+                  <a:extLst>
+                    <a:ext uri="{9D8B030D-6E8A-4147-A177-3AD203B41FA5}">
+                      <a16:colId xmlns:a16="http://schemas.microsoft.com/office/drawing/2014/main" val="958454498"/>
+                    </a:ext>
+                  </a:extLst>
+                </a:gridCol>
+                <a:gridCol w="4064000">
+                  <a:extLst>
+                    <a:ext uri="{9D8B030D-6E8A-4147-A177-3AD203B41FA5}">
+                      <a16:colId xmlns:a16="http://schemas.microsoft.com/office/drawing/2014/main" val="1415682149"/>
+                    </a:ext>
+                  </a:extLst>
+                </a:gridCol>
+              </a:tblGrid>
+              <a:tr h="370840">
+                <a:tc>
+                  <a:txBody>
+                    <a:bodyPr/>
+                    <a:lstStyle/>
+                    <a:p>
+                      <a:pPr marL="0" marR="0" lvl="0" indent="0" algn="ctr" defTabSz="914400" rtl="0" eaLnBrk="1" fontAlgn="auto" latinLnBrk="0" hangingPunct="1">
+                        <a:lnSpc>
+                          <a:spcPct val="100000"/>
+                        </a:lnSpc>
+                        <a:spcBef>
+                          <a:spcPts val="0"/>
+                        </a:spcBef>
+                        <a:spcAft>
+                          <a:spcPts val="0"/>
+                        </a:spcAft>
+                        <a:buClrTx/>
+                        <a:buSzTx/>
+                        <a:buFontTx/>
+                        <a:buNone/>
+                        <a:tabLst/>
+                        <a:defRPr/>
+                      </a:pPr>
+                      <a:r>
+                        <a:rPr lang="en-US" sz="1800" b="0" i="0" kern="1200" dirty="0">
+                          <a:solidFill>
+                            <a:schemeClr val="bg1"/>
+                          </a:solidFill>
+                          <a:effectLst/>
+                          <a:latin typeface="+mn-lt"/>
+                          <a:ea typeface="+mn-ea"/>
+                          <a:cs typeface="Times New Roman" panose="02020603050405020304" pitchFamily="18" charset="0"/>
+                        </a:rPr>
+                        <a:t>Aayush </a:t>
+                      </a:r>
+                      <a:r>
+                        <a:rPr lang="en-US" sz="1800" b="0" i="0" kern="1200" dirty="0" err="1">
+                          <a:solidFill>
+                            <a:schemeClr val="bg1"/>
+                          </a:solidFill>
+                          <a:effectLst/>
+                          <a:latin typeface="+mn-lt"/>
+                          <a:ea typeface="+mn-ea"/>
+                          <a:cs typeface="Times New Roman" panose="02020603050405020304" pitchFamily="18" charset="0"/>
+                        </a:rPr>
+                        <a:t>Chhaperwal</a:t>
+                      </a:r>
+                      <a:endParaRPr lang="en-US" b="0" dirty="0">
+                        <a:solidFill>
+                          <a:schemeClr val="bg1"/>
+                        </a:solidFill>
+                        <a:latin typeface="+mn-lt"/>
+                        <a:cs typeface="Times New Roman" panose="02020603050405020304" pitchFamily="18" charset="0"/>
+                      </a:endParaRPr>
+                    </a:p>
+                  </a:txBody>
+                  <a:tcPr/>
+                </a:tc>
+                <a:tc>
+                  <a:txBody>
+                    <a:bodyPr/>
+                    <a:lstStyle/>
+                    <a:p>
+                      <a:pPr marL="0" marR="0" lvl="0" indent="0" algn="ctr" defTabSz="914400" rtl="0" eaLnBrk="1" fontAlgn="auto" latinLnBrk="0" hangingPunct="1">
+                        <a:lnSpc>
+                          <a:spcPct val="100000"/>
+                        </a:lnSpc>
+                        <a:spcBef>
+                          <a:spcPts val="0"/>
+                        </a:spcBef>
+                        <a:spcAft>
+                          <a:spcPts val="0"/>
+                        </a:spcAft>
+                        <a:buClrTx/>
+                        <a:buSzTx/>
+                        <a:buFontTx/>
+                        <a:buNone/>
+                        <a:tabLst/>
+                        <a:defRPr/>
+                      </a:pPr>
+                      <a:r>
+                        <a:rPr lang="en-US" sz="1800" b="0" i="0" kern="1200" dirty="0" err="1">
+                          <a:solidFill>
+                            <a:schemeClr val="bg1"/>
+                          </a:solidFill>
+                          <a:effectLst/>
+                          <a:latin typeface="+mn-lt"/>
+                          <a:ea typeface="+mn-ea"/>
+                          <a:cs typeface="Times New Roman" panose="02020603050405020304" pitchFamily="18" charset="0"/>
+                        </a:rPr>
+                        <a:t>Jash</a:t>
+                      </a:r>
+                      <a:r>
+                        <a:rPr lang="en-US" sz="1800" b="0" i="0" kern="1200" dirty="0">
+                          <a:solidFill>
+                            <a:schemeClr val="bg1"/>
+                          </a:solidFill>
+                          <a:effectLst/>
+                          <a:latin typeface="+mn-lt"/>
+                          <a:ea typeface="+mn-ea"/>
+                          <a:cs typeface="Times New Roman" panose="02020603050405020304" pitchFamily="18" charset="0"/>
+                        </a:rPr>
+                        <a:t> Bikash</a:t>
+                      </a:r>
+                      <a:endParaRPr lang="en-US" b="0" dirty="0">
+                        <a:solidFill>
+                          <a:schemeClr val="bg1"/>
+                        </a:solidFill>
+                        <a:latin typeface="+mn-lt"/>
+                        <a:cs typeface="Times New Roman" panose="02020603050405020304" pitchFamily="18" charset="0"/>
+                      </a:endParaRPr>
+                    </a:p>
+                  </a:txBody>
+                  <a:tcPr/>
+                </a:tc>
+                <a:extLst>
+                  <a:ext uri="{0D108BD9-81ED-4DB2-BD59-A6C34878D82A}">
+                    <a16:rowId xmlns:a16="http://schemas.microsoft.com/office/drawing/2014/main" val="2289339772"/>
+                  </a:ext>
+                </a:extLst>
+              </a:tr>
+              <a:tr h="370840">
+                <a:tc>
+                  <a:txBody>
+                    <a:bodyPr/>
+                    <a:lstStyle/>
+                    <a:p>
+                      <a:pPr marL="0" marR="0" lvl="0" indent="0" algn="ctr" defTabSz="914400" rtl="0" eaLnBrk="1" fontAlgn="auto" latinLnBrk="0" hangingPunct="1">
+                        <a:lnSpc>
+                          <a:spcPct val="100000"/>
+                        </a:lnSpc>
+                        <a:spcBef>
+                          <a:spcPts val="0"/>
+                        </a:spcBef>
+                        <a:spcAft>
+                          <a:spcPts val="0"/>
+                        </a:spcAft>
+                        <a:buClrTx/>
+                        <a:buSzTx/>
+                        <a:buFontTx/>
+                        <a:buNone/>
+                        <a:tabLst/>
+                        <a:defRPr/>
+                      </a:pPr>
+                      <a:r>
+                        <a:rPr lang="en-US" sz="1800" b="0" i="0" kern="1200" dirty="0">
+                          <a:solidFill>
+                            <a:schemeClr val="bg1"/>
+                          </a:solidFill>
+                          <a:effectLst/>
+                          <a:latin typeface="+mn-lt"/>
+                          <a:ea typeface="+mn-ea"/>
+                          <a:cs typeface="Times New Roman" panose="02020603050405020304" pitchFamily="18" charset="0"/>
+                        </a:rPr>
+                        <a:t>Johnny Nguyen </a:t>
+                      </a:r>
+                      <a:endParaRPr lang="en-US" b="0" dirty="0">
+                        <a:solidFill>
+                          <a:schemeClr val="bg1"/>
+                        </a:solidFill>
+                        <a:latin typeface="+mn-lt"/>
+                        <a:cs typeface="Times New Roman" panose="02020603050405020304" pitchFamily="18" charset="0"/>
+                      </a:endParaRPr>
+                    </a:p>
+                  </a:txBody>
+                  <a:tcPr/>
+                </a:tc>
+                <a:tc>
+                  <a:txBody>
+                    <a:bodyPr/>
+                    <a:lstStyle/>
+                    <a:p>
+                      <a:pPr marL="0" marR="0" lvl="0" indent="0" algn="ctr" defTabSz="914400" rtl="0" eaLnBrk="1" fontAlgn="auto" latinLnBrk="0" hangingPunct="1">
+                        <a:lnSpc>
+                          <a:spcPct val="100000"/>
+                        </a:lnSpc>
+                        <a:spcBef>
+                          <a:spcPts val="0"/>
+                        </a:spcBef>
+                        <a:spcAft>
+                          <a:spcPts val="0"/>
+                        </a:spcAft>
+                        <a:buClrTx/>
+                        <a:buSzTx/>
+                        <a:buFontTx/>
+                        <a:buNone/>
+                        <a:tabLst/>
+                        <a:defRPr/>
+                      </a:pPr>
+                      <a:r>
+                        <a:rPr lang="en-US" b="0" dirty="0">
+                          <a:solidFill>
+                            <a:schemeClr val="bg1"/>
+                          </a:solidFill>
+                          <a:latin typeface="+mn-lt"/>
+                          <a:cs typeface="Times New Roman" panose="02020603050405020304" pitchFamily="18" charset="0"/>
+                        </a:rPr>
+                        <a:t>Maher Alqarra </a:t>
+                      </a:r>
+                    </a:p>
+                  </a:txBody>
+                  <a:tcPr/>
+                </a:tc>
+                <a:extLst>
+                  <a:ext uri="{0D108BD9-81ED-4DB2-BD59-A6C34878D82A}">
+                    <a16:rowId xmlns:a16="http://schemas.microsoft.com/office/drawing/2014/main" val="174610995"/>
+                  </a:ext>
+                </a:extLst>
+              </a:tr>
+              <a:tr h="370840">
+                <a:tc>
+                  <a:txBody>
+                    <a:bodyPr/>
+                    <a:lstStyle/>
+                    <a:p>
+                      <a:pPr algn="ctr"/>
+                      <a:r>
+                        <a:rPr lang="en-US" dirty="0">
+                          <a:solidFill>
+                            <a:schemeClr val="bg1"/>
+                          </a:solidFill>
+                          <a:latin typeface="+mn-lt"/>
+                        </a:rPr>
+                        <a:t>2222</a:t>
+                      </a:r>
+                    </a:p>
+                  </a:txBody>
+                  <a:tcPr/>
+                </a:tc>
+                <a:tc>
+                  <a:txBody>
+                    <a:bodyPr/>
+                    <a:lstStyle/>
+                    <a:p>
+                      <a:pPr algn="ctr"/>
+                      <a:endParaRPr lang="en-US" dirty="0">
+                        <a:solidFill>
+                          <a:schemeClr val="bg1"/>
+                        </a:solidFill>
+                        <a:latin typeface="+mn-lt"/>
+                      </a:endParaRPr>
+                    </a:p>
+                  </a:txBody>
+                  <a:tcPr/>
+                </a:tc>
+                <a:extLst>
+                  <a:ext uri="{0D108BD9-81ED-4DB2-BD59-A6C34878D82A}">
+                    <a16:rowId xmlns:a16="http://schemas.microsoft.com/office/drawing/2014/main" val="2111058151"/>
+                  </a:ext>
+                </a:extLst>
+              </a:tr>
+            </a:tbl>
+          </a:graphicData>
+        </a:graphic>
+      </p:graphicFrame>
+    </p:spTree>
+    <p:extLst>
+      <p:ext uri="{BB962C8B-B14F-4D97-AF65-F5344CB8AC3E}">
+        <p14:creationId xmlns:p14="http://schemas.microsoft.com/office/powerpoint/2010/main" val="2978791653"/>
+      </p:ext>
+    </p:extLst>
+  </p:cSld>
+  <p:clrMapOvr>
+    <a:masterClrMapping/>
+  </p:clrMapOvr>
+</p:sld>
+</file>
+
+<file path=ppt/slides/slide10.xml><?xml version="1.0" encoding="utf-8"?>
+<p:sld xmlns:a="http://schemas.openxmlformats.org/drawingml/2006/main" xmlns:r="http://schemas.openxmlformats.org/officeDocument/2006/relationships" xmlns:p="http://schemas.openxmlformats.org/presentationml/2006/main">
+  <p:cSld>
+    <p:spTree>
+      <p:nvGrpSpPr>
+        <p:cNvPr id="1" name="">
+          <a:extLst>
+            <a:ext uri="{FF2B5EF4-FFF2-40B4-BE49-F238E27FC236}">
+              <a16:creationId xmlns:a16="http://schemas.microsoft.com/office/drawing/2014/main" id="{338C7DC0-08C5-533A-5D12-B1C157ED77F5}"/>
+            </a:ext>
+          </a:extLst>
+        </p:cNvPr>
+        <p:cNvGrpSpPr/>
+        <p:nvPr/>
+      </p:nvGrpSpPr>
+      <p:grpSpPr>
+        <a:xfrm>
+          <a:off x="0" y="0"/>
+          <a:ext cx="0" cy="0"/>
+          <a:chOff x="0" y="0"/>
+          <a:chExt cx="0" cy="0"/>
+        </a:xfrm>
+      </p:grpSpPr>
+      <p:pic>
+        <p:nvPicPr>
+          <p:cNvPr id="3" name="Picture 2">
+            <a:extLst>
+              <a:ext uri="{FF2B5EF4-FFF2-40B4-BE49-F238E27FC236}">
+                <a16:creationId xmlns:a16="http://schemas.microsoft.com/office/drawing/2014/main" id="{2719E908-FA49-0562-62E3-F94B8836B187}"/>
+              </a:ext>
+            </a:extLst>
+          </p:cNvPr>
+          <p:cNvPicPr>
+            <a:picLocks noChangeAspect="1"/>
+          </p:cNvPicPr>
+          <p:nvPr/>
+        </p:nvPicPr>
+        <p:blipFill>
+          <a:blip r:embed="rId2">
+            <a:extLst>
+              <a:ext uri="{28A0092B-C50C-407E-A947-70E740481C1C}">
+                <a14:useLocalDpi xmlns:a14="http://schemas.microsoft.com/office/drawing/2010/main" val="0"/>
+              </a:ext>
+            </a:extLst>
+          </a:blip>
+          <a:stretch>
+            <a:fillRect/>
+          </a:stretch>
+        </p:blipFill>
+        <p:spPr>
+          <a:xfrm>
+            <a:off x="0" y="-82296"/>
+            <a:ext cx="12192000" cy="6940296"/>
+          </a:xfrm>
+          <a:prstGeom prst="rect">
+            <a:avLst/>
+          </a:prstGeom>
+        </p:spPr>
+      </p:pic>
+    </p:spTree>
+    <p:extLst>
+      <p:ext uri="{BB962C8B-B14F-4D97-AF65-F5344CB8AC3E}">
+        <p14:creationId xmlns:p14="http://schemas.microsoft.com/office/powerpoint/2010/main" val="663125857"/>
+      </p:ext>
+    </p:extLst>
+  </p:cSld>
+  <p:clrMapOvr>
+    <a:masterClrMapping/>
+  </p:clrMapOvr>
+</p:sld>
+</file>
+
+<file path=ppt/slides/slide11.xml><?xml version="1.0" encoding="utf-8"?>
+<p:sld xmlns:a="http://schemas.openxmlformats.org/drawingml/2006/main" xmlns:r="http://schemas.openxmlformats.org/officeDocument/2006/relationships" xmlns:p="http://schemas.openxmlformats.org/presentationml/2006/main">
+  <p:cSld>
+    <p:spTree>
+      <p:nvGrpSpPr>
+        <p:cNvPr id="1" name="">
+          <a:extLst>
+            <a:ext uri="{FF2B5EF4-FFF2-40B4-BE49-F238E27FC236}">
+              <a16:creationId xmlns:a16="http://schemas.microsoft.com/office/drawing/2014/main" id="{17A4AFFF-79C8-AD07-1119-87634E38ADF7}"/>
+            </a:ext>
+          </a:extLst>
+        </p:cNvPr>
+        <p:cNvGrpSpPr/>
+        <p:nvPr/>
+      </p:nvGrpSpPr>
+      <p:grpSpPr>
+        <a:xfrm>
+          <a:off x="0" y="0"/>
+          <a:ext cx="0" cy="0"/>
+          <a:chOff x="0" y="0"/>
+          <a:chExt cx="0" cy="0"/>
+        </a:xfrm>
+      </p:grpSpPr>
+      <p:pic>
+        <p:nvPicPr>
+          <p:cNvPr id="3" name="Picture 2">
+            <a:extLst>
+              <a:ext uri="{FF2B5EF4-FFF2-40B4-BE49-F238E27FC236}">
+                <a16:creationId xmlns:a16="http://schemas.microsoft.com/office/drawing/2014/main" id="{FA886A10-6518-ADFE-7DF5-D8C0D839A643}"/>
+              </a:ext>
+            </a:extLst>
+          </p:cNvPr>
+          <p:cNvPicPr>
+            <a:picLocks noChangeAspect="1"/>
+          </p:cNvPicPr>
+          <p:nvPr/>
+        </p:nvPicPr>
+        <p:blipFill>
+          <a:blip r:embed="rId2">
+            <a:extLst>
+              <a:ext uri="{28A0092B-C50C-407E-A947-70E740481C1C}">
+                <a14:useLocalDpi xmlns:a14="http://schemas.microsoft.com/office/drawing/2010/main" val="0"/>
+              </a:ext>
+            </a:extLst>
+          </a:blip>
+          <a:stretch>
+            <a:fillRect/>
+          </a:stretch>
+        </p:blipFill>
+        <p:spPr>
+          <a:xfrm>
+            <a:off x="0" y="0"/>
+            <a:ext cx="12192000" cy="6940296"/>
+          </a:xfrm>
+          <a:prstGeom prst="rect">
+            <a:avLst/>
+          </a:prstGeom>
+        </p:spPr>
+      </p:pic>
+      <p:sp>
+        <p:nvSpPr>
+          <p:cNvPr id="2" name="TextBox 1">
+            <a:extLst>
+              <a:ext uri="{FF2B5EF4-FFF2-40B4-BE49-F238E27FC236}">
+                <a16:creationId xmlns:a16="http://schemas.microsoft.com/office/drawing/2014/main" id="{3F811610-2500-74A9-A00D-709F3190267B}"/>
+              </a:ext>
+            </a:extLst>
+          </p:cNvPr>
+          <p:cNvSpPr txBox="1"/>
+          <p:nvPr/>
+        </p:nvSpPr>
+        <p:spPr>
+          <a:xfrm>
+            <a:off x="868680" y="630936"/>
+            <a:ext cx="10021824" cy="4031873"/>
+          </a:xfrm>
+          <a:prstGeom prst="rect">
+            <a:avLst/>
+          </a:prstGeom>
+          <a:noFill/>
+        </p:spPr>
+        <p:txBody>
+          <a:bodyPr wrap="square" rtlCol="0">
+            <a:spAutoFit/>
+          </a:bodyPr>
+          <a:lstStyle/>
+          <a:p>
+            <a:pPr algn="ctr"/>
+            <a:r>
+              <a:rPr lang="en-US" sz="2800" b="1" dirty="0">
+                <a:solidFill>
+                  <a:schemeClr val="accent5">
+                    <a:lumMod val="40000"/>
+                    <a:lumOff val="60000"/>
+                  </a:schemeClr>
+                </a:solidFill>
+              </a:rPr>
+              <a:t>Implementation Overview</a:t>
+            </a:r>
+          </a:p>
+          <a:p>
+            <a:endParaRPr lang="en-US" dirty="0">
+              <a:solidFill>
+                <a:schemeClr val="bg1"/>
+              </a:solidFill>
+            </a:endParaRPr>
+          </a:p>
+          <a:p>
+            <a:endParaRPr lang="en-US" dirty="0">
+              <a:solidFill>
+                <a:schemeClr val="bg1"/>
+              </a:solidFill>
+            </a:endParaRPr>
+          </a:p>
+          <a:p>
+            <a:r>
+              <a:rPr lang="en-US" sz="2400" b="1" dirty="0">
+                <a:solidFill>
+                  <a:schemeClr val="accent2">
+                    <a:lumMod val="60000"/>
+                    <a:lumOff val="40000"/>
+                  </a:schemeClr>
+                </a:solidFill>
+              </a:rPr>
+              <a:t>Flask Framework:</a:t>
+            </a:r>
+          </a:p>
+          <a:p>
+            <a:r>
+              <a:rPr lang="en-US" sz="2400" dirty="0">
+                <a:solidFill>
+                  <a:schemeClr val="bg1"/>
+                </a:solidFill>
+              </a:rPr>
+              <a:t>Overview of Flask for web application development.</a:t>
+            </a:r>
+          </a:p>
+          <a:p>
+            <a:endParaRPr lang="en-US" sz="2400" dirty="0">
+              <a:solidFill>
+                <a:schemeClr val="bg1"/>
+              </a:solidFill>
+            </a:endParaRPr>
+          </a:p>
+          <a:p>
+            <a:r>
+              <a:rPr lang="en-US" sz="2400" b="1" dirty="0">
+                <a:solidFill>
+                  <a:schemeClr val="accent2">
+                    <a:lumMod val="60000"/>
+                    <a:lumOff val="40000"/>
+                  </a:schemeClr>
+                </a:solidFill>
+              </a:rPr>
+              <a:t>JavaScript:</a:t>
+            </a:r>
+          </a:p>
+          <a:p>
+            <a:r>
+              <a:rPr lang="en-US" sz="2400" dirty="0">
+                <a:solidFill>
+                  <a:schemeClr val="bg1"/>
+                </a:solidFill>
+              </a:rPr>
+              <a:t>Role in dynamic interactions and data visualization.</a:t>
+            </a:r>
+          </a:p>
+          <a:p>
+            <a:endParaRPr lang="en-US" sz="2400" dirty="0">
+              <a:solidFill>
+                <a:schemeClr val="bg1"/>
+              </a:solidFill>
+            </a:endParaRPr>
+          </a:p>
+          <a:p>
+            <a:r>
+              <a:rPr lang="en-US" sz="2400" b="1" dirty="0">
+                <a:solidFill>
+                  <a:schemeClr val="accent2">
+                    <a:lumMod val="60000"/>
+                    <a:lumOff val="40000"/>
+                  </a:schemeClr>
+                </a:solidFill>
+              </a:rPr>
+              <a:t>SQL Databases:</a:t>
+            </a:r>
+          </a:p>
+          <a:p>
+            <a:r>
+              <a:rPr lang="en-US" sz="2400" dirty="0">
+                <a:solidFill>
+                  <a:schemeClr val="bg1"/>
+                </a:solidFill>
+              </a:rPr>
+              <a:t>Storage and retrieval of data for analysis.</a:t>
+            </a:r>
+          </a:p>
+        </p:txBody>
+      </p:sp>
+      <p:pic>
+        <p:nvPicPr>
+          <p:cNvPr id="5" name="Picture 4">
+            <a:extLst>
+              <a:ext uri="{FF2B5EF4-FFF2-40B4-BE49-F238E27FC236}">
+                <a16:creationId xmlns:a16="http://schemas.microsoft.com/office/drawing/2014/main" id="{075A00C0-1811-6324-C7A6-3E194F83D571}"/>
+              </a:ext>
+            </a:extLst>
+          </p:cNvPr>
+          <p:cNvPicPr>
+            <a:picLocks noChangeAspect="1"/>
+          </p:cNvPicPr>
+          <p:nvPr/>
+        </p:nvPicPr>
+        <p:blipFill>
+          <a:blip r:embed="rId3"/>
+          <a:stretch>
+            <a:fillRect/>
+          </a:stretch>
+        </p:blipFill>
+        <p:spPr>
+          <a:xfrm>
+            <a:off x="7022634" y="4400016"/>
+            <a:ext cx="4858428" cy="2191056"/>
+          </a:xfrm>
+          <a:prstGeom prst="snip2DiagRect">
+            <a:avLst/>
+          </a:prstGeom>
+          <a:solidFill>
+            <a:srgbClr val="FFFFFF">
+              <a:shade val="85000"/>
+            </a:srgbClr>
+          </a:solidFill>
+          <a:ln w="88900" cap="sq">
+            <a:solidFill>
+              <a:srgbClr val="FFFFFF"/>
+            </a:solidFill>
+            <a:miter lim="800000"/>
+          </a:ln>
+          <a:effectLst>
+            <a:outerShdw blurRad="88900" algn="tl" rotWithShape="0">
+              <a:srgbClr val="000000">
+                <a:alpha val="45000"/>
+              </a:srgbClr>
+            </a:outerShdw>
+          </a:effectLst>
+          <a:scene3d>
+            <a:camera prst="orthographicFront"/>
+            <a:lightRig rig="twoPt" dir="t">
+              <a:rot lat="0" lon="0" rev="7200000"/>
+            </a:lightRig>
+          </a:scene3d>
+          <a:sp3d>
+            <a:bevelT w="25400" h="19050"/>
+            <a:contourClr>
+              <a:srgbClr val="FFFFFF"/>
+            </a:contourClr>
+          </a:sp3d>
+        </p:spPr>
+      </p:pic>
+    </p:spTree>
+    <p:extLst>
+      <p:ext uri="{BB962C8B-B14F-4D97-AF65-F5344CB8AC3E}">
+        <p14:creationId xmlns:p14="http://schemas.microsoft.com/office/powerpoint/2010/main" val="2346679768"/>
+      </p:ext>
+    </p:extLst>
+  </p:cSld>
+  <p:clrMapOvr>
+    <a:masterClrMapping/>
+  </p:clrMapOvr>
+</p:sld>
+</file>
+
+<file path=ppt/slides/slide12.xml><?xml version="1.0" encoding="utf-8"?>
+<p:sld xmlns:a="http://schemas.openxmlformats.org/drawingml/2006/main" xmlns:r="http://schemas.openxmlformats.org/officeDocument/2006/relationships" xmlns:p="http://schemas.openxmlformats.org/presentationml/2006/main">
+  <p:cSld>
+    <p:spTree>
+      <p:nvGrpSpPr>
+        <p:cNvPr id="1" name="">
+          <a:extLst>
+            <a:ext uri="{FF2B5EF4-FFF2-40B4-BE49-F238E27FC236}">
+              <a16:creationId xmlns:a16="http://schemas.microsoft.com/office/drawing/2014/main" id="{3A51C0DA-7F70-3660-0080-F2D3C14FBE90}"/>
+            </a:ext>
+          </a:extLst>
+        </p:cNvPr>
+        <p:cNvGrpSpPr/>
+        <p:nvPr/>
+      </p:nvGrpSpPr>
+      <p:grpSpPr>
+        <a:xfrm>
+          <a:off x="0" y="0"/>
+          <a:ext cx="0" cy="0"/>
+          <a:chOff x="0" y="0"/>
+          <a:chExt cx="0" cy="0"/>
+        </a:xfrm>
+      </p:grpSpPr>
+      <p:pic>
+        <p:nvPicPr>
+          <p:cNvPr id="3" name="Picture 2">
+            <a:extLst>
+              <a:ext uri="{FF2B5EF4-FFF2-40B4-BE49-F238E27FC236}">
+                <a16:creationId xmlns:a16="http://schemas.microsoft.com/office/drawing/2014/main" id="{49FF369F-3D22-A975-DC04-C4A40FB9247A}"/>
+              </a:ext>
+            </a:extLst>
+          </p:cNvPr>
+          <p:cNvPicPr>
+            <a:picLocks noChangeAspect="1"/>
+          </p:cNvPicPr>
+          <p:nvPr/>
+        </p:nvPicPr>
+        <p:blipFill>
+          <a:blip r:embed="rId2">
+            <a:extLst>
+              <a:ext uri="{28A0092B-C50C-407E-A947-70E740481C1C}">
+                <a14:useLocalDpi xmlns:a14="http://schemas.microsoft.com/office/drawing/2010/main" val="0"/>
+              </a:ext>
+            </a:extLst>
+          </a:blip>
+          <a:stretch>
+            <a:fillRect/>
+          </a:stretch>
+        </p:blipFill>
+        <p:spPr>
+          <a:xfrm>
+            <a:off x="0" y="-82296"/>
+            <a:ext cx="12192000" cy="6940296"/>
+          </a:xfrm>
+          <a:prstGeom prst="rect">
+            <a:avLst/>
+          </a:prstGeom>
+        </p:spPr>
+      </p:pic>
+      <p:pic>
+        <p:nvPicPr>
+          <p:cNvPr id="2050" name="Picture 2" descr="Giving Thanks for Critical Infrastructure and Security Staff and Why  Cybersecurity Is a National Priority - Anacomp Inc.">
+            <a:extLst>
+              <a:ext uri="{FF2B5EF4-FFF2-40B4-BE49-F238E27FC236}">
+                <a16:creationId xmlns:a16="http://schemas.microsoft.com/office/drawing/2014/main" id="{370DA4E4-CE4A-53E1-9D6C-DD49FDB54B59}"/>
+              </a:ext>
+            </a:extLst>
+          </p:cNvPr>
+          <p:cNvPicPr>
+            <a:picLocks noChangeAspect="1" noChangeArrowheads="1"/>
+          </p:cNvPicPr>
+          <p:nvPr/>
+        </p:nvPicPr>
+        <p:blipFill>
+          <a:blip r:embed="rId3">
+            <a:extLst>
+              <a:ext uri="{28A0092B-C50C-407E-A947-70E740481C1C}">
+                <a14:useLocalDpi xmlns:a14="http://schemas.microsoft.com/office/drawing/2010/main" val="0"/>
+              </a:ext>
+            </a:extLst>
+          </a:blip>
+          <a:srcRect/>
+          <a:stretch>
+            <a:fillRect/>
+          </a:stretch>
+        </p:blipFill>
+        <p:spPr bwMode="auto">
+          <a:xfrm>
+            <a:off x="0" y="1426464"/>
+            <a:ext cx="12192000" cy="3493008"/>
+          </a:xfrm>
+          <a:prstGeom prst="rect">
+            <a:avLst/>
+          </a:prstGeom>
+          <a:ln>
+            <a:noFill/>
+          </a:ln>
+          <a:effectLst>
+            <a:softEdge rad="112500"/>
+          </a:effectLst>
+          <a:extLst>
+            <a:ext uri="{909E8E84-426E-40DD-AFC4-6F175D3DCCD1}">
+              <a14:hiddenFill xmlns:a14="http://schemas.microsoft.com/office/drawing/2010/main">
+                <a:solidFill>
+                  <a:srgbClr val="FFFFFF"/>
+                </a:solidFill>
+              </a14:hiddenFill>
+            </a:ext>
+          </a:extLst>
+        </p:spPr>
+      </p:pic>
+    </p:spTree>
+    <p:extLst>
+      <p:ext uri="{BB962C8B-B14F-4D97-AF65-F5344CB8AC3E}">
+        <p14:creationId xmlns:p14="http://schemas.microsoft.com/office/powerpoint/2010/main" val="1087359638"/>
+      </p:ext>
+    </p:extLst>
+  </p:cSld>
+  <p:clrMapOvr>
+    <a:masterClrMapping/>
+  </p:clrMapOvr>
+</p:sld>
+</file>
+
+<file path=ppt/slides/slide2.xml><?xml version="1.0" encoding="utf-8"?>
+<p:sld xmlns:a="http://schemas.openxmlformats.org/drawingml/2006/main" xmlns:r="http://schemas.openxmlformats.org/officeDocument/2006/relationships" xmlns:p="http://schemas.openxmlformats.org/presentationml/2006/main">
+  <p:cSld>
+    <p:spTree>
+      <p:nvGrpSpPr>
         <p:cNvPr id="1" name=""/>
         <p:cNvGrpSpPr/>
         <p:nvPr/>
@@ -3689,7 +4971,7 @@
 </p:sld>
 </file>
 
-<file path=ppt/slides/slide2.xml><?xml version="1.0" encoding="utf-8"?>
+<file path=ppt/slides/slide3.xml><?xml version="1.0" encoding="utf-8"?>
 <p:sld xmlns:a="http://schemas.openxmlformats.org/drawingml/2006/main" xmlns:r="http://schemas.openxmlformats.org/officeDocument/2006/relationships" xmlns:p="http://schemas.openxmlformats.org/presentationml/2006/main">
   <p:cSld>
     <p:spTree>
@@ -3859,7 +5141,7 @@
 </p:sld>
 </file>
 
-<file path=ppt/slides/slide3.xml><?xml version="1.0" encoding="utf-8"?>
+<file path=ppt/slides/slide4.xml><?xml version="1.0" encoding="utf-8"?>
 <p:sld xmlns:a="http://schemas.openxmlformats.org/drawingml/2006/main" xmlns:r="http://schemas.openxmlformats.org/officeDocument/2006/relationships" xmlns:p="http://schemas.openxmlformats.org/presentationml/2006/main">
   <p:cSld>
     <p:spTree>
@@ -3974,8 +5256,8 @@
               <a:rPr lang="en-US" b="1" dirty="0">
                 <a:solidFill>
                   <a:schemeClr val="accent2">
-                    <a:lumMod val="40000"/>
-                    <a:lumOff val="60000"/>
+                    <a:lumMod val="60000"/>
+                    <a:lumOff val="40000"/>
                   </a:schemeClr>
                 </a:solidFill>
               </a:rPr>
@@ -4063,7 +5345,238 @@
 </p:sld>
 </file>
 
-<file path=ppt/slides/slide4.xml><?xml version="1.0" encoding="utf-8"?>
+<file path=ppt/slides/slide5.xml><?xml version="1.0" encoding="utf-8"?>
+<p:sld xmlns:a="http://schemas.openxmlformats.org/drawingml/2006/main" xmlns:r="http://schemas.openxmlformats.org/officeDocument/2006/relationships" xmlns:p="http://schemas.openxmlformats.org/presentationml/2006/main">
+  <p:cSld>
+    <p:spTree>
+      <p:nvGrpSpPr>
+        <p:cNvPr id="1" name="">
+          <a:extLst>
+            <a:ext uri="{FF2B5EF4-FFF2-40B4-BE49-F238E27FC236}">
+              <a16:creationId xmlns:a16="http://schemas.microsoft.com/office/drawing/2014/main" id="{AC21C63E-D685-91A7-F1C8-5EEBAE9E33DE}"/>
+            </a:ext>
+          </a:extLst>
+        </p:cNvPr>
+        <p:cNvGrpSpPr/>
+        <p:nvPr/>
+      </p:nvGrpSpPr>
+      <p:grpSpPr>
+        <a:xfrm>
+          <a:off x="0" y="0"/>
+          <a:ext cx="0" cy="0"/>
+          <a:chOff x="0" y="0"/>
+          <a:chExt cx="0" cy="0"/>
+        </a:xfrm>
+      </p:grpSpPr>
+      <p:pic>
+        <p:nvPicPr>
+          <p:cNvPr id="3" name="Picture 2">
+            <a:extLst>
+              <a:ext uri="{FF2B5EF4-FFF2-40B4-BE49-F238E27FC236}">
+                <a16:creationId xmlns:a16="http://schemas.microsoft.com/office/drawing/2014/main" id="{D52CB0D3-8E7F-AF67-AAAA-DBA3C21DFE30}"/>
+              </a:ext>
+            </a:extLst>
+          </p:cNvPr>
+          <p:cNvPicPr>
+            <a:picLocks noChangeAspect="1"/>
+          </p:cNvPicPr>
+          <p:nvPr/>
+        </p:nvPicPr>
+        <p:blipFill>
+          <a:blip r:embed="rId2">
+            <a:extLst>
+              <a:ext uri="{28A0092B-C50C-407E-A947-70E740481C1C}">
+                <a14:useLocalDpi xmlns:a14="http://schemas.microsoft.com/office/drawing/2010/main" val="0"/>
+              </a:ext>
+            </a:extLst>
+          </a:blip>
+          <a:stretch>
+            <a:fillRect/>
+          </a:stretch>
+        </p:blipFill>
+        <p:spPr>
+          <a:xfrm>
+            <a:off x="0" y="-82296"/>
+            <a:ext cx="12192000" cy="6940296"/>
+          </a:xfrm>
+          <a:prstGeom prst="rect">
+            <a:avLst/>
+          </a:prstGeom>
+        </p:spPr>
+      </p:pic>
+      <p:sp>
+        <p:nvSpPr>
+          <p:cNvPr id="2" name="TextBox 1">
+            <a:extLst>
+              <a:ext uri="{FF2B5EF4-FFF2-40B4-BE49-F238E27FC236}">
+                <a16:creationId xmlns:a16="http://schemas.microsoft.com/office/drawing/2014/main" id="{9352414A-F6BE-790E-856E-38F1690CF0A0}"/>
+              </a:ext>
+            </a:extLst>
+          </p:cNvPr>
+          <p:cNvSpPr txBox="1"/>
+          <p:nvPr/>
+        </p:nvSpPr>
+        <p:spPr>
+          <a:xfrm>
+            <a:off x="548640" y="410248"/>
+            <a:ext cx="11055096" cy="1661993"/>
+          </a:xfrm>
+          <a:prstGeom prst="rect">
+            <a:avLst/>
+          </a:prstGeom>
+          <a:noFill/>
+        </p:spPr>
+        <p:txBody>
+          <a:bodyPr wrap="square">
+            <a:spAutoFit/>
+          </a:bodyPr>
+          <a:lstStyle/>
+          <a:p>
+            <a:pPr algn="ctr"/>
+            <a:r>
+              <a:rPr lang="en-US" sz="2800" b="1" dirty="0">
+                <a:solidFill>
+                  <a:schemeClr val="accent5">
+                    <a:lumMod val="20000"/>
+                    <a:lumOff val="80000"/>
+                  </a:schemeClr>
+                </a:solidFill>
+              </a:rPr>
+              <a:t>Macroeconomic Analysis</a:t>
+            </a:r>
+          </a:p>
+          <a:p>
+            <a:endParaRPr lang="en-US" dirty="0">
+              <a:solidFill>
+                <a:schemeClr val="accent5">
+                  <a:lumMod val="20000"/>
+                  <a:lumOff val="80000"/>
+                </a:schemeClr>
+              </a:solidFill>
+            </a:endParaRPr>
+          </a:p>
+          <a:p>
+            <a:r>
+              <a:rPr lang="en-US" sz="2000" b="1" dirty="0">
+                <a:solidFill>
+                  <a:schemeClr val="accent2">
+                    <a:lumMod val="60000"/>
+                    <a:lumOff val="40000"/>
+                  </a:schemeClr>
+                </a:solidFill>
+              </a:rPr>
+              <a:t>GDP Analysis:</a:t>
+            </a:r>
+          </a:p>
+          <a:p>
+            <a:pPr marL="285750" indent="-285750">
+              <a:buFont typeface="Wingdings" panose="05000000000000000000" pitchFamily="2" charset="2"/>
+              <a:buChar char="§"/>
+            </a:pPr>
+            <a:r>
+              <a:rPr lang="en-US" b="0" i="0" dirty="0">
+                <a:solidFill>
+                  <a:schemeClr val="bg1"/>
+                </a:solidFill>
+                <a:effectLst/>
+                <a:latin typeface="Söhne"/>
+              </a:rPr>
+              <a:t>Line chart comparing G20 GDP across member states from 1980 to 2023.</a:t>
+            </a:r>
+          </a:p>
+          <a:p>
+            <a:pPr marL="285750" indent="-285750">
+              <a:buFont typeface="Wingdings" panose="05000000000000000000" pitchFamily="2" charset="2"/>
+              <a:buChar char="§"/>
+            </a:pPr>
+            <a:r>
+              <a:rPr lang="en-US" b="0" i="0" dirty="0">
+                <a:solidFill>
+                  <a:schemeClr val="bg1"/>
+                </a:solidFill>
+                <a:effectLst/>
+                <a:latin typeface="Söhne"/>
+              </a:rPr>
+              <a:t>with a projection to 2028.</a:t>
+            </a:r>
+            <a:endParaRPr lang="en-US" dirty="0">
+              <a:solidFill>
+                <a:schemeClr val="bg1"/>
+              </a:solidFill>
+            </a:endParaRPr>
+          </a:p>
+        </p:txBody>
+      </p:sp>
+      <p:pic>
+        <p:nvPicPr>
+          <p:cNvPr id="5" name="Picture 4">
+            <a:extLst>
+              <a:ext uri="{FF2B5EF4-FFF2-40B4-BE49-F238E27FC236}">
+                <a16:creationId xmlns:a16="http://schemas.microsoft.com/office/drawing/2014/main" id="{C0B07E4A-150C-ACE5-2A00-E718C7AAB292}"/>
+              </a:ext>
+            </a:extLst>
+          </p:cNvPr>
+          <p:cNvPicPr>
+            <a:picLocks noChangeAspect="1"/>
+          </p:cNvPicPr>
+          <p:nvPr/>
+        </p:nvPicPr>
+        <p:blipFill>
+          <a:blip r:embed="rId3"/>
+          <a:stretch>
+            <a:fillRect/>
+          </a:stretch>
+        </p:blipFill>
+        <p:spPr>
+          <a:xfrm>
+            <a:off x="1170432" y="2257009"/>
+            <a:ext cx="10152888" cy="3484722"/>
+          </a:xfrm>
+          <a:prstGeom prst="roundRect">
+            <a:avLst>
+              <a:gd name="adj" fmla="val 4167"/>
+            </a:avLst>
+          </a:prstGeom>
+          <a:solidFill>
+            <a:srgbClr val="FFFFFF"/>
+          </a:solidFill>
+          <a:ln w="76200" cap="sq">
+            <a:solidFill>
+              <a:srgbClr val="EAEAEA"/>
+            </a:solidFill>
+            <a:miter lim="800000"/>
+          </a:ln>
+          <a:effectLst>
+            <a:reflection blurRad="12700" stA="33000" endPos="28000" dist="5000" dir="5400000" sy="-100000" algn="bl" rotWithShape="0"/>
+          </a:effectLst>
+          <a:scene3d>
+            <a:camera prst="orthographicFront"/>
+            <a:lightRig rig="threePt" dir="t">
+              <a:rot lat="0" lon="0" rev="2700000"/>
+            </a:lightRig>
+          </a:scene3d>
+          <a:sp3d contourW="6350">
+            <a:bevelT h="38100"/>
+            <a:contourClr>
+              <a:srgbClr val="C0C0C0"/>
+            </a:contourClr>
+          </a:sp3d>
+        </p:spPr>
+      </p:pic>
+    </p:spTree>
+    <p:extLst>
+      <p:ext uri="{BB962C8B-B14F-4D97-AF65-F5344CB8AC3E}">
+        <p14:creationId xmlns:p14="http://schemas.microsoft.com/office/powerpoint/2010/main" val="4091885840"/>
+      </p:ext>
+    </p:extLst>
+  </p:cSld>
+  <p:clrMapOvr>
+    <a:masterClrMapping/>
+  </p:clrMapOvr>
+</p:sld>
+</file>
+
+<file path=ppt/slides/slide6.xml><?xml version="1.0" encoding="utf-8"?>
 <p:sld xmlns:a="http://schemas.openxmlformats.org/drawingml/2006/main" xmlns:r="http://schemas.openxmlformats.org/officeDocument/2006/relationships" xmlns:p="http://schemas.openxmlformats.org/presentationml/2006/main">
   <p:cSld>
     <p:spTree>
@@ -4178,8 +5691,8 @@
               <a:rPr lang="en-US" b="1" dirty="0">
                 <a:solidFill>
                   <a:schemeClr val="accent2">
-                    <a:lumMod val="40000"/>
-                    <a:lumOff val="60000"/>
+                    <a:lumMod val="60000"/>
+                    <a:lumOff val="40000"/>
                   </a:schemeClr>
                 </a:solidFill>
               </a:rPr>
@@ -4267,155 +5780,7 @@
 </p:sld>
 </file>
 
-<file path=ppt/slides/slide5.xml><?xml version="1.0" encoding="utf-8"?>
-<p:sld xmlns:a="http://schemas.openxmlformats.org/drawingml/2006/main" xmlns:r="http://schemas.openxmlformats.org/officeDocument/2006/relationships" xmlns:p="http://schemas.openxmlformats.org/presentationml/2006/main">
-  <p:cSld>
-    <p:spTree>
-      <p:nvGrpSpPr>
-        <p:cNvPr id="1" name="">
-          <a:extLst>
-            <a:ext uri="{FF2B5EF4-FFF2-40B4-BE49-F238E27FC236}">
-              <a16:creationId xmlns:a16="http://schemas.microsoft.com/office/drawing/2014/main" id="{AC21C63E-D685-91A7-F1C8-5EEBAE9E33DE}"/>
-            </a:ext>
-          </a:extLst>
-        </p:cNvPr>
-        <p:cNvGrpSpPr/>
-        <p:nvPr/>
-      </p:nvGrpSpPr>
-      <p:grpSpPr>
-        <a:xfrm>
-          <a:off x="0" y="0"/>
-          <a:ext cx="0" cy="0"/>
-          <a:chOff x="0" y="0"/>
-          <a:chExt cx="0" cy="0"/>
-        </a:xfrm>
-      </p:grpSpPr>
-      <p:pic>
-        <p:nvPicPr>
-          <p:cNvPr id="3" name="Picture 2">
-            <a:extLst>
-              <a:ext uri="{FF2B5EF4-FFF2-40B4-BE49-F238E27FC236}">
-                <a16:creationId xmlns:a16="http://schemas.microsoft.com/office/drawing/2014/main" id="{D52CB0D3-8E7F-AF67-AAAA-DBA3C21DFE30}"/>
-              </a:ext>
-            </a:extLst>
-          </p:cNvPr>
-          <p:cNvPicPr>
-            <a:picLocks noChangeAspect="1"/>
-          </p:cNvPicPr>
-          <p:nvPr/>
-        </p:nvPicPr>
-        <p:blipFill>
-          <a:blip r:embed="rId2">
-            <a:extLst>
-              <a:ext uri="{28A0092B-C50C-407E-A947-70E740481C1C}">
-                <a14:useLocalDpi xmlns:a14="http://schemas.microsoft.com/office/drawing/2010/main" val="0"/>
-              </a:ext>
-            </a:extLst>
-          </a:blip>
-          <a:stretch>
-            <a:fillRect/>
-          </a:stretch>
-        </p:blipFill>
-        <p:spPr>
-          <a:xfrm>
-            <a:off x="0" y="-82296"/>
-            <a:ext cx="12192000" cy="6940296"/>
-          </a:xfrm>
-          <a:prstGeom prst="rect">
-            <a:avLst/>
-          </a:prstGeom>
-        </p:spPr>
-      </p:pic>
-      <p:sp>
-        <p:nvSpPr>
-          <p:cNvPr id="2" name="TextBox 1">
-            <a:extLst>
-              <a:ext uri="{FF2B5EF4-FFF2-40B4-BE49-F238E27FC236}">
-                <a16:creationId xmlns:a16="http://schemas.microsoft.com/office/drawing/2014/main" id="{9352414A-F6BE-790E-856E-38F1690CF0A0}"/>
-              </a:ext>
-            </a:extLst>
-          </p:cNvPr>
-          <p:cNvSpPr txBox="1"/>
-          <p:nvPr/>
-        </p:nvSpPr>
-        <p:spPr>
-          <a:xfrm>
-            <a:off x="548640" y="410248"/>
-            <a:ext cx="11055096" cy="1354217"/>
-          </a:xfrm>
-          <a:prstGeom prst="rect">
-            <a:avLst/>
-          </a:prstGeom>
-          <a:noFill/>
-        </p:spPr>
-        <p:txBody>
-          <a:bodyPr wrap="square">
-            <a:spAutoFit/>
-          </a:bodyPr>
-          <a:lstStyle/>
-          <a:p>
-            <a:pPr algn="ctr"/>
-            <a:r>
-              <a:rPr lang="en-US" sz="2800" b="1" dirty="0">
-                <a:solidFill>
-                  <a:schemeClr val="accent5">
-                    <a:lumMod val="20000"/>
-                    <a:lumOff val="80000"/>
-                  </a:schemeClr>
-                </a:solidFill>
-              </a:rPr>
-              <a:t>Macroeconomic Analysis</a:t>
-            </a:r>
-          </a:p>
-          <a:p>
-            <a:endParaRPr lang="en-US" dirty="0">
-              <a:solidFill>
-                <a:schemeClr val="accent5">
-                  <a:lumMod val="20000"/>
-                  <a:lumOff val="80000"/>
-                </a:schemeClr>
-              </a:solidFill>
-            </a:endParaRPr>
-          </a:p>
-          <a:p>
-            <a:r>
-              <a:rPr lang="en-US" b="1" dirty="0">
-                <a:solidFill>
-                  <a:schemeClr val="accent2">
-                    <a:lumMod val="40000"/>
-                    <a:lumOff val="60000"/>
-                  </a:schemeClr>
-                </a:solidFill>
-              </a:rPr>
-              <a:t>Inflation Rate:</a:t>
-            </a:r>
-          </a:p>
-          <a:p>
-            <a:r>
-              <a:rPr lang="en-US" dirty="0">
-                <a:solidFill>
-                  <a:schemeClr val="bg1"/>
-                </a:solidFill>
-              </a:rPr>
-              <a:t>Visualization of inflation rates globally and among G20 countries.</a:t>
-            </a:r>
-          </a:p>
-        </p:txBody>
-      </p:sp>
-    </p:spTree>
-    <p:extLst>
-      <p:ext uri="{BB962C8B-B14F-4D97-AF65-F5344CB8AC3E}">
-        <p14:creationId xmlns:p14="http://schemas.microsoft.com/office/powerpoint/2010/main" val="4091885840"/>
-      </p:ext>
-    </p:extLst>
-  </p:cSld>
-  <p:clrMapOvr>
-    <a:masterClrMapping/>
-  </p:clrMapOvr>
-</p:sld>
-</file>
-
-<file path=ppt/slides/slide6.xml><?xml version="1.0" encoding="utf-8"?>
+<file path=ppt/slides/slide7.xml><?xml version="1.0" encoding="utf-8"?>
 <p:sld xmlns:a="http://schemas.openxmlformats.org/drawingml/2006/main" xmlns:r="http://schemas.openxmlformats.org/officeDocument/2006/relationships" xmlns:p="http://schemas.openxmlformats.org/presentationml/2006/main">
   <p:cSld>
     <p:spTree>
@@ -4474,10 +5839,534 @@
           </a:prstGeom>
         </p:spPr>
       </p:pic>
+      <p:sp>
+        <p:nvSpPr>
+          <p:cNvPr id="2" name="TextBox 1">
+            <a:extLst>
+              <a:ext uri="{FF2B5EF4-FFF2-40B4-BE49-F238E27FC236}">
+                <a16:creationId xmlns:a16="http://schemas.microsoft.com/office/drawing/2014/main" id="{29CAA302-4C69-AFA7-88F0-7AEC2D5408F5}"/>
+              </a:ext>
+            </a:extLst>
+          </p:cNvPr>
+          <p:cNvSpPr txBox="1"/>
+          <p:nvPr/>
+        </p:nvSpPr>
+        <p:spPr>
+          <a:xfrm>
+            <a:off x="568452" y="371886"/>
+            <a:ext cx="11055096" cy="1723549"/>
+          </a:xfrm>
+          <a:prstGeom prst="rect">
+            <a:avLst/>
+          </a:prstGeom>
+          <a:noFill/>
+        </p:spPr>
+        <p:txBody>
+          <a:bodyPr wrap="square">
+            <a:spAutoFit/>
+          </a:bodyPr>
+          <a:lstStyle/>
+          <a:p>
+            <a:pPr algn="ctr"/>
+            <a:r>
+              <a:rPr lang="en-US" sz="2800" b="1" dirty="0">
+                <a:solidFill>
+                  <a:schemeClr val="accent5">
+                    <a:lumMod val="20000"/>
+                    <a:lumOff val="80000"/>
+                  </a:schemeClr>
+                </a:solidFill>
+              </a:rPr>
+              <a:t>Macroeconomic Analysis</a:t>
+            </a:r>
+          </a:p>
+          <a:p>
+            <a:endParaRPr lang="en-US" dirty="0">
+              <a:solidFill>
+                <a:schemeClr val="accent2">
+                  <a:lumMod val="60000"/>
+                  <a:lumOff val="40000"/>
+                </a:schemeClr>
+              </a:solidFill>
+            </a:endParaRPr>
+          </a:p>
+          <a:p>
+            <a:r>
+              <a:rPr lang="en-US" sz="2000" b="1" i="0" dirty="0">
+                <a:solidFill>
+                  <a:schemeClr val="accent2">
+                    <a:lumMod val="60000"/>
+                    <a:lumOff val="40000"/>
+                  </a:schemeClr>
+                </a:solidFill>
+                <a:effectLst/>
+                <a:latin typeface="Söhne"/>
+              </a:rPr>
+              <a:t>Inflation Rate:</a:t>
+            </a:r>
+          </a:p>
+          <a:p>
+            <a:pPr marL="342900" indent="-342900">
+              <a:buFont typeface="Wingdings" panose="05000000000000000000" pitchFamily="2" charset="2"/>
+              <a:buChar char="§"/>
+            </a:pPr>
+            <a:r>
+              <a:rPr lang="en-US" sz="2000" b="0" i="0" dirty="0">
+                <a:solidFill>
+                  <a:schemeClr val="bg1"/>
+                </a:solidFill>
+                <a:effectLst/>
+                <a:latin typeface="Söhne"/>
+              </a:rPr>
+              <a:t>Line chart comparing G20 GDP across member states from 1980 to 2023.</a:t>
+            </a:r>
+          </a:p>
+          <a:p>
+            <a:pPr marL="342900" indent="-342900">
+              <a:buFont typeface="Wingdings" panose="05000000000000000000" pitchFamily="2" charset="2"/>
+              <a:buChar char="§"/>
+            </a:pPr>
+            <a:r>
+              <a:rPr lang="en-US" sz="2000" b="0" i="0" dirty="0">
+                <a:solidFill>
+                  <a:schemeClr val="bg1"/>
+                </a:solidFill>
+                <a:effectLst/>
+                <a:latin typeface="Söhne"/>
+              </a:rPr>
+              <a:t>with a projection to 2028.</a:t>
+            </a:r>
+            <a:endParaRPr lang="en-US" dirty="0">
+              <a:solidFill>
+                <a:schemeClr val="bg1"/>
+              </a:solidFill>
+            </a:endParaRPr>
+          </a:p>
+        </p:txBody>
+      </p:sp>
+      <p:pic>
+        <p:nvPicPr>
+          <p:cNvPr id="5" name="Picture 4">
+            <a:extLst>
+              <a:ext uri="{FF2B5EF4-FFF2-40B4-BE49-F238E27FC236}">
+                <a16:creationId xmlns:a16="http://schemas.microsoft.com/office/drawing/2014/main" id="{A80547EA-C843-7551-E2DF-F644E932C49A}"/>
+              </a:ext>
+            </a:extLst>
+          </p:cNvPr>
+          <p:cNvPicPr>
+            <a:picLocks noChangeAspect="1"/>
+          </p:cNvPicPr>
+          <p:nvPr/>
+        </p:nvPicPr>
+        <p:blipFill>
+          <a:blip r:embed="rId3"/>
+          <a:stretch>
+            <a:fillRect/>
+          </a:stretch>
+        </p:blipFill>
+        <p:spPr>
+          <a:xfrm>
+            <a:off x="822960" y="2549617"/>
+            <a:ext cx="10546080" cy="3247637"/>
+          </a:xfrm>
+          <a:prstGeom prst="roundRect">
+            <a:avLst>
+              <a:gd name="adj" fmla="val 4167"/>
+            </a:avLst>
+          </a:prstGeom>
+          <a:solidFill>
+            <a:srgbClr val="FFFFFF"/>
+          </a:solidFill>
+          <a:ln w="76200" cap="sq">
+            <a:solidFill>
+              <a:srgbClr val="EAEAEA"/>
+            </a:solidFill>
+            <a:miter lim="800000"/>
+          </a:ln>
+          <a:effectLst>
+            <a:reflection blurRad="12700" stA="33000" endPos="28000" dist="5000" dir="5400000" sy="-100000" algn="bl" rotWithShape="0"/>
+          </a:effectLst>
+          <a:scene3d>
+            <a:camera prst="orthographicFront"/>
+            <a:lightRig rig="threePt" dir="t">
+              <a:rot lat="0" lon="0" rev="2700000"/>
+            </a:lightRig>
+          </a:scene3d>
+          <a:sp3d contourW="6350">
+            <a:bevelT h="38100"/>
+            <a:contourClr>
+              <a:srgbClr val="C0C0C0"/>
+            </a:contourClr>
+          </a:sp3d>
+        </p:spPr>
+      </p:pic>
     </p:spTree>
     <p:extLst>
       <p:ext uri="{BB962C8B-B14F-4D97-AF65-F5344CB8AC3E}">
         <p14:creationId xmlns:p14="http://schemas.microsoft.com/office/powerpoint/2010/main" val="2140889961"/>
+      </p:ext>
+    </p:extLst>
+  </p:cSld>
+  <p:clrMapOvr>
+    <a:masterClrMapping/>
+  </p:clrMapOvr>
+</p:sld>
+</file>
+
+<file path=ppt/slides/slide8.xml><?xml version="1.0" encoding="utf-8"?>
+<p:sld xmlns:a="http://schemas.openxmlformats.org/drawingml/2006/main" xmlns:r="http://schemas.openxmlformats.org/officeDocument/2006/relationships" xmlns:p="http://schemas.openxmlformats.org/presentationml/2006/main">
+  <p:cSld>
+    <p:spTree>
+      <p:nvGrpSpPr>
+        <p:cNvPr id="1" name="">
+          <a:extLst>
+            <a:ext uri="{FF2B5EF4-FFF2-40B4-BE49-F238E27FC236}">
+              <a16:creationId xmlns:a16="http://schemas.microsoft.com/office/drawing/2014/main" id="{AFCA3E7A-86A0-B387-DC1A-3105A9B81738}"/>
+            </a:ext>
+          </a:extLst>
+        </p:cNvPr>
+        <p:cNvGrpSpPr/>
+        <p:nvPr/>
+      </p:nvGrpSpPr>
+      <p:grpSpPr>
+        <a:xfrm>
+          <a:off x="0" y="0"/>
+          <a:ext cx="0" cy="0"/>
+          <a:chOff x="0" y="0"/>
+          <a:chExt cx="0" cy="0"/>
+        </a:xfrm>
+      </p:grpSpPr>
+      <p:pic>
+        <p:nvPicPr>
+          <p:cNvPr id="3" name="Picture 2">
+            <a:extLst>
+              <a:ext uri="{FF2B5EF4-FFF2-40B4-BE49-F238E27FC236}">
+                <a16:creationId xmlns:a16="http://schemas.microsoft.com/office/drawing/2014/main" id="{EC5B32D5-EEE6-641C-699D-FABA5A41B14B}"/>
+              </a:ext>
+            </a:extLst>
+          </p:cNvPr>
+          <p:cNvPicPr>
+            <a:picLocks noChangeAspect="1"/>
+          </p:cNvPicPr>
+          <p:nvPr/>
+        </p:nvPicPr>
+        <p:blipFill>
+          <a:blip r:embed="rId2">
+            <a:extLst>
+              <a:ext uri="{28A0092B-C50C-407E-A947-70E740481C1C}">
+                <a14:useLocalDpi xmlns:a14="http://schemas.microsoft.com/office/drawing/2010/main" val="0"/>
+              </a:ext>
+            </a:extLst>
+          </a:blip>
+          <a:stretch>
+            <a:fillRect/>
+          </a:stretch>
+        </p:blipFill>
+        <p:spPr>
+          <a:xfrm>
+            <a:off x="9144" y="-36576"/>
+            <a:ext cx="12192000" cy="6940296"/>
+          </a:xfrm>
+          <a:prstGeom prst="rect">
+            <a:avLst/>
+          </a:prstGeom>
+        </p:spPr>
+      </p:pic>
+      <p:sp>
+        <p:nvSpPr>
+          <p:cNvPr id="2" name="TextBox 1">
+            <a:extLst>
+              <a:ext uri="{FF2B5EF4-FFF2-40B4-BE49-F238E27FC236}">
+                <a16:creationId xmlns:a16="http://schemas.microsoft.com/office/drawing/2014/main" id="{BECBB24A-FD33-C235-5A8A-278B4ADF898C}"/>
+              </a:ext>
+            </a:extLst>
+          </p:cNvPr>
+          <p:cNvSpPr txBox="1"/>
+          <p:nvPr/>
+        </p:nvSpPr>
+        <p:spPr>
+          <a:xfrm>
+            <a:off x="1234440" y="576072"/>
+            <a:ext cx="9134856" cy="2492990"/>
+          </a:xfrm>
+          <a:prstGeom prst="rect">
+            <a:avLst/>
+          </a:prstGeom>
+          <a:noFill/>
+        </p:spPr>
+        <p:txBody>
+          <a:bodyPr wrap="square" rtlCol="0">
+            <a:spAutoFit/>
+          </a:bodyPr>
+          <a:lstStyle/>
+          <a:p>
+            <a:pPr algn="ctr"/>
+            <a:r>
+              <a:rPr lang="en-US" sz="2800" b="1" dirty="0">
+                <a:solidFill>
+                  <a:schemeClr val="accent5">
+                    <a:lumMod val="40000"/>
+                    <a:lumOff val="60000"/>
+                  </a:schemeClr>
+                </a:solidFill>
+              </a:rPr>
+              <a:t>Microeconomic Analysis</a:t>
+            </a:r>
+          </a:p>
+          <a:p>
+            <a:endParaRPr lang="en-US" sz="2800" b="1" dirty="0">
+              <a:solidFill>
+                <a:schemeClr val="accent5">
+                  <a:lumMod val="40000"/>
+                  <a:lumOff val="60000"/>
+                </a:schemeClr>
+              </a:solidFill>
+            </a:endParaRPr>
+          </a:p>
+          <a:p>
+            <a:r>
+              <a:rPr lang="en-US" sz="2000" b="1" dirty="0">
+                <a:solidFill>
+                  <a:schemeClr val="accent2">
+                    <a:lumMod val="60000"/>
+                    <a:lumOff val="40000"/>
+                  </a:schemeClr>
+                </a:solidFill>
+              </a:rPr>
+              <a:t>Stock Market Performance:</a:t>
+            </a:r>
+          </a:p>
+          <a:p>
+            <a:r>
+              <a:rPr lang="en-US" sz="2000" dirty="0">
+                <a:solidFill>
+                  <a:schemeClr val="bg1"/>
+                </a:solidFill>
+              </a:rPr>
+              <a:t>Showcase performance of stock market indices for G20 countries.</a:t>
+            </a:r>
+          </a:p>
+          <a:p>
+            <a:endParaRPr lang="en-US" sz="2000" b="1" dirty="0">
+              <a:solidFill>
+                <a:schemeClr val="accent5">
+                  <a:lumMod val="40000"/>
+                  <a:lumOff val="60000"/>
+                </a:schemeClr>
+              </a:solidFill>
+            </a:endParaRPr>
+          </a:p>
+          <a:p>
+            <a:r>
+              <a:rPr lang="en-US" sz="2000" b="1" dirty="0">
+                <a:solidFill>
+                  <a:schemeClr val="accent2">
+                    <a:lumMod val="60000"/>
+                    <a:lumOff val="40000"/>
+                  </a:schemeClr>
+                </a:solidFill>
+              </a:rPr>
+              <a:t>Economic Stability:</a:t>
+            </a:r>
+          </a:p>
+          <a:p>
+            <a:r>
+              <a:rPr lang="en-US" sz="2000" dirty="0">
+                <a:solidFill>
+                  <a:schemeClr val="bg1"/>
+                </a:solidFill>
+              </a:rPr>
+              <a:t>Link between stock market performance and economic stability.</a:t>
+            </a:r>
+          </a:p>
+        </p:txBody>
+      </p:sp>
+    </p:spTree>
+    <p:extLst>
+      <p:ext uri="{BB962C8B-B14F-4D97-AF65-F5344CB8AC3E}">
+        <p14:creationId xmlns:p14="http://schemas.microsoft.com/office/powerpoint/2010/main" val="2270454260"/>
+      </p:ext>
+    </p:extLst>
+  </p:cSld>
+  <p:clrMapOvr>
+    <a:masterClrMapping/>
+  </p:clrMapOvr>
+</p:sld>
+</file>
+
+<file path=ppt/slides/slide9.xml><?xml version="1.0" encoding="utf-8"?>
+<p:sld xmlns:a="http://schemas.openxmlformats.org/drawingml/2006/main" xmlns:r="http://schemas.openxmlformats.org/officeDocument/2006/relationships" xmlns:p="http://schemas.openxmlformats.org/presentationml/2006/main">
+  <p:cSld>
+    <p:spTree>
+      <p:nvGrpSpPr>
+        <p:cNvPr id="1" name="">
+          <a:extLst>
+            <a:ext uri="{FF2B5EF4-FFF2-40B4-BE49-F238E27FC236}">
+              <a16:creationId xmlns:a16="http://schemas.microsoft.com/office/drawing/2014/main" id="{32F6390F-5733-D935-BF88-959B9A3E7362}"/>
+            </a:ext>
+          </a:extLst>
+        </p:cNvPr>
+        <p:cNvGrpSpPr/>
+        <p:nvPr/>
+      </p:nvGrpSpPr>
+      <p:grpSpPr>
+        <a:xfrm>
+          <a:off x="0" y="0"/>
+          <a:ext cx="0" cy="0"/>
+          <a:chOff x="0" y="0"/>
+          <a:chExt cx="0" cy="0"/>
+        </a:xfrm>
+      </p:grpSpPr>
+      <p:pic>
+        <p:nvPicPr>
+          <p:cNvPr id="3" name="Picture 2">
+            <a:extLst>
+              <a:ext uri="{FF2B5EF4-FFF2-40B4-BE49-F238E27FC236}">
+                <a16:creationId xmlns:a16="http://schemas.microsoft.com/office/drawing/2014/main" id="{CD4C8334-E9A0-3F42-7434-6F344598B053}"/>
+              </a:ext>
+            </a:extLst>
+          </p:cNvPr>
+          <p:cNvPicPr>
+            <a:picLocks noChangeAspect="1"/>
+          </p:cNvPicPr>
+          <p:nvPr/>
+        </p:nvPicPr>
+        <p:blipFill>
+          <a:blip r:embed="rId2">
+            <a:extLst>
+              <a:ext uri="{28A0092B-C50C-407E-A947-70E740481C1C}">
+                <a14:useLocalDpi xmlns:a14="http://schemas.microsoft.com/office/drawing/2010/main" val="0"/>
+              </a:ext>
+            </a:extLst>
+          </a:blip>
+          <a:stretch>
+            <a:fillRect/>
+          </a:stretch>
+        </p:blipFill>
+        <p:spPr>
+          <a:xfrm>
+            <a:off x="9144" y="-36576"/>
+            <a:ext cx="12192000" cy="6940296"/>
+          </a:xfrm>
+          <a:prstGeom prst="rect">
+            <a:avLst/>
+          </a:prstGeom>
+        </p:spPr>
+      </p:pic>
+      <p:sp>
+        <p:nvSpPr>
+          <p:cNvPr id="2" name="TextBox 1">
+            <a:extLst>
+              <a:ext uri="{FF2B5EF4-FFF2-40B4-BE49-F238E27FC236}">
+                <a16:creationId xmlns:a16="http://schemas.microsoft.com/office/drawing/2014/main" id="{8647FDB9-758A-42C7-C63F-498168877C40}"/>
+              </a:ext>
+            </a:extLst>
+          </p:cNvPr>
+          <p:cNvSpPr txBox="1"/>
+          <p:nvPr/>
+        </p:nvSpPr>
+        <p:spPr>
+          <a:xfrm>
+            <a:off x="987552" y="576072"/>
+            <a:ext cx="10085832" cy="2492990"/>
+          </a:xfrm>
+          <a:prstGeom prst="rect">
+            <a:avLst/>
+          </a:prstGeom>
+          <a:noFill/>
+        </p:spPr>
+        <p:txBody>
+          <a:bodyPr wrap="square" rtlCol="0">
+            <a:spAutoFit/>
+          </a:bodyPr>
+          <a:lstStyle/>
+          <a:p>
+            <a:pPr algn="ctr"/>
+            <a:r>
+              <a:rPr lang="en-US" sz="2800" b="1" dirty="0">
+                <a:solidFill>
+                  <a:schemeClr val="accent5">
+                    <a:lumMod val="40000"/>
+                    <a:lumOff val="60000"/>
+                  </a:schemeClr>
+                </a:solidFill>
+              </a:rPr>
+              <a:t>Top Technology Companies Analysis</a:t>
+            </a:r>
+          </a:p>
+          <a:p>
+            <a:pPr algn="ctr"/>
+            <a:endParaRPr lang="en-US" sz="2800" b="1" dirty="0">
+              <a:solidFill>
+                <a:schemeClr val="accent5">
+                  <a:lumMod val="40000"/>
+                  <a:lumOff val="60000"/>
+                </a:schemeClr>
+              </a:solidFill>
+            </a:endParaRPr>
+          </a:p>
+          <a:p>
+            <a:r>
+              <a:rPr lang="en-US" sz="2000" b="1" dirty="0">
+                <a:solidFill>
+                  <a:schemeClr val="accent2">
+                    <a:lumMod val="60000"/>
+                    <a:lumOff val="40000"/>
+                  </a:schemeClr>
+                </a:solidFill>
+              </a:rPr>
+              <a:t>Selection Criteria:</a:t>
+            </a:r>
+          </a:p>
+          <a:p>
+            <a:r>
+              <a:rPr lang="en-US" sz="2000" dirty="0">
+                <a:solidFill>
+                  <a:schemeClr val="bg1"/>
+                </a:solidFill>
+              </a:rPr>
+              <a:t>Market size, Cash dividends, Dividend-to-price ratio.</a:t>
+            </a:r>
+          </a:p>
+          <a:p>
+            <a:endParaRPr lang="en-US" sz="2000" b="1" dirty="0">
+              <a:solidFill>
+                <a:schemeClr val="accent2">
+                  <a:lumMod val="60000"/>
+                  <a:lumOff val="40000"/>
+                </a:schemeClr>
+              </a:solidFill>
+            </a:endParaRPr>
+          </a:p>
+          <a:p>
+            <a:r>
+              <a:rPr lang="en-US" sz="2000" b="1" dirty="0">
+                <a:solidFill>
+                  <a:schemeClr val="accent2">
+                    <a:lumMod val="60000"/>
+                    <a:lumOff val="40000"/>
+                  </a:schemeClr>
+                </a:solidFill>
+              </a:rPr>
+              <a:t>Presentation:</a:t>
+            </a:r>
+          </a:p>
+          <a:p>
+            <a:r>
+              <a:rPr lang="en-US" sz="2000" dirty="0">
+                <a:solidFill>
+                  <a:schemeClr val="bg1"/>
+                </a:solidFill>
+              </a:rPr>
+              <a:t>Display of top 10 technology companies in each G20 country.</a:t>
+            </a:r>
+          </a:p>
+        </p:txBody>
+      </p:sp>
+    </p:spTree>
+    <p:extLst>
+      <p:ext uri="{BB962C8B-B14F-4D97-AF65-F5344CB8AC3E}">
+        <p14:creationId xmlns:p14="http://schemas.microsoft.com/office/powerpoint/2010/main" val="1496602039"/>
       </p:ext>
     </p:extLst>
   </p:cSld>

--- a/Presentation.pptx
+++ b/Presentation.pptx
@@ -16,7 +16,8 @@
     <p:sldId id="265" r:id="rId10"/>
     <p:sldId id="264" r:id="rId11"/>
     <p:sldId id="263" r:id="rId12"/>
-    <p:sldId id="266" r:id="rId13"/>
+    <p:sldId id="268" r:id="rId13"/>
+    <p:sldId id="266" r:id="rId14"/>
   </p:sldIdLst>
   <p:sldSz cx="12192000" cy="6858000"/>
   <p:notesSz cx="6858000" cy="9144000"/>
@@ -125,6 +126,229 @@
 
 <file path=ppt/changesInfos/changesInfo1.xml><?xml version="1.0" encoding="utf-8"?>
 <pc:chgInfo xmlns:a="http://schemas.openxmlformats.org/drawingml/2006/main" xmlns:r="http://schemas.openxmlformats.org/officeDocument/2006/relationships" xmlns:ac="http://schemas.microsoft.com/office/drawing/2013/main/command" xmlns:pc="http://schemas.microsoft.com/office/powerpoint/2013/main/command">
+  <pc:docChgLst>
+    <pc:chgData name="Maher Alqarra" userId="81703c0c110a5f03" providerId="LiveId" clId="{9D3084B4-3CA2-418A-BD17-12D18752C5BA}"/>
+    <pc:docChg chg="undo custSel addSld modSld">
+      <pc:chgData name="Maher Alqarra" userId="81703c0c110a5f03" providerId="LiveId" clId="{9D3084B4-3CA2-418A-BD17-12D18752C5BA}" dt="2024-03-06T15:15:53.839" v="292" actId="20577"/>
+      <pc:docMkLst>
+        <pc:docMk/>
+      </pc:docMkLst>
+      <pc:sldChg chg="modSp mod">
+        <pc:chgData name="Maher Alqarra" userId="81703c0c110a5f03" providerId="LiveId" clId="{9D3084B4-3CA2-418A-BD17-12D18752C5BA}" dt="2024-03-06T14:39:47.515" v="30" actId="12"/>
+        <pc:sldMkLst>
+          <pc:docMk/>
+          <pc:sldMk cId="742347494" sldId="256"/>
+        </pc:sldMkLst>
+        <pc:spChg chg="mod">
+          <ac:chgData name="Maher Alqarra" userId="81703c0c110a5f03" providerId="LiveId" clId="{9D3084B4-3CA2-418A-BD17-12D18752C5BA}" dt="2024-03-06T14:39:47.515" v="30" actId="12"/>
+          <ac:spMkLst>
+            <pc:docMk/>
+            <pc:sldMk cId="742347494" sldId="256"/>
+            <ac:spMk id="2" creationId="{BE9EC313-838A-BAFA-AFAD-BF8E05A1C879}"/>
+          </ac:spMkLst>
+        </pc:spChg>
+      </pc:sldChg>
+      <pc:sldChg chg="modSp mod">
+        <pc:chgData name="Maher Alqarra" userId="81703c0c110a5f03" providerId="LiveId" clId="{9D3084B4-3CA2-418A-BD17-12D18752C5BA}" dt="2024-03-06T14:40:20.100" v="35" actId="12"/>
+        <pc:sldMkLst>
+          <pc:docMk/>
+          <pc:sldMk cId="3098824939" sldId="257"/>
+        </pc:sldMkLst>
+        <pc:spChg chg="mod">
+          <ac:chgData name="Maher Alqarra" userId="81703c0c110a5f03" providerId="LiveId" clId="{9D3084B4-3CA2-418A-BD17-12D18752C5BA}" dt="2024-03-06T14:40:20.100" v="35" actId="12"/>
+          <ac:spMkLst>
+            <pc:docMk/>
+            <pc:sldMk cId="3098824939" sldId="257"/>
+            <ac:spMk id="4" creationId="{832A307A-1BC8-D6DE-1059-37869E398E3C}"/>
+          </ac:spMkLst>
+        </pc:spChg>
+      </pc:sldChg>
+      <pc:sldChg chg="modSp mod">
+        <pc:chgData name="Maher Alqarra" userId="81703c0c110a5f03" providerId="LiveId" clId="{9D3084B4-3CA2-418A-BD17-12D18752C5BA}" dt="2024-03-06T14:40:07.232" v="33" actId="1076"/>
+        <pc:sldMkLst>
+          <pc:docMk/>
+          <pc:sldMk cId="2502954960" sldId="258"/>
+        </pc:sldMkLst>
+        <pc:picChg chg="mod">
+          <ac:chgData name="Maher Alqarra" userId="81703c0c110a5f03" providerId="LiveId" clId="{9D3084B4-3CA2-418A-BD17-12D18752C5BA}" dt="2024-03-06T14:40:07.232" v="33" actId="1076"/>
+          <ac:picMkLst>
+            <pc:docMk/>
+            <pc:sldMk cId="2502954960" sldId="258"/>
+            <ac:picMk id="6" creationId="{FA22D336-1461-2DA7-0A08-88245F2145AB}"/>
+          </ac:picMkLst>
+        </pc:picChg>
+      </pc:sldChg>
+      <pc:sldChg chg="modSp mod">
+        <pc:chgData name="Maher Alqarra" userId="81703c0c110a5f03" providerId="LiveId" clId="{9D3084B4-3CA2-418A-BD17-12D18752C5BA}" dt="2024-03-06T14:40:50.496" v="39" actId="403"/>
+        <pc:sldMkLst>
+          <pc:docMk/>
+          <pc:sldMk cId="4064793766" sldId="259"/>
+        </pc:sldMkLst>
+        <pc:spChg chg="mod">
+          <ac:chgData name="Maher Alqarra" userId="81703c0c110a5f03" providerId="LiveId" clId="{9D3084B4-3CA2-418A-BD17-12D18752C5BA}" dt="2024-03-06T14:40:50.496" v="39" actId="403"/>
+          <ac:spMkLst>
+            <pc:docMk/>
+            <pc:sldMk cId="4064793766" sldId="259"/>
+            <ac:spMk id="2" creationId="{CE082283-1CAA-CA64-1B05-E8ABE2E2CCAE}"/>
+          </ac:spMkLst>
+        </pc:spChg>
+      </pc:sldChg>
+      <pc:sldChg chg="modSp mod">
+        <pc:chgData name="Maher Alqarra" userId="81703c0c110a5f03" providerId="LiveId" clId="{9D3084B4-3CA2-418A-BD17-12D18752C5BA}" dt="2024-03-06T14:40:42.368" v="37" actId="1076"/>
+        <pc:sldMkLst>
+          <pc:docMk/>
+          <pc:sldMk cId="4091885840" sldId="260"/>
+        </pc:sldMkLst>
+        <pc:spChg chg="mod">
+          <ac:chgData name="Maher Alqarra" userId="81703c0c110a5f03" providerId="LiveId" clId="{9D3084B4-3CA2-418A-BD17-12D18752C5BA}" dt="2024-03-06T14:40:39.785" v="36" actId="12"/>
+          <ac:spMkLst>
+            <pc:docMk/>
+            <pc:sldMk cId="4091885840" sldId="260"/>
+            <ac:spMk id="2" creationId="{9352414A-F6BE-790E-856E-38F1690CF0A0}"/>
+          </ac:spMkLst>
+        </pc:spChg>
+        <pc:picChg chg="mod">
+          <ac:chgData name="Maher Alqarra" userId="81703c0c110a5f03" providerId="LiveId" clId="{9D3084B4-3CA2-418A-BD17-12D18752C5BA}" dt="2024-03-06T14:40:42.368" v="37" actId="1076"/>
+          <ac:picMkLst>
+            <pc:docMk/>
+            <pc:sldMk cId="4091885840" sldId="260"/>
+            <ac:picMk id="5" creationId="{C0B07E4A-150C-ACE5-2A00-E718C7AAB292}"/>
+          </ac:picMkLst>
+        </pc:picChg>
+      </pc:sldChg>
+      <pc:sldChg chg="modSp mod">
+        <pc:chgData name="Maher Alqarra" userId="81703c0c110a5f03" providerId="LiveId" clId="{9D3084B4-3CA2-418A-BD17-12D18752C5BA}" dt="2024-03-06T14:41:51.242" v="46" actId="14100"/>
+        <pc:sldMkLst>
+          <pc:docMk/>
+          <pc:sldMk cId="2270454260" sldId="262"/>
+        </pc:sldMkLst>
+        <pc:spChg chg="mod">
+          <ac:chgData name="Maher Alqarra" userId="81703c0c110a5f03" providerId="LiveId" clId="{9D3084B4-3CA2-418A-BD17-12D18752C5BA}" dt="2024-03-06T14:41:47.516" v="45" actId="1076"/>
+          <ac:spMkLst>
+            <pc:docMk/>
+            <pc:sldMk cId="2270454260" sldId="262"/>
+            <ac:spMk id="2" creationId="{BECBB24A-FD33-C235-5A8A-278B4ADF898C}"/>
+          </ac:spMkLst>
+        </pc:spChg>
+        <pc:picChg chg="mod">
+          <ac:chgData name="Maher Alqarra" userId="81703c0c110a5f03" providerId="LiveId" clId="{9D3084B4-3CA2-418A-BD17-12D18752C5BA}" dt="2024-03-06T14:41:51.242" v="46" actId="14100"/>
+          <ac:picMkLst>
+            <pc:docMk/>
+            <pc:sldMk cId="2270454260" sldId="262"/>
+            <ac:picMk id="6" creationId="{86D6DC88-F991-DFAB-221F-323E26BB9982}"/>
+          </ac:picMkLst>
+        </pc:picChg>
+      </pc:sldChg>
+      <pc:sldChg chg="addSp modSp mod">
+        <pc:chgData name="Maher Alqarra" userId="81703c0c110a5f03" providerId="LiveId" clId="{9D3084B4-3CA2-418A-BD17-12D18752C5BA}" dt="2024-03-06T15:07:47.991" v="257" actId="207"/>
+        <pc:sldMkLst>
+          <pc:docMk/>
+          <pc:sldMk cId="663125857" sldId="264"/>
+        </pc:sldMkLst>
+        <pc:spChg chg="add mod">
+          <ac:chgData name="Maher Alqarra" userId="81703c0c110a5f03" providerId="LiveId" clId="{9D3084B4-3CA2-418A-BD17-12D18752C5BA}" dt="2024-03-06T14:54:22.753" v="116" actId="5793"/>
+          <ac:spMkLst>
+            <pc:docMk/>
+            <pc:sldMk cId="663125857" sldId="264"/>
+            <ac:spMk id="2" creationId="{4E3B6310-C263-82D3-3175-41C4EF0699A6}"/>
+          </ac:spMkLst>
+        </pc:spChg>
+        <pc:spChg chg="add mod">
+          <ac:chgData name="Maher Alqarra" userId="81703c0c110a5f03" providerId="LiveId" clId="{9D3084B4-3CA2-418A-BD17-12D18752C5BA}" dt="2024-03-06T15:06:31.970" v="250" actId="14100"/>
+          <ac:spMkLst>
+            <pc:docMk/>
+            <pc:sldMk cId="663125857" sldId="264"/>
+            <ac:spMk id="5" creationId="{AB69F8AB-E299-81B4-335D-94B5375AB66B}"/>
+          </ac:spMkLst>
+        </pc:spChg>
+        <pc:graphicFrameChg chg="add mod modGraphic">
+          <ac:chgData name="Maher Alqarra" userId="81703c0c110a5f03" providerId="LiveId" clId="{9D3084B4-3CA2-418A-BD17-12D18752C5BA}" dt="2024-03-06T15:07:47.991" v="257" actId="207"/>
+          <ac:graphicFrameMkLst>
+            <pc:docMk/>
+            <pc:sldMk cId="663125857" sldId="264"/>
+            <ac:graphicFrameMk id="4" creationId="{623B552B-49E2-8BEA-DA0D-0D4A12F8A319}"/>
+          </ac:graphicFrameMkLst>
+        </pc:graphicFrameChg>
+        <pc:picChg chg="mod">
+          <ac:chgData name="Maher Alqarra" userId="81703c0c110a5f03" providerId="LiveId" clId="{9D3084B4-3CA2-418A-BD17-12D18752C5BA}" dt="2024-03-06T14:43:21.151" v="77" actId="1036"/>
+          <ac:picMkLst>
+            <pc:docMk/>
+            <pc:sldMk cId="663125857" sldId="264"/>
+            <ac:picMk id="3" creationId="{2719E908-FA49-0562-62E3-F94B8836B187}"/>
+          </ac:picMkLst>
+        </pc:picChg>
+      </pc:sldChg>
+      <pc:sldChg chg="modSp mod">
+        <pc:chgData name="Maher Alqarra" userId="81703c0c110a5f03" providerId="LiveId" clId="{9D3084B4-3CA2-418A-BD17-12D18752C5BA}" dt="2024-03-06T14:42:28.160" v="51" actId="14100"/>
+        <pc:sldMkLst>
+          <pc:docMk/>
+          <pc:sldMk cId="1496602039" sldId="265"/>
+        </pc:sldMkLst>
+        <pc:spChg chg="mod">
+          <ac:chgData name="Maher Alqarra" userId="81703c0c110a5f03" providerId="LiveId" clId="{9D3084B4-3CA2-418A-BD17-12D18752C5BA}" dt="2024-03-06T14:42:15.239" v="49" actId="12"/>
+          <ac:spMkLst>
+            <pc:docMk/>
+            <pc:sldMk cId="1496602039" sldId="265"/>
+            <ac:spMk id="2" creationId="{8647FDB9-758A-42C7-C63F-498168877C40}"/>
+          </ac:spMkLst>
+        </pc:spChg>
+        <pc:picChg chg="mod">
+          <ac:chgData name="Maher Alqarra" userId="81703c0c110a5f03" providerId="LiveId" clId="{9D3084B4-3CA2-418A-BD17-12D18752C5BA}" dt="2024-03-06T14:42:28.160" v="51" actId="14100"/>
+          <ac:picMkLst>
+            <pc:docMk/>
+            <pc:sldMk cId="1496602039" sldId="265"/>
+            <ac:picMk id="7" creationId="{35D0A151-A821-D4B3-7AD0-614EF687F155}"/>
+          </ac:picMkLst>
+        </pc:picChg>
+      </pc:sldChg>
+      <pc:sldChg chg="modSp mod">
+        <pc:chgData name="Maher Alqarra" userId="81703c0c110a5f03" providerId="LiveId" clId="{9D3084B4-3CA2-418A-BD17-12D18752C5BA}" dt="2024-03-06T14:39:01.098" v="25" actId="20577"/>
+        <pc:sldMkLst>
+          <pc:docMk/>
+          <pc:sldMk cId="2978791653" sldId="267"/>
+        </pc:sldMkLst>
+        <pc:spChg chg="mod">
+          <ac:chgData name="Maher Alqarra" userId="81703c0c110a5f03" providerId="LiveId" clId="{9D3084B4-3CA2-418A-BD17-12D18752C5BA}" dt="2024-03-06T14:39:01.098" v="25" actId="20577"/>
+          <ac:spMkLst>
+            <pc:docMk/>
+            <pc:sldMk cId="2978791653" sldId="267"/>
+            <ac:spMk id="2" creationId="{5C99909C-402E-2366-10EF-772B3BAACD87}"/>
+          </ac:spMkLst>
+        </pc:spChg>
+        <pc:graphicFrameChg chg="mod modGraphic">
+          <ac:chgData name="Maher Alqarra" userId="81703c0c110a5f03" providerId="LiveId" clId="{9D3084B4-3CA2-418A-BD17-12D18752C5BA}" dt="2024-03-06T14:38:49.023" v="23" actId="14734"/>
+          <ac:graphicFrameMkLst>
+            <pc:docMk/>
+            <pc:sldMk cId="2978791653" sldId="267"/>
+            <ac:graphicFrameMk id="4" creationId="{14BDF8D7-84DC-3856-E52E-AF03DE5425BD}"/>
+          </ac:graphicFrameMkLst>
+        </pc:graphicFrameChg>
+      </pc:sldChg>
+      <pc:sldChg chg="delSp modSp add mod">
+        <pc:chgData name="Maher Alqarra" userId="81703c0c110a5f03" providerId="LiveId" clId="{9D3084B4-3CA2-418A-BD17-12D18752C5BA}" dt="2024-03-06T15:15:53.839" v="292" actId="20577"/>
+        <pc:sldMkLst>
+          <pc:docMk/>
+          <pc:sldMk cId="723903424" sldId="268"/>
+        </pc:sldMkLst>
+        <pc:spChg chg="mod">
+          <ac:chgData name="Maher Alqarra" userId="81703c0c110a5f03" providerId="LiveId" clId="{9D3084B4-3CA2-418A-BD17-12D18752C5BA}" dt="2024-03-06T15:15:53.839" v="292" actId="20577"/>
+          <ac:spMkLst>
+            <pc:docMk/>
+            <pc:sldMk cId="723903424" sldId="268"/>
+            <ac:spMk id="2" creationId="{0F9061C5-518C-EB8A-A5D8-03242A858753}"/>
+          </ac:spMkLst>
+        </pc:spChg>
+        <pc:picChg chg="del">
+          <ac:chgData name="Maher Alqarra" userId="81703c0c110a5f03" providerId="LiveId" clId="{9D3084B4-3CA2-418A-BD17-12D18752C5BA}" dt="2024-03-06T15:13:15.429" v="259" actId="478"/>
+          <ac:picMkLst>
+            <pc:docMk/>
+            <pc:sldMk cId="723903424" sldId="268"/>
+            <ac:picMk id="5" creationId="{80D8D572-3D34-3FB9-CFD6-5296409D2F40}"/>
+          </ac:picMkLst>
+        </pc:picChg>
+      </pc:sldChg>
+    </pc:docChg>
+  </pc:docChgLst>
   <pc:docChgLst>
     <pc:chgData name="Maher Alqarra" userId="81703c0c110a5f03" providerId="LiveId" clId="{62F15528-6ABD-4B3B-8FA9-687E9162CFF3}"/>
     <pc:docChg chg="undo custSel addSld delSld modSld sldOrd">
@@ -596,7 +820,7 @@
           <a:p>
             <a:fld id="{73CF6219-E6C4-487B-954F-836E2430B630}" type="datetimeFigureOut">
               <a:rPr lang="en-US" smtClean="0"/>
-              <a:t>3/5/2024</a:t>
+              <a:t>3/6/2024</a:t>
             </a:fld>
             <a:endParaRPr lang="en-US"/>
           </a:p>
@@ -794,7 +1018,7 @@
           <a:p>
             <a:fld id="{73CF6219-E6C4-487B-954F-836E2430B630}" type="datetimeFigureOut">
               <a:rPr lang="en-US" smtClean="0"/>
-              <a:t>3/5/2024</a:t>
+              <a:t>3/6/2024</a:t>
             </a:fld>
             <a:endParaRPr lang="en-US"/>
           </a:p>
@@ -1002,7 +1226,7 @@
           <a:p>
             <a:fld id="{73CF6219-E6C4-487B-954F-836E2430B630}" type="datetimeFigureOut">
               <a:rPr lang="en-US" smtClean="0"/>
-              <a:t>3/5/2024</a:t>
+              <a:t>3/6/2024</a:t>
             </a:fld>
             <a:endParaRPr lang="en-US"/>
           </a:p>
@@ -1200,7 +1424,7 @@
           <a:p>
             <a:fld id="{73CF6219-E6C4-487B-954F-836E2430B630}" type="datetimeFigureOut">
               <a:rPr lang="en-US" smtClean="0"/>
-              <a:t>3/5/2024</a:t>
+              <a:t>3/6/2024</a:t>
             </a:fld>
             <a:endParaRPr lang="en-US"/>
           </a:p>
@@ -1475,7 +1699,7 @@
           <a:p>
             <a:fld id="{73CF6219-E6C4-487B-954F-836E2430B630}" type="datetimeFigureOut">
               <a:rPr lang="en-US" smtClean="0"/>
-              <a:t>3/5/2024</a:t>
+              <a:t>3/6/2024</a:t>
             </a:fld>
             <a:endParaRPr lang="en-US"/>
           </a:p>
@@ -1740,7 +1964,7 @@
           <a:p>
             <a:fld id="{73CF6219-E6C4-487B-954F-836E2430B630}" type="datetimeFigureOut">
               <a:rPr lang="en-US" smtClean="0"/>
-              <a:t>3/5/2024</a:t>
+              <a:t>3/6/2024</a:t>
             </a:fld>
             <a:endParaRPr lang="en-US"/>
           </a:p>
@@ -2152,7 +2376,7 @@
           <a:p>
             <a:fld id="{73CF6219-E6C4-487B-954F-836E2430B630}" type="datetimeFigureOut">
               <a:rPr lang="en-US" smtClean="0"/>
-              <a:t>3/5/2024</a:t>
+              <a:t>3/6/2024</a:t>
             </a:fld>
             <a:endParaRPr lang="en-US"/>
           </a:p>
@@ -2293,7 +2517,7 @@
           <a:p>
             <a:fld id="{73CF6219-E6C4-487B-954F-836E2430B630}" type="datetimeFigureOut">
               <a:rPr lang="en-US" smtClean="0"/>
-              <a:t>3/5/2024</a:t>
+              <a:t>3/6/2024</a:t>
             </a:fld>
             <a:endParaRPr lang="en-US"/>
           </a:p>
@@ -2406,7 +2630,7 @@
           <a:p>
             <a:fld id="{73CF6219-E6C4-487B-954F-836E2430B630}" type="datetimeFigureOut">
               <a:rPr lang="en-US" smtClean="0"/>
-              <a:t>3/5/2024</a:t>
+              <a:t>3/6/2024</a:t>
             </a:fld>
             <a:endParaRPr lang="en-US"/>
           </a:p>
@@ -2717,7 +2941,7 @@
           <a:p>
             <a:fld id="{73CF6219-E6C4-487B-954F-836E2430B630}" type="datetimeFigureOut">
               <a:rPr lang="en-US" smtClean="0"/>
-              <a:t>3/5/2024</a:t>
+              <a:t>3/6/2024</a:t>
             </a:fld>
             <a:endParaRPr lang="en-US"/>
           </a:p>
@@ -3005,7 +3229,7 @@
           <a:p>
             <a:fld id="{73CF6219-E6C4-487B-954F-836E2430B630}" type="datetimeFigureOut">
               <a:rPr lang="en-US" smtClean="0"/>
-              <a:t>3/5/2024</a:t>
+              <a:t>3/6/2024</a:t>
             </a:fld>
             <a:endParaRPr lang="en-US"/>
           </a:p>
@@ -3246,7 +3470,7 @@
           <a:p>
             <a:fld id="{73CF6219-E6C4-487B-954F-836E2430B630}" type="datetimeFigureOut">
               <a:rPr lang="en-US" smtClean="0"/>
-              <a:t>3/5/2024</a:t>
+              <a:t>3/6/2024</a:t>
             </a:fld>
             <a:endParaRPr lang="en-US"/>
           </a:p>
@@ -3720,7 +3944,7 @@
         <p:spPr>
           <a:xfrm>
             <a:off x="1152144" y="548639"/>
-            <a:ext cx="9646920" cy="5324535"/>
+            <a:ext cx="9646920" cy="5047536"/>
           </a:xfrm>
           <a:prstGeom prst="rect">
             <a:avLst/>
@@ -3826,9 +4050,6 @@
           </a:p>
           <a:p>
             <a:pPr marL="0" marR="0" algn="ctr">
-              <a:lnSpc>
-                <a:spcPct val="200000"/>
-              </a:lnSpc>
               <a:spcBef>
                 <a:spcPts val="0"/>
               </a:spcBef>
@@ -3836,11 +4057,10 @@
                 <a:spcPts val="800"/>
               </a:spcAft>
             </a:pPr>
-            <a:endParaRPr lang="en-US" sz="1800" b="1" kern="100" dirty="0">
+            <a:endParaRPr lang="en-US" b="1" kern="100" dirty="0">
               <a:solidFill>
                 <a:schemeClr val="bg1"/>
               </a:solidFill>
-              <a:effectLst/>
               <a:latin typeface="Times New Roman" panose="02020603050405020304" pitchFamily="18" charset="0"/>
               <a:ea typeface="Calibri" panose="020F0502020204030204" pitchFamily="34" charset="0"/>
               <a:cs typeface="Times New Roman" panose="02020603050405020304" pitchFamily="18" charset="0"/>
@@ -3875,19 +4095,18 @@
               </a:spcAft>
             </a:pPr>
             <a:r>
-              <a:rPr lang="en-US" sz="2000" b="1" dirty="0">
+              <a:rPr lang="en-US" sz="2000" b="1" kern="100" dirty="0">
                 <a:solidFill>
                   <a:schemeClr val="accent5">
                     <a:lumMod val="60000"/>
                     <a:lumOff val="40000"/>
                   </a:schemeClr>
                 </a:solidFill>
-                <a:effectLst/>
                 <a:latin typeface="Times New Roman" panose="02020603050405020304" pitchFamily="18" charset="0"/>
                 <a:ea typeface="Calibri" panose="020F0502020204030204" pitchFamily="34" charset="0"/>
                 <a:cs typeface="Times New Roman" panose="02020603050405020304" pitchFamily="18" charset="0"/>
               </a:rPr>
-              <a:t>Professor</a:t>
+              <a:t>Instructor</a:t>
             </a:r>
             <a:endParaRPr lang="en-US" sz="2000" b="1" kern="100" dirty="0">
               <a:solidFill>
@@ -3935,7 +4154,7 @@
                 <a:latin typeface="Times New Roman" panose="02020603050405020304" pitchFamily="18" charset="0"/>
                 <a:cs typeface="Times New Roman" panose="02020603050405020304" pitchFamily="18" charset="0"/>
               </a:rPr>
-              <a:t>Dhimitry</a:t>
+              <a:t>Dhimitri</a:t>
             </a:r>
             <a:endParaRPr lang="en-US" sz="2000" b="0" i="0" dirty="0">
               <a:solidFill>
@@ -3966,7 +4185,7 @@
                 <a:latin typeface="Times New Roman" panose="02020603050405020304" pitchFamily="18" charset="0"/>
                 <a:cs typeface="Times New Roman" panose="02020603050405020304" pitchFamily="18" charset="0"/>
               </a:rPr>
-              <a:t>03 Mar 2023</a:t>
+              <a:t>06 Mar 2024</a:t>
             </a:r>
             <a:endParaRPr lang="en-US" sz="1400" b="0" i="0" dirty="0">
               <a:solidFill>
@@ -3994,30 +4213,37 @@
           <p:nvPr>
             <p:extLst>
               <p:ext uri="{D42A27DB-BD31-4B8C-83A1-F6EECF244321}">
-                <p14:modId xmlns:p14="http://schemas.microsoft.com/office/powerpoint/2010/main" val="2014082647"/>
+                <p14:modId xmlns:p14="http://schemas.microsoft.com/office/powerpoint/2010/main" val="3792233518"/>
               </p:ext>
             </p:extLst>
           </p:nvPr>
         </p:nvGraphicFramePr>
         <p:xfrm>
-          <a:off x="1911604" y="2831592"/>
-          <a:ext cx="8128000" cy="1112520"/>
+          <a:off x="2843530" y="2840066"/>
+          <a:ext cx="6264147" cy="741680"/>
         </p:xfrm>
         <a:graphic>
           <a:graphicData uri="http://schemas.openxmlformats.org/drawingml/2006/table">
             <a:tbl>
               <a:tblPr firstRow="1" bandRow="1">
-                <a:tableStyleId>{5940675A-B579-460E-94D1-54222C63F5DA}</a:tableStyleId>
+                <a:tableStyleId>{2D5ABB26-0587-4C30-8999-92F81FD0307C}</a:tableStyleId>
               </a:tblPr>
               <a:tblGrid>
-                <a:gridCol w="4064000">
+                <a:gridCol w="2158238">
                   <a:extLst>
                     <a:ext uri="{9D8B030D-6E8A-4147-A177-3AD203B41FA5}">
                       <a16:colId xmlns:a16="http://schemas.microsoft.com/office/drawing/2014/main" val="958454498"/>
                     </a:ext>
                   </a:extLst>
                 </a:gridCol>
-                <a:gridCol w="4064000">
+                <a:gridCol w="1975104">
+                  <a:extLst>
+                    <a:ext uri="{9D8B030D-6E8A-4147-A177-3AD203B41FA5}">
+                      <a16:colId xmlns:a16="http://schemas.microsoft.com/office/drawing/2014/main" val="3202602695"/>
+                    </a:ext>
+                  </a:extLst>
+                </a:gridCol>
+                <a:gridCol w="2130805">
                   <a:extLst>
                     <a:ext uri="{9D8B030D-6E8A-4147-A177-3AD203B41FA5}">
                       <a16:colId xmlns:a16="http://schemas.microsoft.com/office/drawing/2014/main" val="1415682149"/>
@@ -4049,26 +4275,20 @@
                         <a:defRPr/>
                       </a:pPr>
                       <a:r>
-                        <a:rPr lang="en-US" sz="1800" b="0" i="0" kern="1200" dirty="0">
+                        <a:rPr lang="en-US" sz="1800" b="0" kern="1200" dirty="0">
                           <a:solidFill>
                             <a:schemeClr val="bg1"/>
                           </a:solidFill>
                           <a:effectLst/>
-                          <a:latin typeface="+mn-lt"/>
-                          <a:ea typeface="+mn-ea"/>
-                          <a:cs typeface="Times New Roman" panose="02020603050405020304" pitchFamily="18" charset="0"/>
                         </a:rPr>
                         <a:t>Aayush </a:t>
                       </a:r>
                       <a:r>
-                        <a:rPr lang="en-US" sz="1800" b="0" i="0" kern="1200" dirty="0" err="1">
+                        <a:rPr lang="en-US" sz="1800" b="0" kern="1200" dirty="0" err="1">
                           <a:solidFill>
                             <a:schemeClr val="bg1"/>
                           </a:solidFill>
                           <a:effectLst/>
-                          <a:latin typeface="+mn-lt"/>
-                          <a:ea typeface="+mn-ea"/>
-                          <a:cs typeface="Times New Roman" panose="02020603050405020304" pitchFamily="18" charset="0"/>
                         </a:rPr>
                         <a:t>Chhaperwal</a:t>
                       </a:r>
@@ -4106,26 +4326,60 @@
                         <a:defRPr/>
                       </a:pPr>
                       <a:r>
-                        <a:rPr lang="en-US" sz="1800" b="0" i="0" kern="1200" dirty="0" err="1">
+                        <a:rPr lang="en-US" dirty="0">
+                          <a:solidFill>
+                            <a:schemeClr val="bg1"/>
+                          </a:solidFill>
+                        </a:rPr>
+                        <a:t>I Lun Wu</a:t>
+                      </a:r>
+                      <a:endParaRPr lang="en-US" dirty="0">
+                        <a:solidFill>
+                          <a:schemeClr val="bg1"/>
+                        </a:solidFill>
+                        <a:latin typeface="+mn-lt"/>
+                      </a:endParaRPr>
+                    </a:p>
+                  </a:txBody>
+                  <a:tcPr/>
+                </a:tc>
+                <a:tc>
+                  <a:txBody>
+                    <a:bodyPr/>
+                    <a:lstStyle/>
+                    <a:p>
+                      <a:pPr marL="0" marR="0" lvl="0" indent="0" algn="ctr" defTabSz="914400" rtl="0" eaLnBrk="1" fontAlgn="auto" latinLnBrk="0" hangingPunct="1">
+                        <a:lnSpc>
+                          <a:spcPct val="100000"/>
+                        </a:lnSpc>
+                        <a:spcBef>
+                          <a:spcPts val="0"/>
+                        </a:spcBef>
+                        <a:spcAft>
+                          <a:spcPts val="0"/>
+                        </a:spcAft>
+                        <a:buClrTx/>
+                        <a:buSzTx/>
+                        <a:buFontTx/>
+                        <a:buNone/>
+                        <a:tabLst/>
+                        <a:defRPr/>
+                      </a:pPr>
+                      <a:r>
+                        <a:rPr lang="en-US" sz="1800" b="0" kern="1200" dirty="0" err="1">
                           <a:solidFill>
                             <a:schemeClr val="bg1"/>
                           </a:solidFill>
                           <a:effectLst/>
-                          <a:latin typeface="+mn-lt"/>
-                          <a:ea typeface="+mn-ea"/>
-                          <a:cs typeface="Times New Roman" panose="02020603050405020304" pitchFamily="18" charset="0"/>
                         </a:rPr>
                         <a:t>Jash</a:t>
                       </a:r>
                       <a:r>
-                        <a:rPr lang="en-US" sz="1800" b="0" i="0" kern="1200" dirty="0">
+                        <a:rPr lang="en-US" sz="1800" b="0" kern="1200" dirty="0">
                           <a:solidFill>
                             <a:schemeClr val="bg1"/>
                           </a:solidFill>
                           <a:effectLst/>
-                          <a:latin typeface="+mn-lt"/>
-                          <a:ea typeface="+mn-ea"/>
-                          <a:cs typeface="Times New Roman" panose="02020603050405020304" pitchFamily="18" charset="0"/>
                         </a:rPr>
                         <a:t> Bikash</a:t>
                       </a:r>
@@ -4170,17 +4424,47 @@
                         <a:defRPr/>
                       </a:pPr>
                       <a:r>
-                        <a:rPr lang="en-US" sz="1800" b="0" i="0" kern="1200" dirty="0">
+                        <a:rPr lang="en-US" sz="1800" b="0" kern="1200" dirty="0">
                           <a:solidFill>
                             <a:schemeClr val="bg1"/>
                           </a:solidFill>
                           <a:effectLst/>
-                          <a:latin typeface="+mn-lt"/>
-                          <a:ea typeface="+mn-ea"/>
-                          <a:cs typeface="Times New Roman" panose="02020603050405020304" pitchFamily="18" charset="0"/>
                         </a:rPr>
                         <a:t>Johnny Nguyen </a:t>
                       </a:r>
+                      <a:endParaRPr lang="en-US" b="0" dirty="0">
+                        <a:solidFill>
+                          <a:schemeClr val="bg1"/>
+                        </a:solidFill>
+                        <a:latin typeface="+mn-lt"/>
+                        <a:cs typeface="Times New Roman" panose="02020603050405020304" pitchFamily="18" charset="0"/>
+                      </a:endParaRPr>
+                    </a:p>
+                  </a:txBody>
+                  <a:tcPr/>
+                </a:tc>
+                <a:tc>
+                  <a:txBody>
+                    <a:bodyPr/>
+                    <a:lstStyle/>
+                    <a:p>
+                      <a:pPr marL="0" marR="0" lvl="0" indent="0" algn="ctr" defTabSz="914400" rtl="0" eaLnBrk="1" fontAlgn="auto" latinLnBrk="0" hangingPunct="1">
+                        <a:lnSpc>
+                          <a:spcPct val="100000"/>
+                        </a:lnSpc>
+                        <a:spcBef>
+                          <a:spcPts val="0"/>
+                        </a:spcBef>
+                        <a:spcAft>
+                          <a:spcPts val="0"/>
+                        </a:spcAft>
+                        <a:buClrTx/>
+                        <a:buSzTx/>
+                        <a:buFontTx/>
+                        <a:buNone/>
+                        <a:tabLst/>
+                        <a:defRPr/>
+                      </a:pPr>
                       <a:endParaRPr lang="en-US" b="0" dirty="0">
                         <a:solidFill>
                           <a:schemeClr val="bg1"/>
@@ -4219,11 +4503,16 @@
                           <a:solidFill>
                             <a:schemeClr val="bg1"/>
                           </a:solidFill>
-                          <a:latin typeface="+mn-lt"/>
-                          <a:cs typeface="Times New Roman" panose="02020603050405020304" pitchFamily="18" charset="0"/>
                         </a:rPr>
                         <a:t>Maher Alqarra </a:t>
                       </a:r>
+                      <a:endParaRPr lang="en-US" b="0" dirty="0">
+                        <a:solidFill>
+                          <a:schemeClr val="bg1"/>
+                        </a:solidFill>
+                        <a:latin typeface="+mn-lt"/>
+                        <a:cs typeface="Times New Roman" panose="02020603050405020304" pitchFamily="18" charset="0"/>
+                      </a:endParaRPr>
                     </a:p>
                   </a:txBody>
                   <a:tcPr/>
@@ -4231,48 +4520,6 @@
                 <a:extLst>
                   <a:ext uri="{0D108BD9-81ED-4DB2-BD59-A6C34878D82A}">
                     <a16:rowId xmlns:a16="http://schemas.microsoft.com/office/drawing/2014/main" val="174610995"/>
-                  </a:ext>
-                </a:extLst>
-              </a:tr>
-              <a:tr h="370840">
-                <a:tc>
-                  <a:txBody>
-                    <a:bodyPr/>
-                    <a:lstStyle/>
-                    <a:p>
-                      <a:pPr algn="ctr"/>
-                      <a:r>
-                        <a:rPr lang="en-US" dirty="0">
-                          <a:solidFill>
-                            <a:schemeClr val="bg1"/>
-                          </a:solidFill>
-                          <a:latin typeface="+mn-lt"/>
-                        </a:rPr>
-                        <a:t>2222</a:t>
-                      </a:r>
-                    </a:p>
-                  </a:txBody>
-                  <a:tcPr/>
-                </a:tc>
-                <a:tc>
-                  <a:txBody>
-                    <a:bodyPr/>
-                    <a:lstStyle/>
-                    <a:p>
-                      <a:pPr algn="ctr"/>
-                      <a:endParaRPr lang="en-US" dirty="0">
-                        <a:solidFill>
-                          <a:schemeClr val="bg1"/>
-                        </a:solidFill>
-                        <a:latin typeface="+mn-lt"/>
-                      </a:endParaRPr>
-                    </a:p>
-                  </a:txBody>
-                  <a:tcPr/>
-                </a:tc>
-                <a:extLst>
-                  <a:ext uri="{0D108BD9-81ED-4DB2-BD59-A6C34878D82A}">
-                    <a16:rowId xmlns:a16="http://schemas.microsoft.com/office/drawing/2014/main" val="2111058151"/>
                   </a:ext>
                 </a:extLst>
               </a:tr>
@@ -4344,7 +4591,7 @@
         </p:blipFill>
         <p:spPr>
           <a:xfrm>
-            <a:off x="0" y="-82296"/>
+            <a:off x="-9144" y="-91440"/>
             <a:ext cx="12192000" cy="6940296"/>
           </a:xfrm>
           <a:prstGeom prst="rect">
@@ -4352,6 +4599,1024 @@
           </a:prstGeom>
         </p:spPr>
       </p:pic>
+      <p:sp>
+        <p:nvSpPr>
+          <p:cNvPr id="2" name="TextBox 1">
+            <a:extLst>
+              <a:ext uri="{FF2B5EF4-FFF2-40B4-BE49-F238E27FC236}">
+                <a16:creationId xmlns:a16="http://schemas.microsoft.com/office/drawing/2014/main" id="{4E3B6310-C263-82D3-3175-41C4EF0699A6}"/>
+              </a:ext>
+            </a:extLst>
+          </p:cNvPr>
+          <p:cNvSpPr txBox="1"/>
+          <p:nvPr/>
+        </p:nvSpPr>
+        <p:spPr>
+          <a:xfrm>
+            <a:off x="667512" y="448056"/>
+            <a:ext cx="10579608" cy="3170099"/>
+          </a:xfrm>
+          <a:prstGeom prst="rect">
+            <a:avLst/>
+          </a:prstGeom>
+          <a:noFill/>
+        </p:spPr>
+        <p:txBody>
+          <a:bodyPr wrap="square" rtlCol="0">
+            <a:spAutoFit/>
+          </a:bodyPr>
+          <a:lstStyle/>
+          <a:p>
+            <a:pPr algn="ctr"/>
+            <a:r>
+              <a:rPr lang="en-US" b="1" i="0" dirty="0">
+                <a:solidFill>
+                  <a:schemeClr val="bg1"/>
+                </a:solidFill>
+                <a:effectLst/>
+                <a:latin typeface="Söhne"/>
+              </a:rPr>
+              <a:t>Top Technology Companies Analysis</a:t>
+            </a:r>
+          </a:p>
+          <a:p>
+            <a:endParaRPr lang="en-US" b="1" dirty="0">
+              <a:solidFill>
+                <a:schemeClr val="bg1"/>
+              </a:solidFill>
+              <a:latin typeface="Söhne"/>
+            </a:endParaRPr>
+          </a:p>
+          <a:p>
+            <a:r>
+              <a:rPr lang="en-US" sz="2000" b="1" i="0" dirty="0">
+                <a:solidFill>
+                  <a:schemeClr val="accent2">
+                    <a:lumMod val="60000"/>
+                    <a:lumOff val="40000"/>
+                  </a:schemeClr>
+                </a:solidFill>
+                <a:effectLst/>
+                <a:latin typeface="Söhne"/>
+              </a:rPr>
+              <a:t>Selection Criteria:</a:t>
+            </a:r>
+          </a:p>
+          <a:p>
+            <a:pPr marL="285750" indent="-285750">
+              <a:buFont typeface="Wingdings" panose="05000000000000000000" pitchFamily="2" charset="2"/>
+              <a:buChar char="Ø"/>
+            </a:pPr>
+            <a:r>
+              <a:rPr lang="en-US" b="0" i="0" dirty="0">
+                <a:solidFill>
+                  <a:schemeClr val="bg1"/>
+                </a:solidFill>
+                <a:effectLst/>
+                <a:latin typeface="Söhne"/>
+              </a:rPr>
+              <a:t>Market size, Cash dividends, Dividend-to-price ratio.</a:t>
+            </a:r>
+          </a:p>
+          <a:p>
+            <a:endParaRPr lang="en-US" dirty="0">
+              <a:solidFill>
+                <a:schemeClr val="bg1"/>
+              </a:solidFill>
+              <a:latin typeface="Söhne"/>
+            </a:endParaRPr>
+          </a:p>
+          <a:p>
+            <a:r>
+              <a:rPr lang="en-US" b="1" i="0" dirty="0">
+                <a:solidFill>
+                  <a:schemeClr val="accent2">
+                    <a:lumMod val="60000"/>
+                    <a:lumOff val="40000"/>
+                  </a:schemeClr>
+                </a:solidFill>
+                <a:effectLst/>
+                <a:latin typeface="Söhne"/>
+              </a:rPr>
+              <a:t>The result:</a:t>
+            </a:r>
+          </a:p>
+          <a:p>
+            <a:pPr marL="285750" indent="-285750">
+              <a:buFont typeface="Wingdings" panose="05000000000000000000" pitchFamily="2" charset="2"/>
+              <a:buChar char="Ø"/>
+            </a:pPr>
+            <a:r>
+              <a:rPr lang="en-US" b="0" i="0" dirty="0">
+                <a:solidFill>
+                  <a:schemeClr val="bg1"/>
+                </a:solidFill>
+                <a:effectLst/>
+                <a:latin typeface="Söhne"/>
+              </a:rPr>
+              <a:t>Display of top 15 technology companies based on composite score:</a:t>
+            </a:r>
+          </a:p>
+          <a:p>
+            <a:pPr marL="285750" indent="-285750">
+              <a:buFont typeface="Wingdings" panose="05000000000000000000" pitchFamily="2" charset="2"/>
+              <a:buChar char="Ø"/>
+            </a:pPr>
+            <a:endParaRPr lang="en-US" dirty="0">
+              <a:solidFill>
+                <a:schemeClr val="bg1"/>
+              </a:solidFill>
+              <a:latin typeface="Söhne"/>
+            </a:endParaRPr>
+          </a:p>
+          <a:p>
+            <a:endParaRPr lang="en-US" b="0" i="0" dirty="0">
+              <a:solidFill>
+                <a:schemeClr val="bg1"/>
+              </a:solidFill>
+              <a:effectLst/>
+              <a:latin typeface="Söhne"/>
+            </a:endParaRPr>
+          </a:p>
+          <a:p>
+            <a:endParaRPr lang="en-US" b="0" i="0" dirty="0">
+              <a:solidFill>
+                <a:schemeClr val="bg1"/>
+              </a:solidFill>
+              <a:effectLst/>
+              <a:latin typeface="Söhne"/>
+            </a:endParaRPr>
+          </a:p>
+          <a:p>
+            <a:endParaRPr lang="en-US" dirty="0">
+              <a:solidFill>
+                <a:schemeClr val="bg1"/>
+              </a:solidFill>
+            </a:endParaRPr>
+          </a:p>
+        </p:txBody>
+      </p:sp>
+      <p:graphicFrame>
+        <p:nvGraphicFramePr>
+          <p:cNvPr id="4" name="Table 3">
+            <a:extLst>
+              <a:ext uri="{FF2B5EF4-FFF2-40B4-BE49-F238E27FC236}">
+                <a16:creationId xmlns:a16="http://schemas.microsoft.com/office/drawing/2014/main" id="{623B552B-49E2-8BEA-DA0D-0D4A12F8A319}"/>
+              </a:ext>
+            </a:extLst>
+          </p:cNvPr>
+          <p:cNvGraphicFramePr>
+            <a:graphicFrameLocks noGrp="1"/>
+          </p:cNvGraphicFramePr>
+          <p:nvPr>
+            <p:extLst>
+              <p:ext uri="{D42A27DB-BD31-4B8C-83A1-F6EECF244321}">
+                <p14:modId xmlns:p14="http://schemas.microsoft.com/office/powerpoint/2010/main" val="1865773371"/>
+              </p:ext>
+            </p:extLst>
+          </p:nvPr>
+        </p:nvGraphicFramePr>
+        <p:xfrm>
+          <a:off x="1401064" y="2667338"/>
+          <a:ext cx="8949944" cy="3337560"/>
+        </p:xfrm>
+        <a:graphic>
+          <a:graphicData uri="http://schemas.openxmlformats.org/drawingml/2006/table">
+            <a:tbl>
+              <a:tblPr firstRow="1" bandRow="1">
+                <a:tableStyleId>{3B4B98B0-60AC-42C2-AFA5-B58CD77FA1E5}</a:tableStyleId>
+              </a:tblPr>
+              <a:tblGrid>
+                <a:gridCol w="546608">
+                  <a:extLst>
+                    <a:ext uri="{9D8B030D-6E8A-4147-A177-3AD203B41FA5}">
+                      <a16:colId xmlns:a16="http://schemas.microsoft.com/office/drawing/2014/main" val="1219554900"/>
+                    </a:ext>
+                  </a:extLst>
+                </a:gridCol>
+                <a:gridCol w="3928364">
+                  <a:extLst>
+                    <a:ext uri="{9D8B030D-6E8A-4147-A177-3AD203B41FA5}">
+                      <a16:colId xmlns:a16="http://schemas.microsoft.com/office/drawing/2014/main" val="2840744226"/>
+                    </a:ext>
+                  </a:extLst>
+                </a:gridCol>
+                <a:gridCol w="594332">
+                  <a:extLst>
+                    <a:ext uri="{9D8B030D-6E8A-4147-A177-3AD203B41FA5}">
+                      <a16:colId xmlns:a16="http://schemas.microsoft.com/office/drawing/2014/main" val="1714338164"/>
+                    </a:ext>
+                  </a:extLst>
+                </a:gridCol>
+                <a:gridCol w="3880640">
+                  <a:extLst>
+                    <a:ext uri="{9D8B030D-6E8A-4147-A177-3AD203B41FA5}">
+                      <a16:colId xmlns:a16="http://schemas.microsoft.com/office/drawing/2014/main" val="2835974423"/>
+                    </a:ext>
+                  </a:extLst>
+                </a:gridCol>
+              </a:tblGrid>
+              <a:tr h="370840">
+                <a:tc>
+                  <a:txBody>
+                    <a:bodyPr/>
+                    <a:lstStyle/>
+                    <a:p>
+                      <a:pPr algn="ctr"/>
+                      <a:r>
+                        <a:rPr lang="en-US" dirty="0">
+                          <a:solidFill>
+                            <a:schemeClr val="accent4">
+                              <a:lumMod val="40000"/>
+                              <a:lumOff val="60000"/>
+                            </a:schemeClr>
+                          </a:solidFill>
+                        </a:rPr>
+                        <a:t>#</a:t>
+                      </a:r>
+                    </a:p>
+                  </a:txBody>
+                  <a:tcPr/>
+                </a:tc>
+                <a:tc>
+                  <a:txBody>
+                    <a:bodyPr/>
+                    <a:lstStyle/>
+                    <a:p>
+                      <a:pPr algn="ctr"/>
+                      <a:r>
+                        <a:rPr lang="en-US" dirty="0">
+                          <a:solidFill>
+                            <a:schemeClr val="accent4">
+                              <a:lumMod val="40000"/>
+                              <a:lumOff val="60000"/>
+                            </a:schemeClr>
+                          </a:solidFill>
+                        </a:rPr>
+                        <a:t>Company name</a:t>
+                      </a:r>
+                    </a:p>
+                  </a:txBody>
+                  <a:tcPr/>
+                </a:tc>
+                <a:tc>
+                  <a:txBody>
+                    <a:bodyPr/>
+                    <a:lstStyle/>
+                    <a:p>
+                      <a:pPr algn="ctr"/>
+                      <a:r>
+                        <a:rPr lang="en-US" dirty="0">
+                          <a:solidFill>
+                            <a:schemeClr val="accent4">
+                              <a:lumMod val="40000"/>
+                              <a:lumOff val="60000"/>
+                            </a:schemeClr>
+                          </a:solidFill>
+                        </a:rPr>
+                        <a:t>#</a:t>
+                      </a:r>
+                    </a:p>
+                  </a:txBody>
+                  <a:tcPr/>
+                </a:tc>
+                <a:tc>
+                  <a:txBody>
+                    <a:bodyPr/>
+                    <a:lstStyle/>
+                    <a:p>
+                      <a:pPr marL="0" marR="0" lvl="0" indent="0" algn="ctr" defTabSz="914400" rtl="0" eaLnBrk="1" fontAlgn="auto" latinLnBrk="0" hangingPunct="1">
+                        <a:lnSpc>
+                          <a:spcPct val="100000"/>
+                        </a:lnSpc>
+                        <a:spcBef>
+                          <a:spcPts val="0"/>
+                        </a:spcBef>
+                        <a:spcAft>
+                          <a:spcPts val="0"/>
+                        </a:spcAft>
+                        <a:buClrTx/>
+                        <a:buSzTx/>
+                        <a:buFontTx/>
+                        <a:buNone/>
+                        <a:tabLst/>
+                        <a:defRPr/>
+                      </a:pPr>
+                      <a:r>
+                        <a:rPr lang="en-US" dirty="0">
+                          <a:solidFill>
+                            <a:schemeClr val="accent4">
+                              <a:lumMod val="40000"/>
+                              <a:lumOff val="60000"/>
+                            </a:schemeClr>
+                          </a:solidFill>
+                        </a:rPr>
+                        <a:t>Company name</a:t>
+                      </a:r>
+                    </a:p>
+                  </a:txBody>
+                  <a:tcPr/>
+                </a:tc>
+                <a:extLst>
+                  <a:ext uri="{0D108BD9-81ED-4DB2-BD59-A6C34878D82A}">
+                    <a16:rowId xmlns:a16="http://schemas.microsoft.com/office/drawing/2014/main" val="4043958336"/>
+                  </a:ext>
+                </a:extLst>
+              </a:tr>
+              <a:tr h="370840">
+                <a:tc>
+                  <a:txBody>
+                    <a:bodyPr/>
+                    <a:lstStyle/>
+                    <a:p>
+                      <a:pPr algn="ctr"/>
+                      <a:r>
+                        <a:rPr lang="en-US" b="1" dirty="0">
+                          <a:solidFill>
+                            <a:schemeClr val="bg1"/>
+                          </a:solidFill>
+                        </a:rPr>
+                        <a:t>01</a:t>
+                      </a:r>
+                    </a:p>
+                  </a:txBody>
+                  <a:tcPr/>
+                </a:tc>
+                <a:tc>
+                  <a:txBody>
+                    <a:bodyPr/>
+                    <a:lstStyle/>
+                    <a:p>
+                      <a:r>
+                        <a:rPr lang="en-US" b="1" dirty="0">
+                          <a:solidFill>
+                            <a:schemeClr val="bg1"/>
+                          </a:solidFill>
+                        </a:rPr>
+                        <a:t>Apple (Mexico)</a:t>
+                      </a:r>
+                    </a:p>
+                  </a:txBody>
+                  <a:tcPr/>
+                </a:tc>
+                <a:tc>
+                  <a:txBody>
+                    <a:bodyPr/>
+                    <a:lstStyle/>
+                    <a:p>
+                      <a:pPr algn="ctr"/>
+                      <a:r>
+                        <a:rPr lang="en-US" b="1" dirty="0">
+                          <a:solidFill>
+                            <a:schemeClr val="bg1"/>
+                          </a:solidFill>
+                        </a:rPr>
+                        <a:t>02</a:t>
+                      </a:r>
+                    </a:p>
+                  </a:txBody>
+                  <a:tcPr/>
+                </a:tc>
+                <a:tc>
+                  <a:txBody>
+                    <a:bodyPr/>
+                    <a:lstStyle/>
+                    <a:p>
+                      <a:pPr marL="0" marR="0" lvl="0" indent="0" algn="l" defTabSz="914400" rtl="0" eaLnBrk="1" fontAlgn="auto" latinLnBrk="0" hangingPunct="1">
+                        <a:lnSpc>
+                          <a:spcPct val="100000"/>
+                        </a:lnSpc>
+                        <a:spcBef>
+                          <a:spcPts val="0"/>
+                        </a:spcBef>
+                        <a:spcAft>
+                          <a:spcPts val="0"/>
+                        </a:spcAft>
+                        <a:buClrTx/>
+                        <a:buSzTx/>
+                        <a:buFontTx/>
+                        <a:buNone/>
+                        <a:tabLst/>
+                        <a:defRPr/>
+                      </a:pPr>
+                      <a:r>
+                        <a:rPr lang="en-US" b="1" dirty="0">
+                          <a:solidFill>
+                            <a:schemeClr val="bg1"/>
+                          </a:solidFill>
+                        </a:rPr>
+                        <a:t>NVIDIA (Mexico)</a:t>
+                      </a:r>
+                    </a:p>
+                  </a:txBody>
+                  <a:tcPr/>
+                </a:tc>
+                <a:extLst>
+                  <a:ext uri="{0D108BD9-81ED-4DB2-BD59-A6C34878D82A}">
+                    <a16:rowId xmlns:a16="http://schemas.microsoft.com/office/drawing/2014/main" val="2756047532"/>
+                  </a:ext>
+                </a:extLst>
+              </a:tr>
+              <a:tr h="370840">
+                <a:tc>
+                  <a:txBody>
+                    <a:bodyPr/>
+                    <a:lstStyle/>
+                    <a:p>
+                      <a:pPr algn="ctr"/>
+                      <a:r>
+                        <a:rPr lang="en-US" b="1" dirty="0">
+                          <a:solidFill>
+                            <a:schemeClr val="bg1"/>
+                          </a:solidFill>
+                        </a:rPr>
+                        <a:t>03</a:t>
+                      </a:r>
+                    </a:p>
+                  </a:txBody>
+                  <a:tcPr/>
+                </a:tc>
+                <a:tc>
+                  <a:txBody>
+                    <a:bodyPr/>
+                    <a:lstStyle/>
+                    <a:p>
+                      <a:r>
+                        <a:rPr lang="en-US" b="1" dirty="0">
+                          <a:solidFill>
+                            <a:schemeClr val="bg1"/>
+                          </a:solidFill>
+                        </a:rPr>
+                        <a:t>Oracle (Mexico)</a:t>
+                      </a:r>
+                    </a:p>
+                  </a:txBody>
+                  <a:tcPr/>
+                </a:tc>
+                <a:tc>
+                  <a:txBody>
+                    <a:bodyPr/>
+                    <a:lstStyle/>
+                    <a:p>
+                      <a:pPr algn="ctr"/>
+                      <a:r>
+                        <a:rPr lang="en-US" b="1" dirty="0">
+                          <a:solidFill>
+                            <a:schemeClr val="bg1"/>
+                          </a:solidFill>
+                        </a:rPr>
+                        <a:t>04</a:t>
+                      </a:r>
+                    </a:p>
+                  </a:txBody>
+                  <a:tcPr/>
+                </a:tc>
+                <a:tc>
+                  <a:txBody>
+                    <a:bodyPr/>
+                    <a:lstStyle/>
+                    <a:p>
+                      <a:r>
+                        <a:rPr lang="en-US" b="1" dirty="0">
+                          <a:solidFill>
+                            <a:schemeClr val="bg1"/>
+                          </a:solidFill>
+                        </a:rPr>
+                        <a:t>Qualcomm (Italy)</a:t>
+                      </a:r>
+                    </a:p>
+                  </a:txBody>
+                  <a:tcPr/>
+                </a:tc>
+                <a:extLst>
+                  <a:ext uri="{0D108BD9-81ED-4DB2-BD59-A6C34878D82A}">
+                    <a16:rowId xmlns:a16="http://schemas.microsoft.com/office/drawing/2014/main" val="1532514389"/>
+                  </a:ext>
+                </a:extLst>
+              </a:tr>
+              <a:tr h="370840">
+                <a:tc>
+                  <a:txBody>
+                    <a:bodyPr/>
+                    <a:lstStyle/>
+                    <a:p>
+                      <a:pPr algn="ctr"/>
+                      <a:r>
+                        <a:rPr lang="en-US" b="1" dirty="0">
+                          <a:solidFill>
+                            <a:schemeClr val="bg1"/>
+                          </a:solidFill>
+                        </a:rPr>
+                        <a:t>05</a:t>
+                      </a:r>
+                    </a:p>
+                  </a:txBody>
+                  <a:tcPr/>
+                </a:tc>
+                <a:tc>
+                  <a:txBody>
+                    <a:bodyPr/>
+                    <a:lstStyle/>
+                    <a:p>
+                      <a:r>
+                        <a:rPr lang="en-US" b="1" dirty="0">
+                          <a:solidFill>
+                            <a:schemeClr val="bg1"/>
+                          </a:solidFill>
+                        </a:rPr>
+                        <a:t>Nokia </a:t>
+                      </a:r>
+                      <a:r>
+                        <a:rPr lang="en-US" b="1" dirty="0" err="1">
+                          <a:solidFill>
+                            <a:schemeClr val="bg1"/>
+                          </a:solidFill>
+                        </a:rPr>
+                        <a:t>Oyj</a:t>
+                      </a:r>
+                      <a:r>
+                        <a:rPr lang="en-US" b="1" dirty="0">
+                          <a:solidFill>
+                            <a:schemeClr val="bg1"/>
+                          </a:solidFill>
+                        </a:rPr>
+                        <a:t> (France)</a:t>
+                      </a:r>
+                    </a:p>
+                  </a:txBody>
+                  <a:tcPr/>
+                </a:tc>
+                <a:tc>
+                  <a:txBody>
+                    <a:bodyPr/>
+                    <a:lstStyle/>
+                    <a:p>
+                      <a:pPr algn="ctr"/>
+                      <a:r>
+                        <a:rPr lang="en-US" b="1" dirty="0">
+                          <a:solidFill>
+                            <a:schemeClr val="bg1"/>
+                          </a:solidFill>
+                        </a:rPr>
+                        <a:t>06</a:t>
+                      </a:r>
+                    </a:p>
+                  </a:txBody>
+                  <a:tcPr/>
+                </a:tc>
+                <a:tc>
+                  <a:txBody>
+                    <a:bodyPr/>
+                    <a:lstStyle/>
+                    <a:p>
+                      <a:r>
+                        <a:rPr lang="en-US" b="1" dirty="0" err="1">
+                          <a:solidFill>
+                            <a:schemeClr val="bg1"/>
+                          </a:solidFill>
+                        </a:rPr>
+                        <a:t>Rakus</a:t>
+                      </a:r>
+                      <a:r>
+                        <a:rPr lang="en-US" b="1" dirty="0">
+                          <a:solidFill>
+                            <a:schemeClr val="bg1"/>
+                          </a:solidFill>
+                        </a:rPr>
+                        <a:t> Co Ltd (Japan)</a:t>
+                      </a:r>
+                    </a:p>
+                  </a:txBody>
+                  <a:tcPr/>
+                </a:tc>
+                <a:extLst>
+                  <a:ext uri="{0D108BD9-81ED-4DB2-BD59-A6C34878D82A}">
+                    <a16:rowId xmlns:a16="http://schemas.microsoft.com/office/drawing/2014/main" val="3870214060"/>
+                  </a:ext>
+                </a:extLst>
+              </a:tr>
+              <a:tr h="370840">
+                <a:tc>
+                  <a:txBody>
+                    <a:bodyPr/>
+                    <a:lstStyle/>
+                    <a:p>
+                      <a:pPr algn="ctr"/>
+                      <a:r>
+                        <a:rPr lang="en-US" b="1" dirty="0">
+                          <a:solidFill>
+                            <a:schemeClr val="bg1"/>
+                          </a:solidFill>
+                        </a:rPr>
+                        <a:t>07</a:t>
+                      </a:r>
+                    </a:p>
+                  </a:txBody>
+                  <a:tcPr/>
+                </a:tc>
+                <a:tc>
+                  <a:txBody>
+                    <a:bodyPr/>
+                    <a:lstStyle/>
+                    <a:p>
+                      <a:r>
+                        <a:rPr lang="en-US" b="1" dirty="0">
+                          <a:solidFill>
+                            <a:schemeClr val="bg1"/>
+                          </a:solidFill>
+                        </a:rPr>
+                        <a:t>SAP (Italy)</a:t>
+                      </a:r>
+                    </a:p>
+                  </a:txBody>
+                  <a:tcPr/>
+                </a:tc>
+                <a:tc>
+                  <a:txBody>
+                    <a:bodyPr/>
+                    <a:lstStyle/>
+                    <a:p>
+                      <a:pPr algn="ctr"/>
+                      <a:r>
+                        <a:rPr lang="en-US" b="1" dirty="0">
+                          <a:solidFill>
+                            <a:schemeClr val="bg1"/>
+                          </a:solidFill>
+                        </a:rPr>
+                        <a:t>08</a:t>
+                      </a:r>
+                    </a:p>
+                  </a:txBody>
+                  <a:tcPr/>
+                </a:tc>
+                <a:tc>
+                  <a:txBody>
+                    <a:bodyPr/>
+                    <a:lstStyle/>
+                    <a:p>
+                      <a:r>
+                        <a:rPr lang="en-US" b="1" dirty="0">
+                          <a:solidFill>
+                            <a:schemeClr val="bg1"/>
+                          </a:solidFill>
+                        </a:rPr>
+                        <a:t>Infomart (Japan)</a:t>
+                      </a:r>
+                    </a:p>
+                  </a:txBody>
+                  <a:tcPr/>
+                </a:tc>
+                <a:extLst>
+                  <a:ext uri="{0D108BD9-81ED-4DB2-BD59-A6C34878D82A}">
+                    <a16:rowId xmlns:a16="http://schemas.microsoft.com/office/drawing/2014/main" val="3438278301"/>
+                  </a:ext>
+                </a:extLst>
+              </a:tr>
+              <a:tr h="370840">
+                <a:tc>
+                  <a:txBody>
+                    <a:bodyPr/>
+                    <a:lstStyle/>
+                    <a:p>
+                      <a:pPr algn="ctr"/>
+                      <a:r>
+                        <a:rPr lang="en-US" b="1" dirty="0">
+                          <a:solidFill>
+                            <a:schemeClr val="bg1"/>
+                          </a:solidFill>
+                        </a:rPr>
+                        <a:t>09</a:t>
+                      </a:r>
+                    </a:p>
+                  </a:txBody>
+                  <a:tcPr/>
+                </a:tc>
+                <a:tc>
+                  <a:txBody>
+                    <a:bodyPr/>
+                    <a:lstStyle/>
+                    <a:p>
+                      <a:r>
+                        <a:rPr lang="en-US" b="1" dirty="0">
+                          <a:solidFill>
+                            <a:schemeClr val="bg1"/>
+                          </a:solidFill>
+                        </a:rPr>
+                        <a:t>Panasonic (United Kingdom)</a:t>
+                      </a:r>
+                    </a:p>
+                  </a:txBody>
+                  <a:tcPr/>
+                </a:tc>
+                <a:tc>
+                  <a:txBody>
+                    <a:bodyPr/>
+                    <a:lstStyle/>
+                    <a:p>
+                      <a:pPr algn="ctr"/>
+                      <a:r>
+                        <a:rPr lang="en-US" b="1" dirty="0">
+                          <a:solidFill>
+                            <a:schemeClr val="bg1"/>
+                          </a:solidFill>
+                        </a:rPr>
+                        <a:t>10</a:t>
+                      </a:r>
+                    </a:p>
+                  </a:txBody>
+                  <a:tcPr/>
+                </a:tc>
+                <a:tc>
+                  <a:txBody>
+                    <a:bodyPr/>
+                    <a:lstStyle/>
+                    <a:p>
+                      <a:r>
+                        <a:rPr lang="en-US" b="1" dirty="0">
+                          <a:solidFill>
+                            <a:schemeClr val="bg1"/>
+                          </a:solidFill>
+                        </a:rPr>
+                        <a:t>Broadcom (Brazil)</a:t>
+                      </a:r>
+                    </a:p>
+                  </a:txBody>
+                  <a:tcPr/>
+                </a:tc>
+                <a:extLst>
+                  <a:ext uri="{0D108BD9-81ED-4DB2-BD59-A6C34878D82A}">
+                    <a16:rowId xmlns:a16="http://schemas.microsoft.com/office/drawing/2014/main" val="2776818959"/>
+                  </a:ext>
+                </a:extLst>
+              </a:tr>
+              <a:tr h="370840">
+                <a:tc>
+                  <a:txBody>
+                    <a:bodyPr/>
+                    <a:lstStyle/>
+                    <a:p>
+                      <a:pPr algn="ctr"/>
+                      <a:r>
+                        <a:rPr lang="en-US" b="1" dirty="0">
+                          <a:solidFill>
+                            <a:schemeClr val="bg1"/>
+                          </a:solidFill>
+                        </a:rPr>
+                        <a:t>11</a:t>
+                      </a:r>
+                    </a:p>
+                  </a:txBody>
+                  <a:tcPr/>
+                </a:tc>
+                <a:tc>
+                  <a:txBody>
+                    <a:bodyPr/>
+                    <a:lstStyle/>
+                    <a:p>
+                      <a:r>
+                        <a:rPr lang="en-US" b="1" dirty="0">
+                          <a:solidFill>
+                            <a:schemeClr val="bg1"/>
+                          </a:solidFill>
+                        </a:rPr>
+                        <a:t>Fast Accounting (Japan)</a:t>
+                      </a:r>
+                    </a:p>
+                  </a:txBody>
+                  <a:tcPr/>
+                </a:tc>
+                <a:tc>
+                  <a:txBody>
+                    <a:bodyPr/>
+                    <a:lstStyle/>
+                    <a:p>
+                      <a:pPr algn="ctr"/>
+                      <a:r>
+                        <a:rPr lang="en-US" b="1" dirty="0">
+                          <a:solidFill>
+                            <a:schemeClr val="bg1"/>
+                          </a:solidFill>
+                        </a:rPr>
+                        <a:t>12</a:t>
+                      </a:r>
+                    </a:p>
+                  </a:txBody>
+                  <a:tcPr/>
+                </a:tc>
+                <a:tc>
+                  <a:txBody>
+                    <a:bodyPr/>
+                    <a:lstStyle/>
+                    <a:p>
+                      <a:r>
+                        <a:rPr lang="en-US" b="1" dirty="0">
+                          <a:solidFill>
+                            <a:schemeClr val="bg1"/>
+                          </a:solidFill>
+                        </a:rPr>
+                        <a:t>Constellation Software (Canada)</a:t>
+                      </a:r>
+                    </a:p>
+                  </a:txBody>
+                  <a:tcPr/>
+                </a:tc>
+                <a:extLst>
+                  <a:ext uri="{0D108BD9-81ED-4DB2-BD59-A6C34878D82A}">
+                    <a16:rowId xmlns:a16="http://schemas.microsoft.com/office/drawing/2014/main" val="2843972986"/>
+                  </a:ext>
+                </a:extLst>
+              </a:tr>
+              <a:tr h="370840">
+                <a:tc>
+                  <a:txBody>
+                    <a:bodyPr/>
+                    <a:lstStyle/>
+                    <a:p>
+                      <a:pPr algn="ctr"/>
+                      <a:r>
+                        <a:rPr lang="en-US" b="1" dirty="0">
+                          <a:solidFill>
+                            <a:schemeClr val="bg1"/>
+                          </a:solidFill>
+                        </a:rPr>
+                        <a:t>13</a:t>
+                      </a:r>
+                    </a:p>
+                  </a:txBody>
+                  <a:tcPr/>
+                </a:tc>
+                <a:tc>
+                  <a:txBody>
+                    <a:bodyPr/>
+                    <a:lstStyle/>
+                    <a:p>
+                      <a:r>
+                        <a:rPr lang="en-US" b="1" dirty="0">
+                          <a:solidFill>
+                            <a:schemeClr val="bg1"/>
+                          </a:solidFill>
+                        </a:rPr>
+                        <a:t>Sopra Steria (France)</a:t>
+                      </a:r>
+                    </a:p>
+                  </a:txBody>
+                  <a:tcPr/>
+                </a:tc>
+                <a:tc>
+                  <a:txBody>
+                    <a:bodyPr/>
+                    <a:lstStyle/>
+                    <a:p>
+                      <a:pPr algn="ctr"/>
+                      <a:r>
+                        <a:rPr lang="en-US" b="1" dirty="0">
+                          <a:solidFill>
+                            <a:schemeClr val="bg1"/>
+                          </a:solidFill>
+                        </a:rPr>
+                        <a:t>14</a:t>
+                      </a:r>
+                    </a:p>
+                  </a:txBody>
+                  <a:tcPr/>
+                </a:tc>
+                <a:tc>
+                  <a:txBody>
+                    <a:bodyPr/>
+                    <a:lstStyle/>
+                    <a:p>
+                      <a:r>
+                        <a:rPr lang="en-US" b="1" dirty="0">
+                          <a:solidFill>
+                            <a:schemeClr val="bg1"/>
+                          </a:solidFill>
+                        </a:rPr>
+                        <a:t>Capgemini (France)</a:t>
+                      </a:r>
+                    </a:p>
+                  </a:txBody>
+                  <a:tcPr/>
+                </a:tc>
+                <a:extLst>
+                  <a:ext uri="{0D108BD9-81ED-4DB2-BD59-A6C34878D82A}">
+                    <a16:rowId xmlns:a16="http://schemas.microsoft.com/office/drawing/2014/main" val="15772252"/>
+                  </a:ext>
+                </a:extLst>
+              </a:tr>
+              <a:tr h="370840">
+                <a:tc>
+                  <a:txBody>
+                    <a:bodyPr/>
+                    <a:lstStyle/>
+                    <a:p>
+                      <a:pPr algn="ctr"/>
+                      <a:r>
+                        <a:rPr lang="en-US" b="1" dirty="0">
+                          <a:solidFill>
+                            <a:schemeClr val="bg1"/>
+                          </a:solidFill>
+                        </a:rPr>
+                        <a:t>15</a:t>
+                      </a:r>
+                    </a:p>
+                  </a:txBody>
+                  <a:tcPr/>
+                </a:tc>
+                <a:tc>
+                  <a:txBody>
+                    <a:bodyPr/>
+                    <a:lstStyle/>
+                    <a:p>
+                      <a:r>
+                        <a:rPr lang="en-US" b="1" dirty="0">
+                          <a:solidFill>
+                            <a:schemeClr val="bg1"/>
+                          </a:solidFill>
+                        </a:rPr>
+                        <a:t>BCE Inc (Canada)</a:t>
+                      </a:r>
+                    </a:p>
+                  </a:txBody>
+                  <a:tcPr/>
+                </a:tc>
+                <a:tc>
+                  <a:txBody>
+                    <a:bodyPr/>
+                    <a:lstStyle/>
+                    <a:p>
+                      <a:pPr algn="ctr"/>
+                      <a:endParaRPr lang="en-US" b="1" dirty="0">
+                        <a:solidFill>
+                          <a:schemeClr val="bg1"/>
+                        </a:solidFill>
+                      </a:endParaRPr>
+                    </a:p>
+                  </a:txBody>
+                  <a:tcPr/>
+                </a:tc>
+                <a:tc>
+                  <a:txBody>
+                    <a:bodyPr/>
+                    <a:lstStyle/>
+                    <a:p>
+                      <a:endParaRPr lang="en-US" b="1" dirty="0">
+                        <a:solidFill>
+                          <a:schemeClr val="bg1"/>
+                        </a:solidFill>
+                      </a:endParaRPr>
+                    </a:p>
+                  </a:txBody>
+                  <a:tcPr/>
+                </a:tc>
+                <a:extLst>
+                  <a:ext uri="{0D108BD9-81ED-4DB2-BD59-A6C34878D82A}">
+                    <a16:rowId xmlns:a16="http://schemas.microsoft.com/office/drawing/2014/main" val="31881460"/>
+                  </a:ext>
+                </a:extLst>
+              </a:tr>
+            </a:tbl>
+          </a:graphicData>
+        </a:graphic>
+      </p:graphicFrame>
+      <p:sp>
+        <p:nvSpPr>
+          <p:cNvPr id="5" name="TextBox 4">
+            <a:extLst>
+              <a:ext uri="{FF2B5EF4-FFF2-40B4-BE49-F238E27FC236}">
+                <a16:creationId xmlns:a16="http://schemas.microsoft.com/office/drawing/2014/main" id="{AB69F8AB-E299-81B4-335D-94B5375AB66B}"/>
+              </a:ext>
+            </a:extLst>
+          </p:cNvPr>
+          <p:cNvSpPr txBox="1"/>
+          <p:nvPr/>
+        </p:nvSpPr>
+        <p:spPr>
+          <a:xfrm>
+            <a:off x="1401064" y="6148334"/>
+            <a:ext cx="9023096" cy="523220"/>
+          </a:xfrm>
+          <a:prstGeom prst="rect">
+            <a:avLst/>
+          </a:prstGeom>
+          <a:noFill/>
+        </p:spPr>
+        <p:txBody>
+          <a:bodyPr wrap="square" rtlCol="0">
+            <a:spAutoFit/>
+          </a:bodyPr>
+          <a:lstStyle/>
+          <a:p>
+            <a:r>
+              <a:rPr lang="en-US" sz="1400" dirty="0">
+                <a:solidFill>
+                  <a:schemeClr val="bg1"/>
+                </a:solidFill>
+              </a:rPr>
+              <a:t>Note: The data contained in this table is for educational purposes only. We do not bear responsibility for the sale or purchase of any security.</a:t>
+            </a:r>
+          </a:p>
+        </p:txBody>
+      </p:sp>
     </p:spTree>
     <p:extLst>
       <p:ext uri="{BB962C8B-B14F-4D97-AF65-F5344CB8AC3E}">
@@ -4645,6 +5910,271 @@
         <p:cNvPr id="1" name="">
           <a:extLst>
             <a:ext uri="{FF2B5EF4-FFF2-40B4-BE49-F238E27FC236}">
+              <a16:creationId xmlns:a16="http://schemas.microsoft.com/office/drawing/2014/main" id="{9B9CB7B7-7D0D-896A-505A-AB9209A40491}"/>
+            </a:ext>
+          </a:extLst>
+        </p:cNvPr>
+        <p:cNvGrpSpPr/>
+        <p:nvPr/>
+      </p:nvGrpSpPr>
+      <p:grpSpPr>
+        <a:xfrm>
+          <a:off x="0" y="0"/>
+          <a:ext cx="0" cy="0"/>
+          <a:chOff x="0" y="0"/>
+          <a:chExt cx="0" cy="0"/>
+        </a:xfrm>
+      </p:grpSpPr>
+      <p:pic>
+        <p:nvPicPr>
+          <p:cNvPr id="3" name="Picture 2">
+            <a:extLst>
+              <a:ext uri="{FF2B5EF4-FFF2-40B4-BE49-F238E27FC236}">
+                <a16:creationId xmlns:a16="http://schemas.microsoft.com/office/drawing/2014/main" id="{4592DCE2-5CBE-83D1-822D-92E8206193F2}"/>
+              </a:ext>
+            </a:extLst>
+          </p:cNvPr>
+          <p:cNvPicPr>
+            <a:picLocks noChangeAspect="1"/>
+          </p:cNvPicPr>
+          <p:nvPr/>
+        </p:nvPicPr>
+        <p:blipFill>
+          <a:blip r:embed="rId2">
+            <a:extLst>
+              <a:ext uri="{28A0092B-C50C-407E-A947-70E740481C1C}">
+                <a14:useLocalDpi xmlns:a14="http://schemas.microsoft.com/office/drawing/2010/main" val="0"/>
+              </a:ext>
+            </a:extLst>
+          </a:blip>
+          <a:stretch>
+            <a:fillRect/>
+          </a:stretch>
+        </p:blipFill>
+        <p:spPr>
+          <a:xfrm>
+            <a:off x="0" y="0"/>
+            <a:ext cx="12192000" cy="6940296"/>
+          </a:xfrm>
+          <a:prstGeom prst="rect">
+            <a:avLst/>
+          </a:prstGeom>
+        </p:spPr>
+      </p:pic>
+      <p:sp>
+        <p:nvSpPr>
+          <p:cNvPr id="2" name="TextBox 1">
+            <a:extLst>
+              <a:ext uri="{FF2B5EF4-FFF2-40B4-BE49-F238E27FC236}">
+                <a16:creationId xmlns:a16="http://schemas.microsoft.com/office/drawing/2014/main" id="{0F9061C5-518C-EB8A-A5D8-03242A858753}"/>
+              </a:ext>
+            </a:extLst>
+          </p:cNvPr>
+          <p:cNvSpPr txBox="1"/>
+          <p:nvPr/>
+        </p:nvSpPr>
+        <p:spPr>
+          <a:xfrm>
+            <a:off x="868680" y="630936"/>
+            <a:ext cx="10021824" cy="4770537"/>
+          </a:xfrm>
+          <a:prstGeom prst="rect">
+            <a:avLst/>
+          </a:prstGeom>
+          <a:noFill/>
+        </p:spPr>
+        <p:txBody>
+          <a:bodyPr wrap="square" rtlCol="0">
+            <a:spAutoFit/>
+          </a:bodyPr>
+          <a:lstStyle/>
+          <a:p>
+            <a:pPr algn="ctr"/>
+            <a:r>
+              <a:rPr lang="en-US" sz="2800" b="1" dirty="0">
+                <a:solidFill>
+                  <a:schemeClr val="accent5">
+                    <a:lumMod val="40000"/>
+                    <a:lumOff val="60000"/>
+                  </a:schemeClr>
+                </a:solidFill>
+              </a:rPr>
+              <a:t>Future Development Plan</a:t>
+            </a:r>
+            <a:endParaRPr lang="en-US" dirty="0">
+              <a:solidFill>
+                <a:schemeClr val="bg1"/>
+              </a:solidFill>
+            </a:endParaRPr>
+          </a:p>
+          <a:p>
+            <a:endParaRPr lang="en-US" dirty="0">
+              <a:solidFill>
+                <a:schemeClr val="bg1"/>
+              </a:solidFill>
+            </a:endParaRPr>
+          </a:p>
+          <a:p>
+            <a:endParaRPr lang="en-US" dirty="0">
+              <a:solidFill>
+                <a:schemeClr val="bg1"/>
+              </a:solidFill>
+            </a:endParaRPr>
+          </a:p>
+          <a:p>
+            <a:r>
+              <a:rPr lang="en-US" sz="2400" b="1" dirty="0">
+                <a:solidFill>
+                  <a:schemeClr val="accent2">
+                    <a:lumMod val="60000"/>
+                    <a:lumOff val="40000"/>
+                  </a:schemeClr>
+                </a:solidFill>
+              </a:rPr>
+              <a:t>Objective:</a:t>
+            </a:r>
+          </a:p>
+          <a:p>
+            <a:pPr marL="342900" indent="-342900">
+              <a:buFont typeface="Wingdings" panose="05000000000000000000" pitchFamily="2" charset="2"/>
+              <a:buChar char="Ø"/>
+            </a:pPr>
+            <a:r>
+              <a:rPr lang="en-US" sz="2400" dirty="0">
+                <a:solidFill>
+                  <a:schemeClr val="bg1"/>
+                </a:solidFill>
+              </a:rPr>
+              <a:t>Enhance analysis of technology sector investments and other sectors.</a:t>
+            </a:r>
+          </a:p>
+          <a:p>
+            <a:pPr marL="342900" indent="-342900">
+              <a:buFont typeface="Wingdings" panose="05000000000000000000" pitchFamily="2" charset="2"/>
+              <a:buChar char="Ø"/>
+            </a:pPr>
+            <a:endParaRPr lang="en-US" sz="2400" dirty="0">
+              <a:solidFill>
+                <a:schemeClr val="bg1"/>
+              </a:solidFill>
+            </a:endParaRPr>
+          </a:p>
+          <a:p>
+            <a:r>
+              <a:rPr lang="en-US" sz="2400" b="1" dirty="0">
+                <a:solidFill>
+                  <a:schemeClr val="accent2">
+                    <a:lumMod val="60000"/>
+                    <a:lumOff val="40000"/>
+                  </a:schemeClr>
+                </a:solidFill>
+              </a:rPr>
+              <a:t>Plan:</a:t>
+            </a:r>
+          </a:p>
+          <a:p>
+            <a:pPr marL="342900" indent="-342900">
+              <a:buFont typeface="Wingdings" panose="05000000000000000000" pitchFamily="2" charset="2"/>
+              <a:buChar char="Ø"/>
+            </a:pPr>
+            <a:r>
+              <a:rPr lang="en-US" sz="2400" dirty="0">
+                <a:solidFill>
+                  <a:schemeClr val="bg1"/>
+                </a:solidFill>
+              </a:rPr>
+              <a:t>Establish additional financial indicators to better evaluate securities.</a:t>
+            </a:r>
+          </a:p>
+          <a:p>
+            <a:pPr marL="342900" indent="-342900">
+              <a:buFont typeface="Wingdings" panose="05000000000000000000" pitchFamily="2" charset="2"/>
+              <a:buChar char="Ø"/>
+            </a:pPr>
+            <a:r>
+              <a:rPr lang="en-US" sz="2400" dirty="0">
+                <a:solidFill>
+                  <a:schemeClr val="bg1"/>
+                </a:solidFill>
+              </a:rPr>
+              <a:t>Utilize artificial intelligence through machine learning for advanced analysis.</a:t>
+            </a:r>
+          </a:p>
+          <a:p>
+            <a:pPr marL="342900" indent="-342900">
+              <a:buFont typeface="Wingdings" panose="05000000000000000000" pitchFamily="2" charset="2"/>
+              <a:buChar char="Ø"/>
+            </a:pPr>
+            <a:endParaRPr lang="en-US" sz="2400" dirty="0">
+              <a:solidFill>
+                <a:schemeClr val="bg1"/>
+              </a:solidFill>
+            </a:endParaRPr>
+          </a:p>
+          <a:p>
+            <a:r>
+              <a:rPr lang="en-US" sz="2400" b="1" dirty="0">
+                <a:solidFill>
+                  <a:schemeClr val="accent2">
+                    <a:lumMod val="60000"/>
+                    <a:lumOff val="40000"/>
+                  </a:schemeClr>
+                </a:solidFill>
+              </a:rPr>
+              <a:t>Benefits:</a:t>
+            </a:r>
+          </a:p>
+          <a:p>
+            <a:pPr marL="342900" indent="-342900">
+              <a:buFont typeface="Wingdings" panose="05000000000000000000" pitchFamily="2" charset="2"/>
+              <a:buChar char="Ø"/>
+            </a:pPr>
+            <a:r>
+              <a:rPr lang="en-US" sz="2400" dirty="0">
+                <a:solidFill>
+                  <a:schemeClr val="bg1"/>
+                </a:solidFill>
+              </a:rPr>
+              <a:t>Improved decision-making for investors.</a:t>
+            </a:r>
+          </a:p>
+          <a:p>
+            <a:pPr marL="342900" indent="-342900">
+              <a:buFont typeface="Wingdings" panose="05000000000000000000" pitchFamily="2" charset="2"/>
+              <a:buChar char="Ø"/>
+            </a:pPr>
+            <a:r>
+              <a:rPr lang="en-US" sz="2400" dirty="0">
+                <a:solidFill>
+                  <a:schemeClr val="bg1"/>
+                </a:solidFill>
+              </a:rPr>
+              <a:t>Enhanced accuracy and efficiency in security selection.</a:t>
+            </a:r>
+          </a:p>
+        </p:txBody>
+      </p:sp>
+    </p:spTree>
+    <p:extLst>
+      <p:ext uri="{BB962C8B-B14F-4D97-AF65-F5344CB8AC3E}">
+        <p14:creationId xmlns:p14="http://schemas.microsoft.com/office/powerpoint/2010/main" val="723903424"/>
+      </p:ext>
+    </p:extLst>
+  </p:cSld>
+  <p:clrMapOvr>
+    <a:masterClrMapping/>
+  </p:clrMapOvr>
+</p:sld>
+</file>
+
+<file path=ppt/slides/slide13.xml><?xml version="1.0" encoding="utf-8"?>
+<p:sld xmlns:a="http://schemas.openxmlformats.org/drawingml/2006/main" xmlns:r="http://schemas.openxmlformats.org/officeDocument/2006/relationships" xmlns:p="http://schemas.openxmlformats.org/presentationml/2006/main">
+  <p:cSld>
+    <p:spTree>
+      <p:nvGrpSpPr>
+        <p:cNvPr id="1" name="">
+          <a:extLst>
+            <a:ext uri="{FF2B5EF4-FFF2-40B4-BE49-F238E27FC236}">
               <a16:creationId xmlns:a16="http://schemas.microsoft.com/office/drawing/2014/main" id="{3A51C0DA-7F70-3660-0080-F2D3C14FBE90}"/>
             </a:ext>
           </a:extLst>
@@ -4893,13 +6423,17 @@
             </a:r>
           </a:p>
           <a:p>
+            <a:pPr marL="342900" indent="-342900">
+              <a:buFont typeface="Wingdings" panose="05000000000000000000" pitchFamily="2" charset="2"/>
+              <a:buChar char="Ø"/>
+            </a:pPr>
             <a:r>
               <a:rPr lang="en-US" sz="2400" dirty="0">
                 <a:solidFill>
                   <a:schemeClr val="bg1"/>
                 </a:solidFill>
               </a:rPr>
-              <a:t> Help investors make informed decisions about technology sector investments worldwide.</a:t>
+              <a:t>Help investors make informed decisions about technology sector investments worldwide.</a:t>
             </a:r>
           </a:p>
           <a:p>
@@ -4920,6 +6454,10 @@
             </a:r>
           </a:p>
           <a:p>
+            <a:pPr marL="342900" indent="-342900">
+              <a:buFont typeface="Wingdings" panose="05000000000000000000" pitchFamily="2" charset="2"/>
+              <a:buChar char="Ø"/>
+            </a:pPr>
             <a:r>
               <a:rPr lang="en-US" sz="2400" dirty="0">
                 <a:solidFill>
@@ -4947,6 +6485,10 @@
             </a:r>
           </a:p>
           <a:p>
+            <a:pPr marL="342900" indent="-342900">
+              <a:buFont typeface="Wingdings" panose="05000000000000000000" pitchFamily="2" charset="2"/>
+              <a:buChar char="Ø"/>
+            </a:pPr>
             <a:r>
               <a:rPr lang="en-US" sz="2400" dirty="0">
                 <a:solidFill>
@@ -5074,10 +6616,10 @@
       </p:sp>
       <p:pic>
         <p:nvPicPr>
-          <p:cNvPr id="5" name="Picture 4">
-            <a:extLst>
-              <a:ext uri="{FF2B5EF4-FFF2-40B4-BE49-F238E27FC236}">
-                <a16:creationId xmlns:a16="http://schemas.microsoft.com/office/drawing/2014/main" id="{F0BE0A9C-C29C-7903-F634-B9C625F24F23}"/>
+          <p:cNvPr id="6" name="Picture 5" descr="A screen shot of a map&#10;&#10;Description automatically generated">
+            <a:extLst>
+              <a:ext uri="{FF2B5EF4-FFF2-40B4-BE49-F238E27FC236}">
+                <a16:creationId xmlns:a16="http://schemas.microsoft.com/office/drawing/2014/main" id="{FA22D336-1461-2DA7-0A08-88245F2145AB}"/>
               </a:ext>
             </a:extLst>
           </p:cNvPr>
@@ -5087,15 +6629,21 @@
           <p:nvPr/>
         </p:nvPicPr>
         <p:blipFill>
-          <a:blip r:embed="rId3"/>
+          <a:blip r:embed="rId3">
+            <a:extLst>
+              <a:ext uri="{28A0092B-C50C-407E-A947-70E740481C1C}">
+                <a14:useLocalDpi xmlns:a14="http://schemas.microsoft.com/office/drawing/2010/main" val="0"/>
+              </a:ext>
+            </a:extLst>
+          </a:blip>
           <a:stretch>
             <a:fillRect/>
           </a:stretch>
         </p:blipFill>
         <p:spPr>
           <a:xfrm>
-            <a:off x="731520" y="1151567"/>
-            <a:ext cx="10588752" cy="5360744"/>
+            <a:off x="922315" y="1298334"/>
+            <a:ext cx="10347369" cy="4753208"/>
           </a:xfrm>
           <a:prstGeom prst="roundRect">
             <a:avLst>
@@ -5215,7 +6763,7 @@
         <p:spPr>
           <a:xfrm>
             <a:off x="548640" y="410248"/>
-            <a:ext cx="11055096" cy="1354217"/>
+            <a:ext cx="11055096" cy="1384995"/>
           </a:xfrm>
           <a:prstGeom prst="rect">
             <a:avLst/>
@@ -5253,7 +6801,7 @@
           </a:p>
           <a:p>
             <a:r>
-              <a:rPr lang="en-US" b="1" dirty="0">
+              <a:rPr lang="en-US" sz="2000" b="1" dirty="0">
                 <a:solidFill>
                   <a:schemeClr val="accent2">
                     <a:lumMod val="60000"/>
@@ -5265,6 +6813,10 @@
             </a:r>
           </a:p>
           <a:p>
+            <a:pPr marL="285750" indent="-285750">
+              <a:buFont typeface="Wingdings" panose="05000000000000000000" pitchFamily="2" charset="2"/>
+              <a:buChar char="Ø"/>
+            </a:pPr>
             <a:r>
               <a:rPr lang="en-US" dirty="0">
                 <a:solidFill>
@@ -5471,7 +7023,7 @@
           <a:p>
             <a:pPr marL="285750" indent="-285750">
               <a:buFont typeface="Wingdings" panose="05000000000000000000" pitchFamily="2" charset="2"/>
-              <a:buChar char="§"/>
+              <a:buChar char="Ø"/>
             </a:pPr>
             <a:r>
               <a:rPr lang="en-US" b="0" i="0" dirty="0">
@@ -5487,7 +7039,7 @@
           <a:p>
             <a:pPr marL="285750" indent="-285750">
               <a:buFont typeface="Wingdings" panose="05000000000000000000" pitchFamily="2" charset="2"/>
-              <a:buChar char="§"/>
+              <a:buChar char="Ø"/>
             </a:pPr>
             <a:r>
               <a:rPr lang="en-US" b="0" i="0" dirty="0">
@@ -5529,7 +7081,7 @@
         </p:blipFill>
         <p:spPr>
           <a:xfrm>
-            <a:off x="1170432" y="2257009"/>
+            <a:off x="1170432" y="2467321"/>
             <a:ext cx="10152888" cy="3484722"/>
           </a:xfrm>
           <a:prstGeom prst="roundRect">
@@ -5650,7 +7202,7 @@
         <p:spPr>
           <a:xfrm>
             <a:off x="548640" y="410248"/>
-            <a:ext cx="11055096" cy="1354217"/>
+            <a:ext cx="11055096" cy="1384995"/>
           </a:xfrm>
           <a:prstGeom prst="rect">
             <a:avLst/>
@@ -5688,7 +7240,7 @@
           </a:p>
           <a:p>
             <a:r>
-              <a:rPr lang="en-US" b="1" dirty="0">
+              <a:rPr lang="en-US" sz="2000" b="1" dirty="0">
                 <a:solidFill>
                   <a:schemeClr val="accent2">
                     <a:lumMod val="60000"/>
@@ -5700,6 +7252,10 @@
             </a:r>
           </a:p>
           <a:p>
+            <a:pPr marL="285750" indent="-285750">
+              <a:buFont typeface="Wingdings" panose="05000000000000000000" pitchFamily="2" charset="2"/>
+              <a:buChar char="Ø"/>
+            </a:pPr>
             <a:r>
               <a:rPr lang="en-US" dirty="0">
                 <a:solidFill>
@@ -6086,7 +7642,7 @@
         </p:nvSpPr>
         <p:spPr>
           <a:xfrm>
-            <a:off x="1234440" y="576072"/>
+            <a:off x="1225296" y="200801"/>
             <a:ext cx="9134856" cy="2492990"/>
           </a:xfrm>
           <a:prstGeom prst="rect">
@@ -6137,6 +7693,10 @@
             </a:r>
           </a:p>
           <a:p>
+            <a:pPr marL="342900" indent="-342900">
+              <a:buFont typeface="Wingdings" panose="05000000000000000000" pitchFamily="2" charset="2"/>
+              <a:buChar char="Ø"/>
+            </a:pPr>
             <a:r>
               <a:rPr lang="en-US" sz="2000" dirty="0">
                 <a:solidFill>
@@ -6170,6 +7730,10 @@
             </a:r>
           </a:p>
           <a:p>
+            <a:pPr marL="342900" indent="-342900">
+              <a:buFont typeface="Wingdings" panose="05000000000000000000" pitchFamily="2" charset="2"/>
+              <a:buChar char="Ø"/>
+            </a:pPr>
             <a:r>
               <a:rPr lang="en-US" sz="2000" dirty="0">
                 <a:solidFill>
@@ -6181,6 +7745,68 @@
           </a:p>
         </p:txBody>
       </p:sp>
+      <p:pic>
+        <p:nvPicPr>
+          <p:cNvPr id="6" name="Picture 5" descr="A graph with lines and numbers&#10;&#10;Description automatically generated with medium confidence">
+            <a:extLst>
+              <a:ext uri="{FF2B5EF4-FFF2-40B4-BE49-F238E27FC236}">
+                <a16:creationId xmlns:a16="http://schemas.microsoft.com/office/drawing/2014/main" id="{86D6DC88-F991-DFAB-221F-323E26BB9982}"/>
+              </a:ext>
+            </a:extLst>
+          </p:cNvPr>
+          <p:cNvPicPr>
+            <a:picLocks noChangeAspect="1"/>
+          </p:cNvPicPr>
+          <p:nvPr/>
+        </p:nvPicPr>
+        <p:blipFill>
+          <a:blip r:embed="rId3">
+            <a:extLst>
+              <a:ext uri="{28A0092B-C50C-407E-A947-70E740481C1C}">
+                <a14:useLocalDpi xmlns:a14="http://schemas.microsoft.com/office/drawing/2010/main" val="0"/>
+              </a:ext>
+            </a:extLst>
+          </a:blip>
+          <a:stretch>
+            <a:fillRect/>
+          </a:stretch>
+        </p:blipFill>
+        <p:spPr>
+          <a:xfrm>
+            <a:off x="557384" y="2931169"/>
+            <a:ext cx="11300183" cy="3668256"/>
+          </a:xfrm>
+          <a:prstGeom prst="roundRect">
+            <a:avLst>
+              <a:gd name="adj" fmla="val 4167"/>
+            </a:avLst>
+          </a:prstGeom>
+          <a:solidFill>
+            <a:srgbClr val="FFFFFF"/>
+          </a:solidFill>
+          <a:ln w="76200" cap="sq">
+            <a:solidFill>
+              <a:srgbClr val="EAEAEA"/>
+            </a:solidFill>
+            <a:miter lim="800000"/>
+          </a:ln>
+          <a:effectLst>
+            <a:reflection blurRad="12700" stA="33000" endPos="28000" dist="5000" dir="5400000" sy="-100000" algn="bl" rotWithShape="0"/>
+          </a:effectLst>
+          <a:scene3d>
+            <a:camera prst="orthographicFront"/>
+            <a:lightRig rig="threePt" dir="t">
+              <a:rot lat="0" lon="0" rev="2700000"/>
+            </a:lightRig>
+          </a:scene3d>
+          <a:sp3d contourW="6350">
+            <a:bevelT h="38100"/>
+            <a:contourClr>
+              <a:srgbClr val="C0C0C0"/>
+            </a:contourClr>
+          </a:sp3d>
+        </p:spPr>
+      </p:pic>
     </p:spTree>
     <p:extLst>
       <p:ext uri="{BB962C8B-B14F-4D97-AF65-F5344CB8AC3E}">
@@ -6245,7 +7871,7 @@
         </p:blipFill>
         <p:spPr>
           <a:xfrm>
-            <a:off x="9144" y="-36576"/>
+            <a:off x="0" y="0"/>
             <a:ext cx="12192000" cy="6940296"/>
           </a:xfrm>
           <a:prstGeom prst="rect">
@@ -6267,7 +7893,7 @@
         </p:nvSpPr>
         <p:spPr>
           <a:xfrm>
-            <a:off x="987552" y="576072"/>
+            <a:off x="1053084" y="292302"/>
             <a:ext cx="10085832" cy="2492990"/>
           </a:xfrm>
           <a:prstGeom prst="rect">
@@ -6319,6 +7945,10 @@
             </a:r>
           </a:p>
           <a:p>
+            <a:pPr marL="342900" indent="-342900">
+              <a:buFont typeface="Wingdings" panose="05000000000000000000" pitchFamily="2" charset="2"/>
+              <a:buChar char="Ø"/>
+            </a:pPr>
             <a:r>
               <a:rPr lang="en-US" sz="2000" dirty="0">
                 <a:solidFill>
@@ -6352,6 +7982,10 @@
             </a:r>
           </a:p>
           <a:p>
+            <a:pPr marL="342900" indent="-342900">
+              <a:buFont typeface="Wingdings" panose="05000000000000000000" pitchFamily="2" charset="2"/>
+              <a:buChar char="Ø"/>
+            </a:pPr>
             <a:r>
               <a:rPr lang="en-US" sz="2000" dirty="0">
                 <a:solidFill>
@@ -6363,6 +7997,68 @@
           </a:p>
         </p:txBody>
       </p:sp>
+      <p:pic>
+        <p:nvPicPr>
+          <p:cNvPr id="7" name="Picture 6" descr="A screenshot of a computer&#10;&#10;Description automatically generated">
+            <a:extLst>
+              <a:ext uri="{FF2B5EF4-FFF2-40B4-BE49-F238E27FC236}">
+                <a16:creationId xmlns:a16="http://schemas.microsoft.com/office/drawing/2014/main" id="{35D0A151-A821-D4B3-7AD0-614EF687F155}"/>
+              </a:ext>
+            </a:extLst>
+          </p:cNvPr>
+          <p:cNvPicPr>
+            <a:picLocks noChangeAspect="1"/>
+          </p:cNvPicPr>
+          <p:nvPr/>
+        </p:nvPicPr>
+        <p:blipFill>
+          <a:blip r:embed="rId3">
+            <a:extLst>
+              <a:ext uri="{28A0092B-C50C-407E-A947-70E740481C1C}">
+                <a14:useLocalDpi xmlns:a14="http://schemas.microsoft.com/office/drawing/2010/main" val="0"/>
+              </a:ext>
+            </a:extLst>
+          </a:blip>
+          <a:stretch>
+            <a:fillRect/>
+          </a:stretch>
+        </p:blipFill>
+        <p:spPr>
+          <a:xfrm>
+            <a:off x="650107" y="2984938"/>
+            <a:ext cx="10761605" cy="3580760"/>
+          </a:xfrm>
+          <a:prstGeom prst="roundRect">
+            <a:avLst>
+              <a:gd name="adj" fmla="val 4167"/>
+            </a:avLst>
+          </a:prstGeom>
+          <a:solidFill>
+            <a:srgbClr val="FFFFFF"/>
+          </a:solidFill>
+          <a:ln w="76200" cap="sq">
+            <a:solidFill>
+              <a:srgbClr val="EAEAEA"/>
+            </a:solidFill>
+            <a:miter lim="800000"/>
+          </a:ln>
+          <a:effectLst>
+            <a:reflection blurRad="12700" stA="33000" endPos="28000" dist="5000" dir="5400000" sy="-100000" algn="bl" rotWithShape="0"/>
+          </a:effectLst>
+          <a:scene3d>
+            <a:camera prst="orthographicFront"/>
+            <a:lightRig rig="threePt" dir="t">
+              <a:rot lat="0" lon="0" rev="2700000"/>
+            </a:lightRig>
+          </a:scene3d>
+          <a:sp3d contourW="6350">
+            <a:bevelT h="38100"/>
+            <a:contourClr>
+              <a:srgbClr val="C0C0C0"/>
+            </a:contourClr>
+          </a:sp3d>
+        </p:spPr>
+      </p:pic>
     </p:spTree>
     <p:extLst>
       <p:ext uri="{BB962C8B-B14F-4D97-AF65-F5344CB8AC3E}">

--- a/Presentation.pptx
+++ b/Presentation.pptx
@@ -16,7 +16,8 @@
     <p:sldId id="265" r:id="rId10"/>
     <p:sldId id="264" r:id="rId11"/>
     <p:sldId id="263" r:id="rId12"/>
-    <p:sldId id="266" r:id="rId13"/>
+    <p:sldId id="268" r:id="rId13"/>
+    <p:sldId id="266" r:id="rId14"/>
   </p:sldIdLst>
   <p:sldSz cx="12192000" cy="6858000"/>
   <p:notesSz cx="6858000" cy="9144000"/>
@@ -125,6 +126,229 @@
 
 <file path=ppt/changesInfos/changesInfo1.xml><?xml version="1.0" encoding="utf-8"?>
 <pc:chgInfo xmlns:a="http://schemas.openxmlformats.org/drawingml/2006/main" xmlns:r="http://schemas.openxmlformats.org/officeDocument/2006/relationships" xmlns:ac="http://schemas.microsoft.com/office/drawing/2013/main/command" xmlns:pc="http://schemas.microsoft.com/office/powerpoint/2013/main/command">
+  <pc:docChgLst>
+    <pc:chgData name="Maher Alqarra" userId="81703c0c110a5f03" providerId="LiveId" clId="{9D3084B4-3CA2-418A-BD17-12D18752C5BA}"/>
+    <pc:docChg chg="undo custSel addSld modSld">
+      <pc:chgData name="Maher Alqarra" userId="81703c0c110a5f03" providerId="LiveId" clId="{9D3084B4-3CA2-418A-BD17-12D18752C5BA}" dt="2024-03-06T15:15:53.839" v="292" actId="20577"/>
+      <pc:docMkLst>
+        <pc:docMk/>
+      </pc:docMkLst>
+      <pc:sldChg chg="modSp mod">
+        <pc:chgData name="Maher Alqarra" userId="81703c0c110a5f03" providerId="LiveId" clId="{9D3084B4-3CA2-418A-BD17-12D18752C5BA}" dt="2024-03-06T14:39:47.515" v="30" actId="12"/>
+        <pc:sldMkLst>
+          <pc:docMk/>
+          <pc:sldMk cId="742347494" sldId="256"/>
+        </pc:sldMkLst>
+        <pc:spChg chg="mod">
+          <ac:chgData name="Maher Alqarra" userId="81703c0c110a5f03" providerId="LiveId" clId="{9D3084B4-3CA2-418A-BD17-12D18752C5BA}" dt="2024-03-06T14:39:47.515" v="30" actId="12"/>
+          <ac:spMkLst>
+            <pc:docMk/>
+            <pc:sldMk cId="742347494" sldId="256"/>
+            <ac:spMk id="2" creationId="{BE9EC313-838A-BAFA-AFAD-BF8E05A1C879}"/>
+          </ac:spMkLst>
+        </pc:spChg>
+      </pc:sldChg>
+      <pc:sldChg chg="modSp mod">
+        <pc:chgData name="Maher Alqarra" userId="81703c0c110a5f03" providerId="LiveId" clId="{9D3084B4-3CA2-418A-BD17-12D18752C5BA}" dt="2024-03-06T14:40:20.100" v="35" actId="12"/>
+        <pc:sldMkLst>
+          <pc:docMk/>
+          <pc:sldMk cId="3098824939" sldId="257"/>
+        </pc:sldMkLst>
+        <pc:spChg chg="mod">
+          <ac:chgData name="Maher Alqarra" userId="81703c0c110a5f03" providerId="LiveId" clId="{9D3084B4-3CA2-418A-BD17-12D18752C5BA}" dt="2024-03-06T14:40:20.100" v="35" actId="12"/>
+          <ac:spMkLst>
+            <pc:docMk/>
+            <pc:sldMk cId="3098824939" sldId="257"/>
+            <ac:spMk id="4" creationId="{832A307A-1BC8-D6DE-1059-37869E398E3C}"/>
+          </ac:spMkLst>
+        </pc:spChg>
+      </pc:sldChg>
+      <pc:sldChg chg="modSp mod">
+        <pc:chgData name="Maher Alqarra" userId="81703c0c110a5f03" providerId="LiveId" clId="{9D3084B4-3CA2-418A-BD17-12D18752C5BA}" dt="2024-03-06T14:40:07.232" v="33" actId="1076"/>
+        <pc:sldMkLst>
+          <pc:docMk/>
+          <pc:sldMk cId="2502954960" sldId="258"/>
+        </pc:sldMkLst>
+        <pc:picChg chg="mod">
+          <ac:chgData name="Maher Alqarra" userId="81703c0c110a5f03" providerId="LiveId" clId="{9D3084B4-3CA2-418A-BD17-12D18752C5BA}" dt="2024-03-06T14:40:07.232" v="33" actId="1076"/>
+          <ac:picMkLst>
+            <pc:docMk/>
+            <pc:sldMk cId="2502954960" sldId="258"/>
+            <ac:picMk id="6" creationId="{FA22D336-1461-2DA7-0A08-88245F2145AB}"/>
+          </ac:picMkLst>
+        </pc:picChg>
+      </pc:sldChg>
+      <pc:sldChg chg="modSp mod">
+        <pc:chgData name="Maher Alqarra" userId="81703c0c110a5f03" providerId="LiveId" clId="{9D3084B4-3CA2-418A-BD17-12D18752C5BA}" dt="2024-03-06T14:40:50.496" v="39" actId="403"/>
+        <pc:sldMkLst>
+          <pc:docMk/>
+          <pc:sldMk cId="4064793766" sldId="259"/>
+        </pc:sldMkLst>
+        <pc:spChg chg="mod">
+          <ac:chgData name="Maher Alqarra" userId="81703c0c110a5f03" providerId="LiveId" clId="{9D3084B4-3CA2-418A-BD17-12D18752C5BA}" dt="2024-03-06T14:40:50.496" v="39" actId="403"/>
+          <ac:spMkLst>
+            <pc:docMk/>
+            <pc:sldMk cId="4064793766" sldId="259"/>
+            <ac:spMk id="2" creationId="{CE082283-1CAA-CA64-1B05-E8ABE2E2CCAE}"/>
+          </ac:spMkLst>
+        </pc:spChg>
+      </pc:sldChg>
+      <pc:sldChg chg="modSp mod">
+        <pc:chgData name="Maher Alqarra" userId="81703c0c110a5f03" providerId="LiveId" clId="{9D3084B4-3CA2-418A-BD17-12D18752C5BA}" dt="2024-03-06T14:40:42.368" v="37" actId="1076"/>
+        <pc:sldMkLst>
+          <pc:docMk/>
+          <pc:sldMk cId="4091885840" sldId="260"/>
+        </pc:sldMkLst>
+        <pc:spChg chg="mod">
+          <ac:chgData name="Maher Alqarra" userId="81703c0c110a5f03" providerId="LiveId" clId="{9D3084B4-3CA2-418A-BD17-12D18752C5BA}" dt="2024-03-06T14:40:39.785" v="36" actId="12"/>
+          <ac:spMkLst>
+            <pc:docMk/>
+            <pc:sldMk cId="4091885840" sldId="260"/>
+            <ac:spMk id="2" creationId="{9352414A-F6BE-790E-856E-38F1690CF0A0}"/>
+          </ac:spMkLst>
+        </pc:spChg>
+        <pc:picChg chg="mod">
+          <ac:chgData name="Maher Alqarra" userId="81703c0c110a5f03" providerId="LiveId" clId="{9D3084B4-3CA2-418A-BD17-12D18752C5BA}" dt="2024-03-06T14:40:42.368" v="37" actId="1076"/>
+          <ac:picMkLst>
+            <pc:docMk/>
+            <pc:sldMk cId="4091885840" sldId="260"/>
+            <ac:picMk id="5" creationId="{C0B07E4A-150C-ACE5-2A00-E718C7AAB292}"/>
+          </ac:picMkLst>
+        </pc:picChg>
+      </pc:sldChg>
+      <pc:sldChg chg="modSp mod">
+        <pc:chgData name="Maher Alqarra" userId="81703c0c110a5f03" providerId="LiveId" clId="{9D3084B4-3CA2-418A-BD17-12D18752C5BA}" dt="2024-03-06T14:41:51.242" v="46" actId="14100"/>
+        <pc:sldMkLst>
+          <pc:docMk/>
+          <pc:sldMk cId="2270454260" sldId="262"/>
+        </pc:sldMkLst>
+        <pc:spChg chg="mod">
+          <ac:chgData name="Maher Alqarra" userId="81703c0c110a5f03" providerId="LiveId" clId="{9D3084B4-3CA2-418A-BD17-12D18752C5BA}" dt="2024-03-06T14:41:47.516" v="45" actId="1076"/>
+          <ac:spMkLst>
+            <pc:docMk/>
+            <pc:sldMk cId="2270454260" sldId="262"/>
+            <ac:spMk id="2" creationId="{BECBB24A-FD33-C235-5A8A-278B4ADF898C}"/>
+          </ac:spMkLst>
+        </pc:spChg>
+        <pc:picChg chg="mod">
+          <ac:chgData name="Maher Alqarra" userId="81703c0c110a5f03" providerId="LiveId" clId="{9D3084B4-3CA2-418A-BD17-12D18752C5BA}" dt="2024-03-06T14:41:51.242" v="46" actId="14100"/>
+          <ac:picMkLst>
+            <pc:docMk/>
+            <pc:sldMk cId="2270454260" sldId="262"/>
+            <ac:picMk id="6" creationId="{86D6DC88-F991-DFAB-221F-323E26BB9982}"/>
+          </ac:picMkLst>
+        </pc:picChg>
+      </pc:sldChg>
+      <pc:sldChg chg="addSp modSp mod">
+        <pc:chgData name="Maher Alqarra" userId="81703c0c110a5f03" providerId="LiveId" clId="{9D3084B4-3CA2-418A-BD17-12D18752C5BA}" dt="2024-03-06T15:07:47.991" v="257" actId="207"/>
+        <pc:sldMkLst>
+          <pc:docMk/>
+          <pc:sldMk cId="663125857" sldId="264"/>
+        </pc:sldMkLst>
+        <pc:spChg chg="add mod">
+          <ac:chgData name="Maher Alqarra" userId="81703c0c110a5f03" providerId="LiveId" clId="{9D3084B4-3CA2-418A-BD17-12D18752C5BA}" dt="2024-03-06T14:54:22.753" v="116" actId="5793"/>
+          <ac:spMkLst>
+            <pc:docMk/>
+            <pc:sldMk cId="663125857" sldId="264"/>
+            <ac:spMk id="2" creationId="{4E3B6310-C263-82D3-3175-41C4EF0699A6}"/>
+          </ac:spMkLst>
+        </pc:spChg>
+        <pc:spChg chg="add mod">
+          <ac:chgData name="Maher Alqarra" userId="81703c0c110a5f03" providerId="LiveId" clId="{9D3084B4-3CA2-418A-BD17-12D18752C5BA}" dt="2024-03-06T15:06:31.970" v="250" actId="14100"/>
+          <ac:spMkLst>
+            <pc:docMk/>
+            <pc:sldMk cId="663125857" sldId="264"/>
+            <ac:spMk id="5" creationId="{AB69F8AB-E299-81B4-335D-94B5375AB66B}"/>
+          </ac:spMkLst>
+        </pc:spChg>
+        <pc:graphicFrameChg chg="add mod modGraphic">
+          <ac:chgData name="Maher Alqarra" userId="81703c0c110a5f03" providerId="LiveId" clId="{9D3084B4-3CA2-418A-BD17-12D18752C5BA}" dt="2024-03-06T15:07:47.991" v="257" actId="207"/>
+          <ac:graphicFrameMkLst>
+            <pc:docMk/>
+            <pc:sldMk cId="663125857" sldId="264"/>
+            <ac:graphicFrameMk id="4" creationId="{623B552B-49E2-8BEA-DA0D-0D4A12F8A319}"/>
+          </ac:graphicFrameMkLst>
+        </pc:graphicFrameChg>
+        <pc:picChg chg="mod">
+          <ac:chgData name="Maher Alqarra" userId="81703c0c110a5f03" providerId="LiveId" clId="{9D3084B4-3CA2-418A-BD17-12D18752C5BA}" dt="2024-03-06T14:43:21.151" v="77" actId="1036"/>
+          <ac:picMkLst>
+            <pc:docMk/>
+            <pc:sldMk cId="663125857" sldId="264"/>
+            <ac:picMk id="3" creationId="{2719E908-FA49-0562-62E3-F94B8836B187}"/>
+          </ac:picMkLst>
+        </pc:picChg>
+      </pc:sldChg>
+      <pc:sldChg chg="modSp mod">
+        <pc:chgData name="Maher Alqarra" userId="81703c0c110a5f03" providerId="LiveId" clId="{9D3084B4-3CA2-418A-BD17-12D18752C5BA}" dt="2024-03-06T14:42:28.160" v="51" actId="14100"/>
+        <pc:sldMkLst>
+          <pc:docMk/>
+          <pc:sldMk cId="1496602039" sldId="265"/>
+        </pc:sldMkLst>
+        <pc:spChg chg="mod">
+          <ac:chgData name="Maher Alqarra" userId="81703c0c110a5f03" providerId="LiveId" clId="{9D3084B4-3CA2-418A-BD17-12D18752C5BA}" dt="2024-03-06T14:42:15.239" v="49" actId="12"/>
+          <ac:spMkLst>
+            <pc:docMk/>
+            <pc:sldMk cId="1496602039" sldId="265"/>
+            <ac:spMk id="2" creationId="{8647FDB9-758A-42C7-C63F-498168877C40}"/>
+          </ac:spMkLst>
+        </pc:spChg>
+        <pc:picChg chg="mod">
+          <ac:chgData name="Maher Alqarra" userId="81703c0c110a5f03" providerId="LiveId" clId="{9D3084B4-3CA2-418A-BD17-12D18752C5BA}" dt="2024-03-06T14:42:28.160" v="51" actId="14100"/>
+          <ac:picMkLst>
+            <pc:docMk/>
+            <pc:sldMk cId="1496602039" sldId="265"/>
+            <ac:picMk id="7" creationId="{35D0A151-A821-D4B3-7AD0-614EF687F155}"/>
+          </ac:picMkLst>
+        </pc:picChg>
+      </pc:sldChg>
+      <pc:sldChg chg="modSp mod">
+        <pc:chgData name="Maher Alqarra" userId="81703c0c110a5f03" providerId="LiveId" clId="{9D3084B4-3CA2-418A-BD17-12D18752C5BA}" dt="2024-03-06T14:39:01.098" v="25" actId="20577"/>
+        <pc:sldMkLst>
+          <pc:docMk/>
+          <pc:sldMk cId="2978791653" sldId="267"/>
+        </pc:sldMkLst>
+        <pc:spChg chg="mod">
+          <ac:chgData name="Maher Alqarra" userId="81703c0c110a5f03" providerId="LiveId" clId="{9D3084B4-3CA2-418A-BD17-12D18752C5BA}" dt="2024-03-06T14:39:01.098" v="25" actId="20577"/>
+          <ac:spMkLst>
+            <pc:docMk/>
+            <pc:sldMk cId="2978791653" sldId="267"/>
+            <ac:spMk id="2" creationId="{5C99909C-402E-2366-10EF-772B3BAACD87}"/>
+          </ac:spMkLst>
+        </pc:spChg>
+        <pc:graphicFrameChg chg="mod modGraphic">
+          <ac:chgData name="Maher Alqarra" userId="81703c0c110a5f03" providerId="LiveId" clId="{9D3084B4-3CA2-418A-BD17-12D18752C5BA}" dt="2024-03-06T14:38:49.023" v="23" actId="14734"/>
+          <ac:graphicFrameMkLst>
+            <pc:docMk/>
+            <pc:sldMk cId="2978791653" sldId="267"/>
+            <ac:graphicFrameMk id="4" creationId="{14BDF8D7-84DC-3856-E52E-AF03DE5425BD}"/>
+          </ac:graphicFrameMkLst>
+        </pc:graphicFrameChg>
+      </pc:sldChg>
+      <pc:sldChg chg="delSp modSp add mod">
+        <pc:chgData name="Maher Alqarra" userId="81703c0c110a5f03" providerId="LiveId" clId="{9D3084B4-3CA2-418A-BD17-12D18752C5BA}" dt="2024-03-06T15:15:53.839" v="292" actId="20577"/>
+        <pc:sldMkLst>
+          <pc:docMk/>
+          <pc:sldMk cId="723903424" sldId="268"/>
+        </pc:sldMkLst>
+        <pc:spChg chg="mod">
+          <ac:chgData name="Maher Alqarra" userId="81703c0c110a5f03" providerId="LiveId" clId="{9D3084B4-3CA2-418A-BD17-12D18752C5BA}" dt="2024-03-06T15:15:53.839" v="292" actId="20577"/>
+          <ac:spMkLst>
+            <pc:docMk/>
+            <pc:sldMk cId="723903424" sldId="268"/>
+            <ac:spMk id="2" creationId="{0F9061C5-518C-EB8A-A5D8-03242A858753}"/>
+          </ac:spMkLst>
+        </pc:spChg>
+        <pc:picChg chg="del">
+          <ac:chgData name="Maher Alqarra" userId="81703c0c110a5f03" providerId="LiveId" clId="{9D3084B4-3CA2-418A-BD17-12D18752C5BA}" dt="2024-03-06T15:13:15.429" v="259" actId="478"/>
+          <ac:picMkLst>
+            <pc:docMk/>
+            <pc:sldMk cId="723903424" sldId="268"/>
+            <ac:picMk id="5" creationId="{80D8D572-3D34-3FB9-CFD6-5296409D2F40}"/>
+          </ac:picMkLst>
+        </pc:picChg>
+      </pc:sldChg>
+    </pc:docChg>
+  </pc:docChgLst>
   <pc:docChgLst>
     <pc:chgData name="Maher Alqarra" userId="81703c0c110a5f03" providerId="LiveId" clId="{62F15528-6ABD-4B3B-8FA9-687E9162CFF3}"/>
     <pc:docChg chg="undo custSel addSld delSld modSld sldOrd">
@@ -596,7 +820,7 @@
           <a:p>
             <a:fld id="{73CF6219-E6C4-487B-954F-836E2430B630}" type="datetimeFigureOut">
               <a:rPr lang="en-US" smtClean="0"/>
-              <a:t>3/5/24</a:t>
+              <a:t>3/6/2024</a:t>
             </a:fld>
             <a:endParaRPr lang="en-US"/>
           </a:p>
@@ -794,7 +1018,7 @@
           <a:p>
             <a:fld id="{73CF6219-E6C4-487B-954F-836E2430B630}" type="datetimeFigureOut">
               <a:rPr lang="en-US" smtClean="0"/>
-              <a:t>3/5/24</a:t>
+              <a:t>3/6/2024</a:t>
             </a:fld>
             <a:endParaRPr lang="en-US"/>
           </a:p>
@@ -1002,7 +1226,7 @@
           <a:p>
             <a:fld id="{73CF6219-E6C4-487B-954F-836E2430B630}" type="datetimeFigureOut">
               <a:rPr lang="en-US" smtClean="0"/>
-              <a:t>3/5/24</a:t>
+              <a:t>3/6/2024</a:t>
             </a:fld>
             <a:endParaRPr lang="en-US"/>
           </a:p>
@@ -1200,7 +1424,7 @@
           <a:p>
             <a:fld id="{73CF6219-E6C4-487B-954F-836E2430B630}" type="datetimeFigureOut">
               <a:rPr lang="en-US" smtClean="0"/>
-              <a:t>3/5/24</a:t>
+              <a:t>3/6/2024</a:t>
             </a:fld>
             <a:endParaRPr lang="en-US"/>
           </a:p>
@@ -1475,7 +1699,7 @@
           <a:p>
             <a:fld id="{73CF6219-E6C4-487B-954F-836E2430B630}" type="datetimeFigureOut">
               <a:rPr lang="en-US" smtClean="0"/>
-              <a:t>3/5/24</a:t>
+              <a:t>3/6/2024</a:t>
             </a:fld>
             <a:endParaRPr lang="en-US"/>
           </a:p>
@@ -1740,7 +1964,7 @@
           <a:p>
             <a:fld id="{73CF6219-E6C4-487B-954F-836E2430B630}" type="datetimeFigureOut">
               <a:rPr lang="en-US" smtClean="0"/>
-              <a:t>3/5/24</a:t>
+              <a:t>3/6/2024</a:t>
             </a:fld>
             <a:endParaRPr lang="en-US"/>
           </a:p>
@@ -2152,7 +2376,7 @@
           <a:p>
             <a:fld id="{73CF6219-E6C4-487B-954F-836E2430B630}" type="datetimeFigureOut">
               <a:rPr lang="en-US" smtClean="0"/>
-              <a:t>3/5/24</a:t>
+              <a:t>3/6/2024</a:t>
             </a:fld>
             <a:endParaRPr lang="en-US"/>
           </a:p>
@@ -2293,7 +2517,7 @@
           <a:p>
             <a:fld id="{73CF6219-E6C4-487B-954F-836E2430B630}" type="datetimeFigureOut">
               <a:rPr lang="en-US" smtClean="0"/>
-              <a:t>3/5/24</a:t>
+              <a:t>3/6/2024</a:t>
             </a:fld>
             <a:endParaRPr lang="en-US"/>
           </a:p>
@@ -2406,7 +2630,7 @@
           <a:p>
             <a:fld id="{73CF6219-E6C4-487B-954F-836E2430B630}" type="datetimeFigureOut">
               <a:rPr lang="en-US" smtClean="0"/>
-              <a:t>3/5/24</a:t>
+              <a:t>3/6/2024</a:t>
             </a:fld>
             <a:endParaRPr lang="en-US"/>
           </a:p>
@@ -2717,7 +2941,7 @@
           <a:p>
             <a:fld id="{73CF6219-E6C4-487B-954F-836E2430B630}" type="datetimeFigureOut">
               <a:rPr lang="en-US" smtClean="0"/>
-              <a:t>3/5/24</a:t>
+              <a:t>3/6/2024</a:t>
             </a:fld>
             <a:endParaRPr lang="en-US"/>
           </a:p>
@@ -3005,7 +3229,7 @@
           <a:p>
             <a:fld id="{73CF6219-E6C4-487B-954F-836E2430B630}" type="datetimeFigureOut">
               <a:rPr lang="en-US" smtClean="0"/>
-              <a:t>3/5/24</a:t>
+              <a:t>3/6/2024</a:t>
             </a:fld>
             <a:endParaRPr lang="en-US"/>
           </a:p>
@@ -3246,7 +3470,7 @@
           <a:p>
             <a:fld id="{73CF6219-E6C4-487B-954F-836E2430B630}" type="datetimeFigureOut">
               <a:rPr lang="en-US" smtClean="0"/>
-              <a:t>3/5/24</a:t>
+              <a:t>3/6/2024</a:t>
             </a:fld>
             <a:endParaRPr lang="en-US"/>
           </a:p>
@@ -3720,7 +3944,7 @@
         <p:spPr>
           <a:xfrm>
             <a:off x="1152144" y="548639"/>
-            <a:ext cx="9646920" cy="5324535"/>
+            <a:ext cx="9646920" cy="5047536"/>
           </a:xfrm>
           <a:prstGeom prst="rect">
             <a:avLst/>
@@ -3826,9 +4050,6 @@
           </a:p>
           <a:p>
             <a:pPr marL="0" marR="0" algn="ctr">
-              <a:lnSpc>
-                <a:spcPct val="200000"/>
-              </a:lnSpc>
               <a:spcBef>
                 <a:spcPts val="0"/>
               </a:spcBef>
@@ -3836,11 +4057,10 @@
                 <a:spcPts val="800"/>
               </a:spcAft>
             </a:pPr>
-            <a:endParaRPr lang="en-US" sz="1800" b="1" kern="100" dirty="0">
+            <a:endParaRPr lang="en-US" b="1" kern="100" dirty="0">
               <a:solidFill>
                 <a:schemeClr val="bg1"/>
               </a:solidFill>
-              <a:effectLst/>
               <a:latin typeface="Times New Roman" panose="02020603050405020304" pitchFamily="18" charset="0"/>
               <a:ea typeface="Calibri" panose="020F0502020204030204" pitchFamily="34" charset="0"/>
               <a:cs typeface="Times New Roman" panose="02020603050405020304" pitchFamily="18" charset="0"/>
@@ -3993,30 +4213,37 @@
           <p:nvPr>
             <p:extLst>
               <p:ext uri="{D42A27DB-BD31-4B8C-83A1-F6EECF244321}">
-                <p14:modId xmlns:p14="http://schemas.microsoft.com/office/powerpoint/2010/main" val="101424520"/>
+                <p14:modId xmlns:p14="http://schemas.microsoft.com/office/powerpoint/2010/main" val="3792233518"/>
               </p:ext>
             </p:extLst>
           </p:nvPr>
         </p:nvGraphicFramePr>
         <p:xfrm>
-          <a:off x="1911604" y="2831592"/>
-          <a:ext cx="8128000" cy="1112520"/>
+          <a:off x="2843530" y="2840066"/>
+          <a:ext cx="6264147" cy="741680"/>
         </p:xfrm>
         <a:graphic>
           <a:graphicData uri="http://schemas.openxmlformats.org/drawingml/2006/table">
             <a:tbl>
               <a:tblPr firstRow="1" bandRow="1">
-                <a:tableStyleId>{5940675A-B579-460E-94D1-54222C63F5DA}</a:tableStyleId>
+                <a:tableStyleId>{2D5ABB26-0587-4C30-8999-92F81FD0307C}</a:tableStyleId>
               </a:tblPr>
               <a:tblGrid>
-                <a:gridCol w="4064000">
+                <a:gridCol w="2158238">
                   <a:extLst>
                     <a:ext uri="{9D8B030D-6E8A-4147-A177-3AD203B41FA5}">
                       <a16:colId xmlns:a16="http://schemas.microsoft.com/office/drawing/2014/main" val="958454498"/>
                     </a:ext>
                   </a:extLst>
                 </a:gridCol>
-                <a:gridCol w="4064000">
+                <a:gridCol w="1975104">
+                  <a:extLst>
+                    <a:ext uri="{9D8B030D-6E8A-4147-A177-3AD203B41FA5}">
+                      <a16:colId xmlns:a16="http://schemas.microsoft.com/office/drawing/2014/main" val="3202602695"/>
+                    </a:ext>
+                  </a:extLst>
+                </a:gridCol>
+                <a:gridCol w="2130805">
                   <a:extLst>
                     <a:ext uri="{9D8B030D-6E8A-4147-A177-3AD203B41FA5}">
                       <a16:colId xmlns:a16="http://schemas.microsoft.com/office/drawing/2014/main" val="1415682149"/>
@@ -4048,26 +4275,20 @@
                         <a:defRPr/>
                       </a:pPr>
                       <a:r>
-                        <a:rPr lang="en-US" sz="1800" b="0" i="0" kern="1200" dirty="0">
+                        <a:rPr lang="en-US" sz="1800" b="0" kern="1200" dirty="0">
                           <a:solidFill>
                             <a:schemeClr val="bg1"/>
                           </a:solidFill>
                           <a:effectLst/>
-                          <a:latin typeface="+mn-lt"/>
-                          <a:ea typeface="+mn-ea"/>
-                          <a:cs typeface="Times New Roman" panose="02020603050405020304" pitchFamily="18" charset="0"/>
                         </a:rPr>
                         <a:t>Aayush </a:t>
                       </a:r>
                       <a:r>
-                        <a:rPr lang="en-US" sz="1800" b="0" i="0" kern="1200" dirty="0" err="1">
+                        <a:rPr lang="en-US" sz="1800" b="0" kern="1200" dirty="0" err="1">
                           <a:solidFill>
                             <a:schemeClr val="bg1"/>
                           </a:solidFill>
                           <a:effectLst/>
-                          <a:latin typeface="+mn-lt"/>
-                          <a:ea typeface="+mn-ea"/>
-                          <a:cs typeface="Times New Roman" panose="02020603050405020304" pitchFamily="18" charset="0"/>
                         </a:rPr>
                         <a:t>Chhaperwal</a:t>
                       </a:r>
@@ -4105,26 +4326,60 @@
                         <a:defRPr/>
                       </a:pPr>
                       <a:r>
-                        <a:rPr lang="en-US" sz="1800" b="0" i="0" kern="1200" dirty="0" err="1">
+                        <a:rPr lang="en-US" dirty="0">
+                          <a:solidFill>
+                            <a:schemeClr val="bg1"/>
+                          </a:solidFill>
+                        </a:rPr>
+                        <a:t>I Lun Wu</a:t>
+                      </a:r>
+                      <a:endParaRPr lang="en-US" dirty="0">
+                        <a:solidFill>
+                          <a:schemeClr val="bg1"/>
+                        </a:solidFill>
+                        <a:latin typeface="+mn-lt"/>
+                      </a:endParaRPr>
+                    </a:p>
+                  </a:txBody>
+                  <a:tcPr/>
+                </a:tc>
+                <a:tc>
+                  <a:txBody>
+                    <a:bodyPr/>
+                    <a:lstStyle/>
+                    <a:p>
+                      <a:pPr marL="0" marR="0" lvl="0" indent="0" algn="ctr" defTabSz="914400" rtl="0" eaLnBrk="1" fontAlgn="auto" latinLnBrk="0" hangingPunct="1">
+                        <a:lnSpc>
+                          <a:spcPct val="100000"/>
+                        </a:lnSpc>
+                        <a:spcBef>
+                          <a:spcPts val="0"/>
+                        </a:spcBef>
+                        <a:spcAft>
+                          <a:spcPts val="0"/>
+                        </a:spcAft>
+                        <a:buClrTx/>
+                        <a:buSzTx/>
+                        <a:buFontTx/>
+                        <a:buNone/>
+                        <a:tabLst/>
+                        <a:defRPr/>
+                      </a:pPr>
+                      <a:r>
+                        <a:rPr lang="en-US" sz="1800" b="0" kern="1200" dirty="0" err="1">
                           <a:solidFill>
                             <a:schemeClr val="bg1"/>
                           </a:solidFill>
                           <a:effectLst/>
-                          <a:latin typeface="+mn-lt"/>
-                          <a:ea typeface="+mn-ea"/>
-                          <a:cs typeface="Times New Roman" panose="02020603050405020304" pitchFamily="18" charset="0"/>
                         </a:rPr>
                         <a:t>Jash</a:t>
                       </a:r>
                       <a:r>
-                        <a:rPr lang="en-US" sz="1800" b="0" i="0" kern="1200" dirty="0">
+                        <a:rPr lang="en-US" sz="1800" b="0" kern="1200" dirty="0">
                           <a:solidFill>
                             <a:schemeClr val="bg1"/>
                           </a:solidFill>
                           <a:effectLst/>
-                          <a:latin typeface="+mn-lt"/>
-                          <a:ea typeface="+mn-ea"/>
-                          <a:cs typeface="Times New Roman" panose="02020603050405020304" pitchFamily="18" charset="0"/>
                         </a:rPr>
                         <a:t> Bikash</a:t>
                       </a:r>
@@ -4169,17 +4424,47 @@
                         <a:defRPr/>
                       </a:pPr>
                       <a:r>
-                        <a:rPr lang="en-US" sz="1800" b="0" i="0" kern="1200" dirty="0">
+                        <a:rPr lang="en-US" sz="1800" b="0" kern="1200" dirty="0">
                           <a:solidFill>
                             <a:schemeClr val="bg1"/>
                           </a:solidFill>
                           <a:effectLst/>
-                          <a:latin typeface="+mn-lt"/>
-                          <a:ea typeface="+mn-ea"/>
-                          <a:cs typeface="Times New Roman" panose="02020603050405020304" pitchFamily="18" charset="0"/>
                         </a:rPr>
                         <a:t>Johnny Nguyen </a:t>
                       </a:r>
+                      <a:endParaRPr lang="en-US" b="0" dirty="0">
+                        <a:solidFill>
+                          <a:schemeClr val="bg1"/>
+                        </a:solidFill>
+                        <a:latin typeface="+mn-lt"/>
+                        <a:cs typeface="Times New Roman" panose="02020603050405020304" pitchFamily="18" charset="0"/>
+                      </a:endParaRPr>
+                    </a:p>
+                  </a:txBody>
+                  <a:tcPr/>
+                </a:tc>
+                <a:tc>
+                  <a:txBody>
+                    <a:bodyPr/>
+                    <a:lstStyle/>
+                    <a:p>
+                      <a:pPr marL="0" marR="0" lvl="0" indent="0" algn="ctr" defTabSz="914400" rtl="0" eaLnBrk="1" fontAlgn="auto" latinLnBrk="0" hangingPunct="1">
+                        <a:lnSpc>
+                          <a:spcPct val="100000"/>
+                        </a:lnSpc>
+                        <a:spcBef>
+                          <a:spcPts val="0"/>
+                        </a:spcBef>
+                        <a:spcAft>
+                          <a:spcPts val="0"/>
+                        </a:spcAft>
+                        <a:buClrTx/>
+                        <a:buSzTx/>
+                        <a:buFontTx/>
+                        <a:buNone/>
+                        <a:tabLst/>
+                        <a:defRPr/>
+                      </a:pPr>
                       <a:endParaRPr lang="en-US" b="0" dirty="0">
                         <a:solidFill>
                           <a:schemeClr val="bg1"/>
@@ -4218,11 +4503,16 @@
                           <a:solidFill>
                             <a:schemeClr val="bg1"/>
                           </a:solidFill>
-                          <a:latin typeface="+mn-lt"/>
-                          <a:cs typeface="Times New Roman" panose="02020603050405020304" pitchFamily="18" charset="0"/>
                         </a:rPr>
                         <a:t>Maher Alqarra </a:t>
                       </a:r>
+                      <a:endParaRPr lang="en-US" b="0" dirty="0">
+                        <a:solidFill>
+                          <a:schemeClr val="bg1"/>
+                        </a:solidFill>
+                        <a:latin typeface="+mn-lt"/>
+                        <a:cs typeface="Times New Roman" panose="02020603050405020304" pitchFamily="18" charset="0"/>
+                      </a:endParaRPr>
                     </a:p>
                   </a:txBody>
                   <a:tcPr/>
@@ -4230,66 +4520,6 @@
                 <a:extLst>
                   <a:ext uri="{0D108BD9-81ED-4DB2-BD59-A6C34878D82A}">
                     <a16:rowId xmlns:a16="http://schemas.microsoft.com/office/drawing/2014/main" val="174610995"/>
-                  </a:ext>
-                </a:extLst>
-              </a:tr>
-              <a:tr h="370840">
-                <a:tc>
-                  <a:txBody>
-                    <a:bodyPr/>
-                    <a:lstStyle/>
-                    <a:p>
-                      <a:pPr algn="ctr"/>
-                      <a:r>
-                        <a:rPr lang="en-US" dirty="0">
-                          <a:solidFill>
-                            <a:schemeClr val="bg1"/>
-                          </a:solidFill>
-                          <a:latin typeface="+mn-lt"/>
-                        </a:rPr>
-                        <a:t>I </a:t>
-                      </a:r>
-                      <a:r>
-                        <a:rPr lang="en-US" dirty="0" err="1">
-                          <a:solidFill>
-                            <a:schemeClr val="bg1"/>
-                          </a:solidFill>
-                          <a:latin typeface="+mn-lt"/>
-                        </a:rPr>
-                        <a:t>Lun</a:t>
-                      </a:r>
-                      <a:r>
-                        <a:rPr lang="en-US" dirty="0">
-                          <a:solidFill>
-                            <a:schemeClr val="bg1"/>
-                          </a:solidFill>
-                          <a:latin typeface="+mn-lt"/>
-                        </a:rPr>
-                        <a:t> Wu</a:t>
-                      </a:r>
-                    </a:p>
-                  </a:txBody>
-                  <a:tcPr/>
-                </a:tc>
-                <a:tc>
-                  <a:txBody>
-                    <a:bodyPr/>
-                    <a:lstStyle/>
-                    <a:p>
-                      <a:pPr algn="ctr"/>
-                      <a:endParaRPr lang="en-US" dirty="0">
-                        <a:solidFill>
-                          <a:schemeClr val="bg1"/>
-                        </a:solidFill>
-                        <a:latin typeface="+mn-lt"/>
-                      </a:endParaRPr>
-                    </a:p>
-                  </a:txBody>
-                  <a:tcPr/>
-                </a:tc>
-                <a:extLst>
-                  <a:ext uri="{0D108BD9-81ED-4DB2-BD59-A6C34878D82A}">
-                    <a16:rowId xmlns:a16="http://schemas.microsoft.com/office/drawing/2014/main" val="2111058151"/>
                   </a:ext>
                 </a:extLst>
               </a:tr>
@@ -4361,7 +4591,7 @@
         </p:blipFill>
         <p:spPr>
           <a:xfrm>
-            <a:off x="0" y="-82296"/>
+            <a:off x="-9144" y="-91440"/>
             <a:ext cx="12192000" cy="6940296"/>
           </a:xfrm>
           <a:prstGeom prst="rect">
@@ -4369,6 +4599,1024 @@
           </a:prstGeom>
         </p:spPr>
       </p:pic>
+      <p:sp>
+        <p:nvSpPr>
+          <p:cNvPr id="2" name="TextBox 1">
+            <a:extLst>
+              <a:ext uri="{FF2B5EF4-FFF2-40B4-BE49-F238E27FC236}">
+                <a16:creationId xmlns:a16="http://schemas.microsoft.com/office/drawing/2014/main" id="{4E3B6310-C263-82D3-3175-41C4EF0699A6}"/>
+              </a:ext>
+            </a:extLst>
+          </p:cNvPr>
+          <p:cNvSpPr txBox="1"/>
+          <p:nvPr/>
+        </p:nvSpPr>
+        <p:spPr>
+          <a:xfrm>
+            <a:off x="667512" y="448056"/>
+            <a:ext cx="10579608" cy="3170099"/>
+          </a:xfrm>
+          <a:prstGeom prst="rect">
+            <a:avLst/>
+          </a:prstGeom>
+          <a:noFill/>
+        </p:spPr>
+        <p:txBody>
+          <a:bodyPr wrap="square" rtlCol="0">
+            <a:spAutoFit/>
+          </a:bodyPr>
+          <a:lstStyle/>
+          <a:p>
+            <a:pPr algn="ctr"/>
+            <a:r>
+              <a:rPr lang="en-US" b="1" i="0" dirty="0">
+                <a:solidFill>
+                  <a:schemeClr val="bg1"/>
+                </a:solidFill>
+                <a:effectLst/>
+                <a:latin typeface="Söhne"/>
+              </a:rPr>
+              <a:t>Top Technology Companies Analysis</a:t>
+            </a:r>
+          </a:p>
+          <a:p>
+            <a:endParaRPr lang="en-US" b="1" dirty="0">
+              <a:solidFill>
+                <a:schemeClr val="bg1"/>
+              </a:solidFill>
+              <a:latin typeface="Söhne"/>
+            </a:endParaRPr>
+          </a:p>
+          <a:p>
+            <a:r>
+              <a:rPr lang="en-US" sz="2000" b="1" i="0" dirty="0">
+                <a:solidFill>
+                  <a:schemeClr val="accent2">
+                    <a:lumMod val="60000"/>
+                    <a:lumOff val="40000"/>
+                  </a:schemeClr>
+                </a:solidFill>
+                <a:effectLst/>
+                <a:latin typeface="Söhne"/>
+              </a:rPr>
+              <a:t>Selection Criteria:</a:t>
+            </a:r>
+          </a:p>
+          <a:p>
+            <a:pPr marL="285750" indent="-285750">
+              <a:buFont typeface="Wingdings" panose="05000000000000000000" pitchFamily="2" charset="2"/>
+              <a:buChar char="Ø"/>
+            </a:pPr>
+            <a:r>
+              <a:rPr lang="en-US" b="0" i="0" dirty="0">
+                <a:solidFill>
+                  <a:schemeClr val="bg1"/>
+                </a:solidFill>
+                <a:effectLst/>
+                <a:latin typeface="Söhne"/>
+              </a:rPr>
+              <a:t>Market size, Cash dividends, Dividend-to-price ratio.</a:t>
+            </a:r>
+          </a:p>
+          <a:p>
+            <a:endParaRPr lang="en-US" dirty="0">
+              <a:solidFill>
+                <a:schemeClr val="bg1"/>
+              </a:solidFill>
+              <a:latin typeface="Söhne"/>
+            </a:endParaRPr>
+          </a:p>
+          <a:p>
+            <a:r>
+              <a:rPr lang="en-US" b="1" i="0" dirty="0">
+                <a:solidFill>
+                  <a:schemeClr val="accent2">
+                    <a:lumMod val="60000"/>
+                    <a:lumOff val="40000"/>
+                  </a:schemeClr>
+                </a:solidFill>
+                <a:effectLst/>
+                <a:latin typeface="Söhne"/>
+              </a:rPr>
+              <a:t>The result:</a:t>
+            </a:r>
+          </a:p>
+          <a:p>
+            <a:pPr marL="285750" indent="-285750">
+              <a:buFont typeface="Wingdings" panose="05000000000000000000" pitchFamily="2" charset="2"/>
+              <a:buChar char="Ø"/>
+            </a:pPr>
+            <a:r>
+              <a:rPr lang="en-US" b="0" i="0" dirty="0">
+                <a:solidFill>
+                  <a:schemeClr val="bg1"/>
+                </a:solidFill>
+                <a:effectLst/>
+                <a:latin typeface="Söhne"/>
+              </a:rPr>
+              <a:t>Display of top 15 technology companies based on composite score:</a:t>
+            </a:r>
+          </a:p>
+          <a:p>
+            <a:pPr marL="285750" indent="-285750">
+              <a:buFont typeface="Wingdings" panose="05000000000000000000" pitchFamily="2" charset="2"/>
+              <a:buChar char="Ø"/>
+            </a:pPr>
+            <a:endParaRPr lang="en-US" dirty="0">
+              <a:solidFill>
+                <a:schemeClr val="bg1"/>
+              </a:solidFill>
+              <a:latin typeface="Söhne"/>
+            </a:endParaRPr>
+          </a:p>
+          <a:p>
+            <a:endParaRPr lang="en-US" b="0" i="0" dirty="0">
+              <a:solidFill>
+                <a:schemeClr val="bg1"/>
+              </a:solidFill>
+              <a:effectLst/>
+              <a:latin typeface="Söhne"/>
+            </a:endParaRPr>
+          </a:p>
+          <a:p>
+            <a:endParaRPr lang="en-US" b="0" i="0" dirty="0">
+              <a:solidFill>
+                <a:schemeClr val="bg1"/>
+              </a:solidFill>
+              <a:effectLst/>
+              <a:latin typeface="Söhne"/>
+            </a:endParaRPr>
+          </a:p>
+          <a:p>
+            <a:endParaRPr lang="en-US" dirty="0">
+              <a:solidFill>
+                <a:schemeClr val="bg1"/>
+              </a:solidFill>
+            </a:endParaRPr>
+          </a:p>
+        </p:txBody>
+      </p:sp>
+      <p:graphicFrame>
+        <p:nvGraphicFramePr>
+          <p:cNvPr id="4" name="Table 3">
+            <a:extLst>
+              <a:ext uri="{FF2B5EF4-FFF2-40B4-BE49-F238E27FC236}">
+                <a16:creationId xmlns:a16="http://schemas.microsoft.com/office/drawing/2014/main" id="{623B552B-49E2-8BEA-DA0D-0D4A12F8A319}"/>
+              </a:ext>
+            </a:extLst>
+          </p:cNvPr>
+          <p:cNvGraphicFramePr>
+            <a:graphicFrameLocks noGrp="1"/>
+          </p:cNvGraphicFramePr>
+          <p:nvPr>
+            <p:extLst>
+              <p:ext uri="{D42A27DB-BD31-4B8C-83A1-F6EECF244321}">
+                <p14:modId xmlns:p14="http://schemas.microsoft.com/office/powerpoint/2010/main" val="1865773371"/>
+              </p:ext>
+            </p:extLst>
+          </p:nvPr>
+        </p:nvGraphicFramePr>
+        <p:xfrm>
+          <a:off x="1401064" y="2667338"/>
+          <a:ext cx="8949944" cy="3337560"/>
+        </p:xfrm>
+        <a:graphic>
+          <a:graphicData uri="http://schemas.openxmlformats.org/drawingml/2006/table">
+            <a:tbl>
+              <a:tblPr firstRow="1" bandRow="1">
+                <a:tableStyleId>{3B4B98B0-60AC-42C2-AFA5-B58CD77FA1E5}</a:tableStyleId>
+              </a:tblPr>
+              <a:tblGrid>
+                <a:gridCol w="546608">
+                  <a:extLst>
+                    <a:ext uri="{9D8B030D-6E8A-4147-A177-3AD203B41FA5}">
+                      <a16:colId xmlns:a16="http://schemas.microsoft.com/office/drawing/2014/main" val="1219554900"/>
+                    </a:ext>
+                  </a:extLst>
+                </a:gridCol>
+                <a:gridCol w="3928364">
+                  <a:extLst>
+                    <a:ext uri="{9D8B030D-6E8A-4147-A177-3AD203B41FA5}">
+                      <a16:colId xmlns:a16="http://schemas.microsoft.com/office/drawing/2014/main" val="2840744226"/>
+                    </a:ext>
+                  </a:extLst>
+                </a:gridCol>
+                <a:gridCol w="594332">
+                  <a:extLst>
+                    <a:ext uri="{9D8B030D-6E8A-4147-A177-3AD203B41FA5}">
+                      <a16:colId xmlns:a16="http://schemas.microsoft.com/office/drawing/2014/main" val="1714338164"/>
+                    </a:ext>
+                  </a:extLst>
+                </a:gridCol>
+                <a:gridCol w="3880640">
+                  <a:extLst>
+                    <a:ext uri="{9D8B030D-6E8A-4147-A177-3AD203B41FA5}">
+                      <a16:colId xmlns:a16="http://schemas.microsoft.com/office/drawing/2014/main" val="2835974423"/>
+                    </a:ext>
+                  </a:extLst>
+                </a:gridCol>
+              </a:tblGrid>
+              <a:tr h="370840">
+                <a:tc>
+                  <a:txBody>
+                    <a:bodyPr/>
+                    <a:lstStyle/>
+                    <a:p>
+                      <a:pPr algn="ctr"/>
+                      <a:r>
+                        <a:rPr lang="en-US" dirty="0">
+                          <a:solidFill>
+                            <a:schemeClr val="accent4">
+                              <a:lumMod val="40000"/>
+                              <a:lumOff val="60000"/>
+                            </a:schemeClr>
+                          </a:solidFill>
+                        </a:rPr>
+                        <a:t>#</a:t>
+                      </a:r>
+                    </a:p>
+                  </a:txBody>
+                  <a:tcPr/>
+                </a:tc>
+                <a:tc>
+                  <a:txBody>
+                    <a:bodyPr/>
+                    <a:lstStyle/>
+                    <a:p>
+                      <a:pPr algn="ctr"/>
+                      <a:r>
+                        <a:rPr lang="en-US" dirty="0">
+                          <a:solidFill>
+                            <a:schemeClr val="accent4">
+                              <a:lumMod val="40000"/>
+                              <a:lumOff val="60000"/>
+                            </a:schemeClr>
+                          </a:solidFill>
+                        </a:rPr>
+                        <a:t>Company name</a:t>
+                      </a:r>
+                    </a:p>
+                  </a:txBody>
+                  <a:tcPr/>
+                </a:tc>
+                <a:tc>
+                  <a:txBody>
+                    <a:bodyPr/>
+                    <a:lstStyle/>
+                    <a:p>
+                      <a:pPr algn="ctr"/>
+                      <a:r>
+                        <a:rPr lang="en-US" dirty="0">
+                          <a:solidFill>
+                            <a:schemeClr val="accent4">
+                              <a:lumMod val="40000"/>
+                              <a:lumOff val="60000"/>
+                            </a:schemeClr>
+                          </a:solidFill>
+                        </a:rPr>
+                        <a:t>#</a:t>
+                      </a:r>
+                    </a:p>
+                  </a:txBody>
+                  <a:tcPr/>
+                </a:tc>
+                <a:tc>
+                  <a:txBody>
+                    <a:bodyPr/>
+                    <a:lstStyle/>
+                    <a:p>
+                      <a:pPr marL="0" marR="0" lvl="0" indent="0" algn="ctr" defTabSz="914400" rtl="0" eaLnBrk="1" fontAlgn="auto" latinLnBrk="0" hangingPunct="1">
+                        <a:lnSpc>
+                          <a:spcPct val="100000"/>
+                        </a:lnSpc>
+                        <a:spcBef>
+                          <a:spcPts val="0"/>
+                        </a:spcBef>
+                        <a:spcAft>
+                          <a:spcPts val="0"/>
+                        </a:spcAft>
+                        <a:buClrTx/>
+                        <a:buSzTx/>
+                        <a:buFontTx/>
+                        <a:buNone/>
+                        <a:tabLst/>
+                        <a:defRPr/>
+                      </a:pPr>
+                      <a:r>
+                        <a:rPr lang="en-US" dirty="0">
+                          <a:solidFill>
+                            <a:schemeClr val="accent4">
+                              <a:lumMod val="40000"/>
+                              <a:lumOff val="60000"/>
+                            </a:schemeClr>
+                          </a:solidFill>
+                        </a:rPr>
+                        <a:t>Company name</a:t>
+                      </a:r>
+                    </a:p>
+                  </a:txBody>
+                  <a:tcPr/>
+                </a:tc>
+                <a:extLst>
+                  <a:ext uri="{0D108BD9-81ED-4DB2-BD59-A6C34878D82A}">
+                    <a16:rowId xmlns:a16="http://schemas.microsoft.com/office/drawing/2014/main" val="4043958336"/>
+                  </a:ext>
+                </a:extLst>
+              </a:tr>
+              <a:tr h="370840">
+                <a:tc>
+                  <a:txBody>
+                    <a:bodyPr/>
+                    <a:lstStyle/>
+                    <a:p>
+                      <a:pPr algn="ctr"/>
+                      <a:r>
+                        <a:rPr lang="en-US" b="1" dirty="0">
+                          <a:solidFill>
+                            <a:schemeClr val="bg1"/>
+                          </a:solidFill>
+                        </a:rPr>
+                        <a:t>01</a:t>
+                      </a:r>
+                    </a:p>
+                  </a:txBody>
+                  <a:tcPr/>
+                </a:tc>
+                <a:tc>
+                  <a:txBody>
+                    <a:bodyPr/>
+                    <a:lstStyle/>
+                    <a:p>
+                      <a:r>
+                        <a:rPr lang="en-US" b="1" dirty="0">
+                          <a:solidFill>
+                            <a:schemeClr val="bg1"/>
+                          </a:solidFill>
+                        </a:rPr>
+                        <a:t>Apple (Mexico)</a:t>
+                      </a:r>
+                    </a:p>
+                  </a:txBody>
+                  <a:tcPr/>
+                </a:tc>
+                <a:tc>
+                  <a:txBody>
+                    <a:bodyPr/>
+                    <a:lstStyle/>
+                    <a:p>
+                      <a:pPr algn="ctr"/>
+                      <a:r>
+                        <a:rPr lang="en-US" b="1" dirty="0">
+                          <a:solidFill>
+                            <a:schemeClr val="bg1"/>
+                          </a:solidFill>
+                        </a:rPr>
+                        <a:t>02</a:t>
+                      </a:r>
+                    </a:p>
+                  </a:txBody>
+                  <a:tcPr/>
+                </a:tc>
+                <a:tc>
+                  <a:txBody>
+                    <a:bodyPr/>
+                    <a:lstStyle/>
+                    <a:p>
+                      <a:pPr marL="0" marR="0" lvl="0" indent="0" algn="l" defTabSz="914400" rtl="0" eaLnBrk="1" fontAlgn="auto" latinLnBrk="0" hangingPunct="1">
+                        <a:lnSpc>
+                          <a:spcPct val="100000"/>
+                        </a:lnSpc>
+                        <a:spcBef>
+                          <a:spcPts val="0"/>
+                        </a:spcBef>
+                        <a:spcAft>
+                          <a:spcPts val="0"/>
+                        </a:spcAft>
+                        <a:buClrTx/>
+                        <a:buSzTx/>
+                        <a:buFontTx/>
+                        <a:buNone/>
+                        <a:tabLst/>
+                        <a:defRPr/>
+                      </a:pPr>
+                      <a:r>
+                        <a:rPr lang="en-US" b="1" dirty="0">
+                          <a:solidFill>
+                            <a:schemeClr val="bg1"/>
+                          </a:solidFill>
+                        </a:rPr>
+                        <a:t>NVIDIA (Mexico)</a:t>
+                      </a:r>
+                    </a:p>
+                  </a:txBody>
+                  <a:tcPr/>
+                </a:tc>
+                <a:extLst>
+                  <a:ext uri="{0D108BD9-81ED-4DB2-BD59-A6C34878D82A}">
+                    <a16:rowId xmlns:a16="http://schemas.microsoft.com/office/drawing/2014/main" val="2756047532"/>
+                  </a:ext>
+                </a:extLst>
+              </a:tr>
+              <a:tr h="370840">
+                <a:tc>
+                  <a:txBody>
+                    <a:bodyPr/>
+                    <a:lstStyle/>
+                    <a:p>
+                      <a:pPr algn="ctr"/>
+                      <a:r>
+                        <a:rPr lang="en-US" b="1" dirty="0">
+                          <a:solidFill>
+                            <a:schemeClr val="bg1"/>
+                          </a:solidFill>
+                        </a:rPr>
+                        <a:t>03</a:t>
+                      </a:r>
+                    </a:p>
+                  </a:txBody>
+                  <a:tcPr/>
+                </a:tc>
+                <a:tc>
+                  <a:txBody>
+                    <a:bodyPr/>
+                    <a:lstStyle/>
+                    <a:p>
+                      <a:r>
+                        <a:rPr lang="en-US" b="1" dirty="0">
+                          <a:solidFill>
+                            <a:schemeClr val="bg1"/>
+                          </a:solidFill>
+                        </a:rPr>
+                        <a:t>Oracle (Mexico)</a:t>
+                      </a:r>
+                    </a:p>
+                  </a:txBody>
+                  <a:tcPr/>
+                </a:tc>
+                <a:tc>
+                  <a:txBody>
+                    <a:bodyPr/>
+                    <a:lstStyle/>
+                    <a:p>
+                      <a:pPr algn="ctr"/>
+                      <a:r>
+                        <a:rPr lang="en-US" b="1" dirty="0">
+                          <a:solidFill>
+                            <a:schemeClr val="bg1"/>
+                          </a:solidFill>
+                        </a:rPr>
+                        <a:t>04</a:t>
+                      </a:r>
+                    </a:p>
+                  </a:txBody>
+                  <a:tcPr/>
+                </a:tc>
+                <a:tc>
+                  <a:txBody>
+                    <a:bodyPr/>
+                    <a:lstStyle/>
+                    <a:p>
+                      <a:r>
+                        <a:rPr lang="en-US" b="1" dirty="0">
+                          <a:solidFill>
+                            <a:schemeClr val="bg1"/>
+                          </a:solidFill>
+                        </a:rPr>
+                        <a:t>Qualcomm (Italy)</a:t>
+                      </a:r>
+                    </a:p>
+                  </a:txBody>
+                  <a:tcPr/>
+                </a:tc>
+                <a:extLst>
+                  <a:ext uri="{0D108BD9-81ED-4DB2-BD59-A6C34878D82A}">
+                    <a16:rowId xmlns:a16="http://schemas.microsoft.com/office/drawing/2014/main" val="1532514389"/>
+                  </a:ext>
+                </a:extLst>
+              </a:tr>
+              <a:tr h="370840">
+                <a:tc>
+                  <a:txBody>
+                    <a:bodyPr/>
+                    <a:lstStyle/>
+                    <a:p>
+                      <a:pPr algn="ctr"/>
+                      <a:r>
+                        <a:rPr lang="en-US" b="1" dirty="0">
+                          <a:solidFill>
+                            <a:schemeClr val="bg1"/>
+                          </a:solidFill>
+                        </a:rPr>
+                        <a:t>05</a:t>
+                      </a:r>
+                    </a:p>
+                  </a:txBody>
+                  <a:tcPr/>
+                </a:tc>
+                <a:tc>
+                  <a:txBody>
+                    <a:bodyPr/>
+                    <a:lstStyle/>
+                    <a:p>
+                      <a:r>
+                        <a:rPr lang="en-US" b="1" dirty="0">
+                          <a:solidFill>
+                            <a:schemeClr val="bg1"/>
+                          </a:solidFill>
+                        </a:rPr>
+                        <a:t>Nokia </a:t>
+                      </a:r>
+                      <a:r>
+                        <a:rPr lang="en-US" b="1" dirty="0" err="1">
+                          <a:solidFill>
+                            <a:schemeClr val="bg1"/>
+                          </a:solidFill>
+                        </a:rPr>
+                        <a:t>Oyj</a:t>
+                      </a:r>
+                      <a:r>
+                        <a:rPr lang="en-US" b="1" dirty="0">
+                          <a:solidFill>
+                            <a:schemeClr val="bg1"/>
+                          </a:solidFill>
+                        </a:rPr>
+                        <a:t> (France)</a:t>
+                      </a:r>
+                    </a:p>
+                  </a:txBody>
+                  <a:tcPr/>
+                </a:tc>
+                <a:tc>
+                  <a:txBody>
+                    <a:bodyPr/>
+                    <a:lstStyle/>
+                    <a:p>
+                      <a:pPr algn="ctr"/>
+                      <a:r>
+                        <a:rPr lang="en-US" b="1" dirty="0">
+                          <a:solidFill>
+                            <a:schemeClr val="bg1"/>
+                          </a:solidFill>
+                        </a:rPr>
+                        <a:t>06</a:t>
+                      </a:r>
+                    </a:p>
+                  </a:txBody>
+                  <a:tcPr/>
+                </a:tc>
+                <a:tc>
+                  <a:txBody>
+                    <a:bodyPr/>
+                    <a:lstStyle/>
+                    <a:p>
+                      <a:r>
+                        <a:rPr lang="en-US" b="1" dirty="0" err="1">
+                          <a:solidFill>
+                            <a:schemeClr val="bg1"/>
+                          </a:solidFill>
+                        </a:rPr>
+                        <a:t>Rakus</a:t>
+                      </a:r>
+                      <a:r>
+                        <a:rPr lang="en-US" b="1" dirty="0">
+                          <a:solidFill>
+                            <a:schemeClr val="bg1"/>
+                          </a:solidFill>
+                        </a:rPr>
+                        <a:t> Co Ltd (Japan)</a:t>
+                      </a:r>
+                    </a:p>
+                  </a:txBody>
+                  <a:tcPr/>
+                </a:tc>
+                <a:extLst>
+                  <a:ext uri="{0D108BD9-81ED-4DB2-BD59-A6C34878D82A}">
+                    <a16:rowId xmlns:a16="http://schemas.microsoft.com/office/drawing/2014/main" val="3870214060"/>
+                  </a:ext>
+                </a:extLst>
+              </a:tr>
+              <a:tr h="370840">
+                <a:tc>
+                  <a:txBody>
+                    <a:bodyPr/>
+                    <a:lstStyle/>
+                    <a:p>
+                      <a:pPr algn="ctr"/>
+                      <a:r>
+                        <a:rPr lang="en-US" b="1" dirty="0">
+                          <a:solidFill>
+                            <a:schemeClr val="bg1"/>
+                          </a:solidFill>
+                        </a:rPr>
+                        <a:t>07</a:t>
+                      </a:r>
+                    </a:p>
+                  </a:txBody>
+                  <a:tcPr/>
+                </a:tc>
+                <a:tc>
+                  <a:txBody>
+                    <a:bodyPr/>
+                    <a:lstStyle/>
+                    <a:p>
+                      <a:r>
+                        <a:rPr lang="en-US" b="1" dirty="0">
+                          <a:solidFill>
+                            <a:schemeClr val="bg1"/>
+                          </a:solidFill>
+                        </a:rPr>
+                        <a:t>SAP (Italy)</a:t>
+                      </a:r>
+                    </a:p>
+                  </a:txBody>
+                  <a:tcPr/>
+                </a:tc>
+                <a:tc>
+                  <a:txBody>
+                    <a:bodyPr/>
+                    <a:lstStyle/>
+                    <a:p>
+                      <a:pPr algn="ctr"/>
+                      <a:r>
+                        <a:rPr lang="en-US" b="1" dirty="0">
+                          <a:solidFill>
+                            <a:schemeClr val="bg1"/>
+                          </a:solidFill>
+                        </a:rPr>
+                        <a:t>08</a:t>
+                      </a:r>
+                    </a:p>
+                  </a:txBody>
+                  <a:tcPr/>
+                </a:tc>
+                <a:tc>
+                  <a:txBody>
+                    <a:bodyPr/>
+                    <a:lstStyle/>
+                    <a:p>
+                      <a:r>
+                        <a:rPr lang="en-US" b="1" dirty="0">
+                          <a:solidFill>
+                            <a:schemeClr val="bg1"/>
+                          </a:solidFill>
+                        </a:rPr>
+                        <a:t>Infomart (Japan)</a:t>
+                      </a:r>
+                    </a:p>
+                  </a:txBody>
+                  <a:tcPr/>
+                </a:tc>
+                <a:extLst>
+                  <a:ext uri="{0D108BD9-81ED-4DB2-BD59-A6C34878D82A}">
+                    <a16:rowId xmlns:a16="http://schemas.microsoft.com/office/drawing/2014/main" val="3438278301"/>
+                  </a:ext>
+                </a:extLst>
+              </a:tr>
+              <a:tr h="370840">
+                <a:tc>
+                  <a:txBody>
+                    <a:bodyPr/>
+                    <a:lstStyle/>
+                    <a:p>
+                      <a:pPr algn="ctr"/>
+                      <a:r>
+                        <a:rPr lang="en-US" b="1" dirty="0">
+                          <a:solidFill>
+                            <a:schemeClr val="bg1"/>
+                          </a:solidFill>
+                        </a:rPr>
+                        <a:t>09</a:t>
+                      </a:r>
+                    </a:p>
+                  </a:txBody>
+                  <a:tcPr/>
+                </a:tc>
+                <a:tc>
+                  <a:txBody>
+                    <a:bodyPr/>
+                    <a:lstStyle/>
+                    <a:p>
+                      <a:r>
+                        <a:rPr lang="en-US" b="1" dirty="0">
+                          <a:solidFill>
+                            <a:schemeClr val="bg1"/>
+                          </a:solidFill>
+                        </a:rPr>
+                        <a:t>Panasonic (United Kingdom)</a:t>
+                      </a:r>
+                    </a:p>
+                  </a:txBody>
+                  <a:tcPr/>
+                </a:tc>
+                <a:tc>
+                  <a:txBody>
+                    <a:bodyPr/>
+                    <a:lstStyle/>
+                    <a:p>
+                      <a:pPr algn="ctr"/>
+                      <a:r>
+                        <a:rPr lang="en-US" b="1" dirty="0">
+                          <a:solidFill>
+                            <a:schemeClr val="bg1"/>
+                          </a:solidFill>
+                        </a:rPr>
+                        <a:t>10</a:t>
+                      </a:r>
+                    </a:p>
+                  </a:txBody>
+                  <a:tcPr/>
+                </a:tc>
+                <a:tc>
+                  <a:txBody>
+                    <a:bodyPr/>
+                    <a:lstStyle/>
+                    <a:p>
+                      <a:r>
+                        <a:rPr lang="en-US" b="1" dirty="0">
+                          <a:solidFill>
+                            <a:schemeClr val="bg1"/>
+                          </a:solidFill>
+                        </a:rPr>
+                        <a:t>Broadcom (Brazil)</a:t>
+                      </a:r>
+                    </a:p>
+                  </a:txBody>
+                  <a:tcPr/>
+                </a:tc>
+                <a:extLst>
+                  <a:ext uri="{0D108BD9-81ED-4DB2-BD59-A6C34878D82A}">
+                    <a16:rowId xmlns:a16="http://schemas.microsoft.com/office/drawing/2014/main" val="2776818959"/>
+                  </a:ext>
+                </a:extLst>
+              </a:tr>
+              <a:tr h="370840">
+                <a:tc>
+                  <a:txBody>
+                    <a:bodyPr/>
+                    <a:lstStyle/>
+                    <a:p>
+                      <a:pPr algn="ctr"/>
+                      <a:r>
+                        <a:rPr lang="en-US" b="1" dirty="0">
+                          <a:solidFill>
+                            <a:schemeClr val="bg1"/>
+                          </a:solidFill>
+                        </a:rPr>
+                        <a:t>11</a:t>
+                      </a:r>
+                    </a:p>
+                  </a:txBody>
+                  <a:tcPr/>
+                </a:tc>
+                <a:tc>
+                  <a:txBody>
+                    <a:bodyPr/>
+                    <a:lstStyle/>
+                    <a:p>
+                      <a:r>
+                        <a:rPr lang="en-US" b="1" dirty="0">
+                          <a:solidFill>
+                            <a:schemeClr val="bg1"/>
+                          </a:solidFill>
+                        </a:rPr>
+                        <a:t>Fast Accounting (Japan)</a:t>
+                      </a:r>
+                    </a:p>
+                  </a:txBody>
+                  <a:tcPr/>
+                </a:tc>
+                <a:tc>
+                  <a:txBody>
+                    <a:bodyPr/>
+                    <a:lstStyle/>
+                    <a:p>
+                      <a:pPr algn="ctr"/>
+                      <a:r>
+                        <a:rPr lang="en-US" b="1" dirty="0">
+                          <a:solidFill>
+                            <a:schemeClr val="bg1"/>
+                          </a:solidFill>
+                        </a:rPr>
+                        <a:t>12</a:t>
+                      </a:r>
+                    </a:p>
+                  </a:txBody>
+                  <a:tcPr/>
+                </a:tc>
+                <a:tc>
+                  <a:txBody>
+                    <a:bodyPr/>
+                    <a:lstStyle/>
+                    <a:p>
+                      <a:r>
+                        <a:rPr lang="en-US" b="1" dirty="0">
+                          <a:solidFill>
+                            <a:schemeClr val="bg1"/>
+                          </a:solidFill>
+                        </a:rPr>
+                        <a:t>Constellation Software (Canada)</a:t>
+                      </a:r>
+                    </a:p>
+                  </a:txBody>
+                  <a:tcPr/>
+                </a:tc>
+                <a:extLst>
+                  <a:ext uri="{0D108BD9-81ED-4DB2-BD59-A6C34878D82A}">
+                    <a16:rowId xmlns:a16="http://schemas.microsoft.com/office/drawing/2014/main" val="2843972986"/>
+                  </a:ext>
+                </a:extLst>
+              </a:tr>
+              <a:tr h="370840">
+                <a:tc>
+                  <a:txBody>
+                    <a:bodyPr/>
+                    <a:lstStyle/>
+                    <a:p>
+                      <a:pPr algn="ctr"/>
+                      <a:r>
+                        <a:rPr lang="en-US" b="1" dirty="0">
+                          <a:solidFill>
+                            <a:schemeClr val="bg1"/>
+                          </a:solidFill>
+                        </a:rPr>
+                        <a:t>13</a:t>
+                      </a:r>
+                    </a:p>
+                  </a:txBody>
+                  <a:tcPr/>
+                </a:tc>
+                <a:tc>
+                  <a:txBody>
+                    <a:bodyPr/>
+                    <a:lstStyle/>
+                    <a:p>
+                      <a:r>
+                        <a:rPr lang="en-US" b="1" dirty="0">
+                          <a:solidFill>
+                            <a:schemeClr val="bg1"/>
+                          </a:solidFill>
+                        </a:rPr>
+                        <a:t>Sopra Steria (France)</a:t>
+                      </a:r>
+                    </a:p>
+                  </a:txBody>
+                  <a:tcPr/>
+                </a:tc>
+                <a:tc>
+                  <a:txBody>
+                    <a:bodyPr/>
+                    <a:lstStyle/>
+                    <a:p>
+                      <a:pPr algn="ctr"/>
+                      <a:r>
+                        <a:rPr lang="en-US" b="1" dirty="0">
+                          <a:solidFill>
+                            <a:schemeClr val="bg1"/>
+                          </a:solidFill>
+                        </a:rPr>
+                        <a:t>14</a:t>
+                      </a:r>
+                    </a:p>
+                  </a:txBody>
+                  <a:tcPr/>
+                </a:tc>
+                <a:tc>
+                  <a:txBody>
+                    <a:bodyPr/>
+                    <a:lstStyle/>
+                    <a:p>
+                      <a:r>
+                        <a:rPr lang="en-US" b="1" dirty="0">
+                          <a:solidFill>
+                            <a:schemeClr val="bg1"/>
+                          </a:solidFill>
+                        </a:rPr>
+                        <a:t>Capgemini (France)</a:t>
+                      </a:r>
+                    </a:p>
+                  </a:txBody>
+                  <a:tcPr/>
+                </a:tc>
+                <a:extLst>
+                  <a:ext uri="{0D108BD9-81ED-4DB2-BD59-A6C34878D82A}">
+                    <a16:rowId xmlns:a16="http://schemas.microsoft.com/office/drawing/2014/main" val="15772252"/>
+                  </a:ext>
+                </a:extLst>
+              </a:tr>
+              <a:tr h="370840">
+                <a:tc>
+                  <a:txBody>
+                    <a:bodyPr/>
+                    <a:lstStyle/>
+                    <a:p>
+                      <a:pPr algn="ctr"/>
+                      <a:r>
+                        <a:rPr lang="en-US" b="1" dirty="0">
+                          <a:solidFill>
+                            <a:schemeClr val="bg1"/>
+                          </a:solidFill>
+                        </a:rPr>
+                        <a:t>15</a:t>
+                      </a:r>
+                    </a:p>
+                  </a:txBody>
+                  <a:tcPr/>
+                </a:tc>
+                <a:tc>
+                  <a:txBody>
+                    <a:bodyPr/>
+                    <a:lstStyle/>
+                    <a:p>
+                      <a:r>
+                        <a:rPr lang="en-US" b="1" dirty="0">
+                          <a:solidFill>
+                            <a:schemeClr val="bg1"/>
+                          </a:solidFill>
+                        </a:rPr>
+                        <a:t>BCE Inc (Canada)</a:t>
+                      </a:r>
+                    </a:p>
+                  </a:txBody>
+                  <a:tcPr/>
+                </a:tc>
+                <a:tc>
+                  <a:txBody>
+                    <a:bodyPr/>
+                    <a:lstStyle/>
+                    <a:p>
+                      <a:pPr algn="ctr"/>
+                      <a:endParaRPr lang="en-US" b="1" dirty="0">
+                        <a:solidFill>
+                          <a:schemeClr val="bg1"/>
+                        </a:solidFill>
+                      </a:endParaRPr>
+                    </a:p>
+                  </a:txBody>
+                  <a:tcPr/>
+                </a:tc>
+                <a:tc>
+                  <a:txBody>
+                    <a:bodyPr/>
+                    <a:lstStyle/>
+                    <a:p>
+                      <a:endParaRPr lang="en-US" b="1" dirty="0">
+                        <a:solidFill>
+                          <a:schemeClr val="bg1"/>
+                        </a:solidFill>
+                      </a:endParaRPr>
+                    </a:p>
+                  </a:txBody>
+                  <a:tcPr/>
+                </a:tc>
+                <a:extLst>
+                  <a:ext uri="{0D108BD9-81ED-4DB2-BD59-A6C34878D82A}">
+                    <a16:rowId xmlns:a16="http://schemas.microsoft.com/office/drawing/2014/main" val="31881460"/>
+                  </a:ext>
+                </a:extLst>
+              </a:tr>
+            </a:tbl>
+          </a:graphicData>
+        </a:graphic>
+      </p:graphicFrame>
+      <p:sp>
+        <p:nvSpPr>
+          <p:cNvPr id="5" name="TextBox 4">
+            <a:extLst>
+              <a:ext uri="{FF2B5EF4-FFF2-40B4-BE49-F238E27FC236}">
+                <a16:creationId xmlns:a16="http://schemas.microsoft.com/office/drawing/2014/main" id="{AB69F8AB-E299-81B4-335D-94B5375AB66B}"/>
+              </a:ext>
+            </a:extLst>
+          </p:cNvPr>
+          <p:cNvSpPr txBox="1"/>
+          <p:nvPr/>
+        </p:nvSpPr>
+        <p:spPr>
+          <a:xfrm>
+            <a:off x="1401064" y="6148334"/>
+            <a:ext cx="9023096" cy="523220"/>
+          </a:xfrm>
+          <a:prstGeom prst="rect">
+            <a:avLst/>
+          </a:prstGeom>
+          <a:noFill/>
+        </p:spPr>
+        <p:txBody>
+          <a:bodyPr wrap="square" rtlCol="0">
+            <a:spAutoFit/>
+          </a:bodyPr>
+          <a:lstStyle/>
+          <a:p>
+            <a:r>
+              <a:rPr lang="en-US" sz="1400" dirty="0">
+                <a:solidFill>
+                  <a:schemeClr val="bg1"/>
+                </a:solidFill>
+              </a:rPr>
+              <a:t>Note: The data contained in this table is for educational purposes only. We do not bear responsibility for the sale or purchase of any security.</a:t>
+            </a:r>
+          </a:p>
+        </p:txBody>
+      </p:sp>
     </p:spTree>
     <p:extLst>
       <p:ext uri="{BB962C8B-B14F-4D97-AF65-F5344CB8AC3E}">
@@ -4662,6 +5910,271 @@
         <p:cNvPr id="1" name="">
           <a:extLst>
             <a:ext uri="{FF2B5EF4-FFF2-40B4-BE49-F238E27FC236}">
+              <a16:creationId xmlns:a16="http://schemas.microsoft.com/office/drawing/2014/main" id="{9B9CB7B7-7D0D-896A-505A-AB9209A40491}"/>
+            </a:ext>
+          </a:extLst>
+        </p:cNvPr>
+        <p:cNvGrpSpPr/>
+        <p:nvPr/>
+      </p:nvGrpSpPr>
+      <p:grpSpPr>
+        <a:xfrm>
+          <a:off x="0" y="0"/>
+          <a:ext cx="0" cy="0"/>
+          <a:chOff x="0" y="0"/>
+          <a:chExt cx="0" cy="0"/>
+        </a:xfrm>
+      </p:grpSpPr>
+      <p:pic>
+        <p:nvPicPr>
+          <p:cNvPr id="3" name="Picture 2">
+            <a:extLst>
+              <a:ext uri="{FF2B5EF4-FFF2-40B4-BE49-F238E27FC236}">
+                <a16:creationId xmlns:a16="http://schemas.microsoft.com/office/drawing/2014/main" id="{4592DCE2-5CBE-83D1-822D-92E8206193F2}"/>
+              </a:ext>
+            </a:extLst>
+          </p:cNvPr>
+          <p:cNvPicPr>
+            <a:picLocks noChangeAspect="1"/>
+          </p:cNvPicPr>
+          <p:nvPr/>
+        </p:nvPicPr>
+        <p:blipFill>
+          <a:blip r:embed="rId2">
+            <a:extLst>
+              <a:ext uri="{28A0092B-C50C-407E-A947-70E740481C1C}">
+                <a14:useLocalDpi xmlns:a14="http://schemas.microsoft.com/office/drawing/2010/main" val="0"/>
+              </a:ext>
+            </a:extLst>
+          </a:blip>
+          <a:stretch>
+            <a:fillRect/>
+          </a:stretch>
+        </p:blipFill>
+        <p:spPr>
+          <a:xfrm>
+            <a:off x="0" y="0"/>
+            <a:ext cx="12192000" cy="6940296"/>
+          </a:xfrm>
+          <a:prstGeom prst="rect">
+            <a:avLst/>
+          </a:prstGeom>
+        </p:spPr>
+      </p:pic>
+      <p:sp>
+        <p:nvSpPr>
+          <p:cNvPr id="2" name="TextBox 1">
+            <a:extLst>
+              <a:ext uri="{FF2B5EF4-FFF2-40B4-BE49-F238E27FC236}">
+                <a16:creationId xmlns:a16="http://schemas.microsoft.com/office/drawing/2014/main" id="{0F9061C5-518C-EB8A-A5D8-03242A858753}"/>
+              </a:ext>
+            </a:extLst>
+          </p:cNvPr>
+          <p:cNvSpPr txBox="1"/>
+          <p:nvPr/>
+        </p:nvSpPr>
+        <p:spPr>
+          <a:xfrm>
+            <a:off x="868680" y="630936"/>
+            <a:ext cx="10021824" cy="4770537"/>
+          </a:xfrm>
+          <a:prstGeom prst="rect">
+            <a:avLst/>
+          </a:prstGeom>
+          <a:noFill/>
+        </p:spPr>
+        <p:txBody>
+          <a:bodyPr wrap="square" rtlCol="0">
+            <a:spAutoFit/>
+          </a:bodyPr>
+          <a:lstStyle/>
+          <a:p>
+            <a:pPr algn="ctr"/>
+            <a:r>
+              <a:rPr lang="en-US" sz="2800" b="1" dirty="0">
+                <a:solidFill>
+                  <a:schemeClr val="accent5">
+                    <a:lumMod val="40000"/>
+                    <a:lumOff val="60000"/>
+                  </a:schemeClr>
+                </a:solidFill>
+              </a:rPr>
+              <a:t>Future Development Plan</a:t>
+            </a:r>
+            <a:endParaRPr lang="en-US" dirty="0">
+              <a:solidFill>
+                <a:schemeClr val="bg1"/>
+              </a:solidFill>
+            </a:endParaRPr>
+          </a:p>
+          <a:p>
+            <a:endParaRPr lang="en-US" dirty="0">
+              <a:solidFill>
+                <a:schemeClr val="bg1"/>
+              </a:solidFill>
+            </a:endParaRPr>
+          </a:p>
+          <a:p>
+            <a:endParaRPr lang="en-US" dirty="0">
+              <a:solidFill>
+                <a:schemeClr val="bg1"/>
+              </a:solidFill>
+            </a:endParaRPr>
+          </a:p>
+          <a:p>
+            <a:r>
+              <a:rPr lang="en-US" sz="2400" b="1" dirty="0">
+                <a:solidFill>
+                  <a:schemeClr val="accent2">
+                    <a:lumMod val="60000"/>
+                    <a:lumOff val="40000"/>
+                  </a:schemeClr>
+                </a:solidFill>
+              </a:rPr>
+              <a:t>Objective:</a:t>
+            </a:r>
+          </a:p>
+          <a:p>
+            <a:pPr marL="342900" indent="-342900">
+              <a:buFont typeface="Wingdings" panose="05000000000000000000" pitchFamily="2" charset="2"/>
+              <a:buChar char="Ø"/>
+            </a:pPr>
+            <a:r>
+              <a:rPr lang="en-US" sz="2400" dirty="0">
+                <a:solidFill>
+                  <a:schemeClr val="bg1"/>
+                </a:solidFill>
+              </a:rPr>
+              <a:t>Enhance analysis of technology sector investments and other sectors.</a:t>
+            </a:r>
+          </a:p>
+          <a:p>
+            <a:pPr marL="342900" indent="-342900">
+              <a:buFont typeface="Wingdings" panose="05000000000000000000" pitchFamily="2" charset="2"/>
+              <a:buChar char="Ø"/>
+            </a:pPr>
+            <a:endParaRPr lang="en-US" sz="2400" dirty="0">
+              <a:solidFill>
+                <a:schemeClr val="bg1"/>
+              </a:solidFill>
+            </a:endParaRPr>
+          </a:p>
+          <a:p>
+            <a:r>
+              <a:rPr lang="en-US" sz="2400" b="1" dirty="0">
+                <a:solidFill>
+                  <a:schemeClr val="accent2">
+                    <a:lumMod val="60000"/>
+                    <a:lumOff val="40000"/>
+                  </a:schemeClr>
+                </a:solidFill>
+              </a:rPr>
+              <a:t>Plan:</a:t>
+            </a:r>
+          </a:p>
+          <a:p>
+            <a:pPr marL="342900" indent="-342900">
+              <a:buFont typeface="Wingdings" panose="05000000000000000000" pitchFamily="2" charset="2"/>
+              <a:buChar char="Ø"/>
+            </a:pPr>
+            <a:r>
+              <a:rPr lang="en-US" sz="2400" dirty="0">
+                <a:solidFill>
+                  <a:schemeClr val="bg1"/>
+                </a:solidFill>
+              </a:rPr>
+              <a:t>Establish additional financial indicators to better evaluate securities.</a:t>
+            </a:r>
+          </a:p>
+          <a:p>
+            <a:pPr marL="342900" indent="-342900">
+              <a:buFont typeface="Wingdings" panose="05000000000000000000" pitchFamily="2" charset="2"/>
+              <a:buChar char="Ø"/>
+            </a:pPr>
+            <a:r>
+              <a:rPr lang="en-US" sz="2400" dirty="0">
+                <a:solidFill>
+                  <a:schemeClr val="bg1"/>
+                </a:solidFill>
+              </a:rPr>
+              <a:t>Utilize artificial intelligence through machine learning for advanced analysis.</a:t>
+            </a:r>
+          </a:p>
+          <a:p>
+            <a:pPr marL="342900" indent="-342900">
+              <a:buFont typeface="Wingdings" panose="05000000000000000000" pitchFamily="2" charset="2"/>
+              <a:buChar char="Ø"/>
+            </a:pPr>
+            <a:endParaRPr lang="en-US" sz="2400" dirty="0">
+              <a:solidFill>
+                <a:schemeClr val="bg1"/>
+              </a:solidFill>
+            </a:endParaRPr>
+          </a:p>
+          <a:p>
+            <a:r>
+              <a:rPr lang="en-US" sz="2400" b="1" dirty="0">
+                <a:solidFill>
+                  <a:schemeClr val="accent2">
+                    <a:lumMod val="60000"/>
+                    <a:lumOff val="40000"/>
+                  </a:schemeClr>
+                </a:solidFill>
+              </a:rPr>
+              <a:t>Benefits:</a:t>
+            </a:r>
+          </a:p>
+          <a:p>
+            <a:pPr marL="342900" indent="-342900">
+              <a:buFont typeface="Wingdings" panose="05000000000000000000" pitchFamily="2" charset="2"/>
+              <a:buChar char="Ø"/>
+            </a:pPr>
+            <a:r>
+              <a:rPr lang="en-US" sz="2400" dirty="0">
+                <a:solidFill>
+                  <a:schemeClr val="bg1"/>
+                </a:solidFill>
+              </a:rPr>
+              <a:t>Improved decision-making for investors.</a:t>
+            </a:r>
+          </a:p>
+          <a:p>
+            <a:pPr marL="342900" indent="-342900">
+              <a:buFont typeface="Wingdings" panose="05000000000000000000" pitchFamily="2" charset="2"/>
+              <a:buChar char="Ø"/>
+            </a:pPr>
+            <a:r>
+              <a:rPr lang="en-US" sz="2400" dirty="0">
+                <a:solidFill>
+                  <a:schemeClr val="bg1"/>
+                </a:solidFill>
+              </a:rPr>
+              <a:t>Enhanced accuracy and efficiency in security selection.</a:t>
+            </a:r>
+          </a:p>
+        </p:txBody>
+      </p:sp>
+    </p:spTree>
+    <p:extLst>
+      <p:ext uri="{BB962C8B-B14F-4D97-AF65-F5344CB8AC3E}">
+        <p14:creationId xmlns:p14="http://schemas.microsoft.com/office/powerpoint/2010/main" val="723903424"/>
+      </p:ext>
+    </p:extLst>
+  </p:cSld>
+  <p:clrMapOvr>
+    <a:masterClrMapping/>
+  </p:clrMapOvr>
+</p:sld>
+</file>
+
+<file path=ppt/slides/slide13.xml><?xml version="1.0" encoding="utf-8"?>
+<p:sld xmlns:a="http://schemas.openxmlformats.org/drawingml/2006/main" xmlns:r="http://schemas.openxmlformats.org/officeDocument/2006/relationships" xmlns:p="http://schemas.openxmlformats.org/presentationml/2006/main">
+  <p:cSld>
+    <p:spTree>
+      <p:nvGrpSpPr>
+        <p:cNvPr id="1" name="">
+          <a:extLst>
+            <a:ext uri="{FF2B5EF4-FFF2-40B4-BE49-F238E27FC236}">
               <a16:creationId xmlns:a16="http://schemas.microsoft.com/office/drawing/2014/main" id="{3A51C0DA-7F70-3660-0080-F2D3C14FBE90}"/>
             </a:ext>
           </a:extLst>
@@ -4910,13 +6423,17 @@
             </a:r>
           </a:p>
           <a:p>
+            <a:pPr marL="342900" indent="-342900">
+              <a:buFont typeface="Wingdings" panose="05000000000000000000" pitchFamily="2" charset="2"/>
+              <a:buChar char="Ø"/>
+            </a:pPr>
             <a:r>
               <a:rPr lang="en-US" sz="2400" dirty="0">
                 <a:solidFill>
                   <a:schemeClr val="bg1"/>
                 </a:solidFill>
               </a:rPr>
-              <a:t> Help investors make informed decisions about technology sector investments worldwide.</a:t>
+              <a:t>Help investors make informed decisions about technology sector investments worldwide.</a:t>
             </a:r>
           </a:p>
           <a:p>
@@ -4937,6 +6454,10 @@
             </a:r>
           </a:p>
           <a:p>
+            <a:pPr marL="342900" indent="-342900">
+              <a:buFont typeface="Wingdings" panose="05000000000000000000" pitchFamily="2" charset="2"/>
+              <a:buChar char="Ø"/>
+            </a:pPr>
             <a:r>
               <a:rPr lang="en-US" sz="2400" dirty="0">
                 <a:solidFill>
@@ -4964,6 +6485,10 @@
             </a:r>
           </a:p>
           <a:p>
+            <a:pPr marL="342900" indent="-342900">
+              <a:buFont typeface="Wingdings" panose="05000000000000000000" pitchFamily="2" charset="2"/>
+              <a:buChar char="Ø"/>
+            </a:pPr>
             <a:r>
               <a:rPr lang="en-US" sz="2400" dirty="0">
                 <a:solidFill>
@@ -5091,10 +6616,10 @@
       </p:sp>
       <p:pic>
         <p:nvPicPr>
-          <p:cNvPr id="5" name="Picture 4">
-            <a:extLst>
-              <a:ext uri="{FF2B5EF4-FFF2-40B4-BE49-F238E27FC236}">
-                <a16:creationId xmlns:a16="http://schemas.microsoft.com/office/drawing/2014/main" id="{F0BE0A9C-C29C-7903-F634-B9C625F24F23}"/>
+          <p:cNvPr id="6" name="Picture 5" descr="A screen shot of a map&#10;&#10;Description automatically generated">
+            <a:extLst>
+              <a:ext uri="{FF2B5EF4-FFF2-40B4-BE49-F238E27FC236}">
+                <a16:creationId xmlns:a16="http://schemas.microsoft.com/office/drawing/2014/main" id="{FA22D336-1461-2DA7-0A08-88245F2145AB}"/>
               </a:ext>
             </a:extLst>
           </p:cNvPr>
@@ -5104,15 +6629,21 @@
           <p:nvPr/>
         </p:nvPicPr>
         <p:blipFill>
-          <a:blip r:embed="rId3"/>
+          <a:blip r:embed="rId3">
+            <a:extLst>
+              <a:ext uri="{28A0092B-C50C-407E-A947-70E740481C1C}">
+                <a14:useLocalDpi xmlns:a14="http://schemas.microsoft.com/office/drawing/2010/main" val="0"/>
+              </a:ext>
+            </a:extLst>
+          </a:blip>
           <a:stretch>
             <a:fillRect/>
           </a:stretch>
         </p:blipFill>
         <p:spPr>
           <a:xfrm>
-            <a:off x="731520" y="1151567"/>
-            <a:ext cx="10588752" cy="5360744"/>
+            <a:off x="922315" y="1298334"/>
+            <a:ext cx="10347369" cy="4753208"/>
           </a:xfrm>
           <a:prstGeom prst="roundRect">
             <a:avLst>
@@ -5232,7 +6763,7 @@
         <p:spPr>
           <a:xfrm>
             <a:off x="548640" y="410248"/>
-            <a:ext cx="11055096" cy="1354217"/>
+            <a:ext cx="11055096" cy="1384995"/>
           </a:xfrm>
           <a:prstGeom prst="rect">
             <a:avLst/>
@@ -5270,7 +6801,7 @@
           </a:p>
           <a:p>
             <a:r>
-              <a:rPr lang="en-US" b="1" dirty="0">
+              <a:rPr lang="en-US" sz="2000" b="1" dirty="0">
                 <a:solidFill>
                   <a:schemeClr val="accent2">
                     <a:lumMod val="60000"/>
@@ -5282,6 +6813,10 @@
             </a:r>
           </a:p>
           <a:p>
+            <a:pPr marL="285750" indent="-285750">
+              <a:buFont typeface="Wingdings" panose="05000000000000000000" pitchFamily="2" charset="2"/>
+              <a:buChar char="Ø"/>
+            </a:pPr>
             <a:r>
               <a:rPr lang="en-US" dirty="0">
                 <a:solidFill>
@@ -5488,7 +7023,7 @@
           <a:p>
             <a:pPr marL="285750" indent="-285750">
               <a:buFont typeface="Wingdings" panose="05000000000000000000" pitchFamily="2" charset="2"/>
-              <a:buChar char="§"/>
+              <a:buChar char="Ø"/>
             </a:pPr>
             <a:r>
               <a:rPr lang="en-US" b="0" i="0" dirty="0">
@@ -5504,7 +7039,7 @@
           <a:p>
             <a:pPr marL="285750" indent="-285750">
               <a:buFont typeface="Wingdings" panose="05000000000000000000" pitchFamily="2" charset="2"/>
-              <a:buChar char="§"/>
+              <a:buChar char="Ø"/>
             </a:pPr>
             <a:r>
               <a:rPr lang="en-US" b="0" i="0" dirty="0">
@@ -5546,7 +7081,7 @@
         </p:blipFill>
         <p:spPr>
           <a:xfrm>
-            <a:off x="1170432" y="2257009"/>
+            <a:off x="1170432" y="2467321"/>
             <a:ext cx="10152888" cy="3484722"/>
           </a:xfrm>
           <a:prstGeom prst="roundRect">
@@ -5667,7 +7202,7 @@
         <p:spPr>
           <a:xfrm>
             <a:off x="548640" y="410248"/>
-            <a:ext cx="11055096" cy="1354217"/>
+            <a:ext cx="11055096" cy="1384995"/>
           </a:xfrm>
           <a:prstGeom prst="rect">
             <a:avLst/>
@@ -5705,7 +7240,7 @@
           </a:p>
           <a:p>
             <a:r>
-              <a:rPr lang="en-US" b="1" dirty="0">
+              <a:rPr lang="en-US" sz="2000" b="1" dirty="0">
                 <a:solidFill>
                   <a:schemeClr val="accent2">
                     <a:lumMod val="60000"/>
@@ -5717,6 +7252,10 @@
             </a:r>
           </a:p>
           <a:p>
+            <a:pPr marL="285750" indent="-285750">
+              <a:buFont typeface="Wingdings" panose="05000000000000000000" pitchFamily="2" charset="2"/>
+              <a:buChar char="Ø"/>
+            </a:pPr>
             <a:r>
               <a:rPr lang="en-US" dirty="0">
                 <a:solidFill>
@@ -6103,7 +7642,7 @@
         </p:nvSpPr>
         <p:spPr>
           <a:xfrm>
-            <a:off x="1234440" y="576072"/>
+            <a:off x="1225296" y="200801"/>
             <a:ext cx="9134856" cy="2492990"/>
           </a:xfrm>
           <a:prstGeom prst="rect">
@@ -6154,6 +7693,10 @@
             </a:r>
           </a:p>
           <a:p>
+            <a:pPr marL="342900" indent="-342900">
+              <a:buFont typeface="Wingdings" panose="05000000000000000000" pitchFamily="2" charset="2"/>
+              <a:buChar char="Ø"/>
+            </a:pPr>
             <a:r>
               <a:rPr lang="en-US" sz="2000" dirty="0">
                 <a:solidFill>
@@ -6187,6 +7730,10 @@
             </a:r>
           </a:p>
           <a:p>
+            <a:pPr marL="342900" indent="-342900">
+              <a:buFont typeface="Wingdings" panose="05000000000000000000" pitchFamily="2" charset="2"/>
+              <a:buChar char="Ø"/>
+            </a:pPr>
             <a:r>
               <a:rPr lang="en-US" sz="2000" dirty="0">
                 <a:solidFill>
@@ -6226,12 +7773,38 @@
         </p:blipFill>
         <p:spPr>
           <a:xfrm>
-            <a:off x="365982" y="3161425"/>
-            <a:ext cx="11491586" cy="3438000"/>
+            <a:off x="557384" y="2931169"/>
+            <a:ext cx="11300183" cy="3668256"/>
           </a:xfrm>
-          <a:prstGeom prst="rect">
-            <a:avLst/>
+          <a:prstGeom prst="roundRect">
+            <a:avLst>
+              <a:gd name="adj" fmla="val 4167"/>
+            </a:avLst>
           </a:prstGeom>
+          <a:solidFill>
+            <a:srgbClr val="FFFFFF"/>
+          </a:solidFill>
+          <a:ln w="76200" cap="sq">
+            <a:solidFill>
+              <a:srgbClr val="EAEAEA"/>
+            </a:solidFill>
+            <a:miter lim="800000"/>
+          </a:ln>
+          <a:effectLst>
+            <a:reflection blurRad="12700" stA="33000" endPos="28000" dist="5000" dir="5400000" sy="-100000" algn="bl" rotWithShape="0"/>
+          </a:effectLst>
+          <a:scene3d>
+            <a:camera prst="orthographicFront"/>
+            <a:lightRig rig="threePt" dir="t">
+              <a:rot lat="0" lon="0" rev="2700000"/>
+            </a:lightRig>
+          </a:scene3d>
+          <a:sp3d contourW="6350">
+            <a:bevelT h="38100"/>
+            <a:contourClr>
+              <a:srgbClr val="C0C0C0"/>
+            </a:contourClr>
+          </a:sp3d>
         </p:spPr>
       </p:pic>
     </p:spTree>
@@ -6372,6 +7945,10 @@
             </a:r>
           </a:p>
           <a:p>
+            <a:pPr marL="342900" indent="-342900">
+              <a:buFont typeface="Wingdings" panose="05000000000000000000" pitchFamily="2" charset="2"/>
+              <a:buChar char="Ø"/>
+            </a:pPr>
             <a:r>
               <a:rPr lang="en-US" sz="2000" dirty="0">
                 <a:solidFill>
@@ -6405,6 +7982,10 @@
             </a:r>
           </a:p>
           <a:p>
+            <a:pPr marL="342900" indent="-342900">
+              <a:buFont typeface="Wingdings" panose="05000000000000000000" pitchFamily="2" charset="2"/>
+              <a:buChar char="Ø"/>
+            </a:pPr>
             <a:r>
               <a:rPr lang="en-US" sz="2000" dirty="0">
                 <a:solidFill>
@@ -6445,11 +8026,37 @@
         <p:spPr>
           <a:xfrm>
             <a:off x="650107" y="2984938"/>
-            <a:ext cx="11163520" cy="3788522"/>
+            <a:ext cx="10761605" cy="3580760"/>
           </a:xfrm>
-          <a:prstGeom prst="rect">
-            <a:avLst/>
+          <a:prstGeom prst="roundRect">
+            <a:avLst>
+              <a:gd name="adj" fmla="val 4167"/>
+            </a:avLst>
           </a:prstGeom>
+          <a:solidFill>
+            <a:srgbClr val="FFFFFF"/>
+          </a:solidFill>
+          <a:ln w="76200" cap="sq">
+            <a:solidFill>
+              <a:srgbClr val="EAEAEA"/>
+            </a:solidFill>
+            <a:miter lim="800000"/>
+          </a:ln>
+          <a:effectLst>
+            <a:reflection blurRad="12700" stA="33000" endPos="28000" dist="5000" dir="5400000" sy="-100000" algn="bl" rotWithShape="0"/>
+          </a:effectLst>
+          <a:scene3d>
+            <a:camera prst="orthographicFront"/>
+            <a:lightRig rig="threePt" dir="t">
+              <a:rot lat="0" lon="0" rev="2700000"/>
+            </a:lightRig>
+          </a:scene3d>
+          <a:sp3d contourW="6350">
+            <a:bevelT h="38100"/>
+            <a:contourClr>
+              <a:srgbClr val="C0C0C0"/>
+            </a:contourClr>
+          </a:sp3d>
         </p:spPr>
       </p:pic>
     </p:spTree>
